--- a/doc/poster_dublin.pptx
+++ b/doc/poster_dublin.pptx
@@ -159,7 +159,7 @@
             </a:lvl1pPr>
           </a:lstStyle>
           <a:p>
-            <a:endParaRPr lang="en-US"/>
+            <a:endParaRPr lang="en-US" dirty="0"/>
           </a:p>
         </p:txBody>
       </p:sp>
@@ -192,9 +192,9 @@
           <a:p>
             <a:fld id="{6A283077-1033-4381-820A-AC92D2649409}" type="datetimeFigureOut">
               <a:rPr lang="en-US" smtClean="0"/>
-              <a:t>6/25/2015</a:t>
+              <a:t>6/26/2015</a:t>
             </a:fld>
-            <a:endParaRPr lang="en-US"/>
+            <a:endParaRPr lang="en-US" dirty="0"/>
           </a:p>
         </p:txBody>
       </p:sp>
@@ -227,7 +227,7 @@
           <a:bodyPr vert="horz" lIns="91440" tIns="45720" rIns="91440" bIns="45720" rtlCol="0" anchor="ctr"/>
           <a:lstStyle/>
           <a:p>
-            <a:endParaRPr lang="en-US"/>
+            <a:endParaRPr lang="en-US" dirty="0"/>
           </a:p>
         </p:txBody>
       </p:sp>
@@ -318,7 +318,7 @@
             </a:lvl1pPr>
           </a:lstStyle>
           <a:p>
-            <a:endParaRPr lang="en-US"/>
+            <a:endParaRPr lang="en-US" dirty="0"/>
           </a:p>
         </p:txBody>
       </p:sp>
@@ -353,7 +353,7 @@
               <a:rPr lang="en-US" smtClean="0"/>
               <a:t>‹Nº›</a:t>
             </a:fld>
-            <a:endParaRPr lang="en-US"/>
+            <a:endParaRPr lang="en-US" dirty="0"/>
           </a:p>
         </p:txBody>
       </p:sp>
@@ -527,7 +527,7 @@
               <a:rPr lang="en-US" smtClean="0"/>
               <a:t>1</a:t>
             </a:fld>
-            <a:endParaRPr lang="en-US"/>
+            <a:endParaRPr lang="en-US" dirty="0"/>
           </a:p>
         </p:txBody>
       </p:sp>
@@ -725,9 +725,9 @@
           <a:p>
             <a:fld id="{F8734D92-E82E-4278-8021-1BECFDB70FF8}" type="datetimeFigureOut">
               <a:rPr lang="en-US" smtClean="0"/>
-              <a:t>6/25/2015</a:t>
+              <a:t>6/26/2015</a:t>
             </a:fld>
-            <a:endParaRPr lang="en-US"/>
+            <a:endParaRPr lang="en-US" dirty="0"/>
           </a:p>
         </p:txBody>
       </p:sp>
@@ -746,7 +746,7 @@
           <a:bodyPr/>
           <a:lstStyle/>
           <a:p>
-            <a:endParaRPr lang="en-US"/>
+            <a:endParaRPr lang="en-US" dirty="0"/>
           </a:p>
         </p:txBody>
       </p:sp>
@@ -769,7 +769,7 @@
               <a:rPr lang="en-US" smtClean="0"/>
               <a:t>‹Nº›</a:t>
             </a:fld>
-            <a:endParaRPr lang="en-US"/>
+            <a:endParaRPr lang="en-US" dirty="0"/>
           </a:p>
         </p:txBody>
       </p:sp>
@@ -895,9 +895,9 @@
           <a:p>
             <a:fld id="{F8734D92-E82E-4278-8021-1BECFDB70FF8}" type="datetimeFigureOut">
               <a:rPr lang="en-US" smtClean="0"/>
-              <a:t>6/25/2015</a:t>
+              <a:t>6/26/2015</a:t>
             </a:fld>
-            <a:endParaRPr lang="en-US"/>
+            <a:endParaRPr lang="en-US" dirty="0"/>
           </a:p>
         </p:txBody>
       </p:sp>
@@ -916,7 +916,7 @@
           <a:bodyPr/>
           <a:lstStyle/>
           <a:p>
-            <a:endParaRPr lang="en-US"/>
+            <a:endParaRPr lang="en-US" dirty="0"/>
           </a:p>
         </p:txBody>
       </p:sp>
@@ -939,7 +939,7 @@
               <a:rPr lang="en-US" smtClean="0"/>
               <a:t>‹Nº›</a:t>
             </a:fld>
-            <a:endParaRPr lang="en-US"/>
+            <a:endParaRPr lang="en-US" dirty="0"/>
           </a:p>
         </p:txBody>
       </p:sp>
@@ -1075,9 +1075,9 @@
           <a:p>
             <a:fld id="{F8734D92-E82E-4278-8021-1BECFDB70FF8}" type="datetimeFigureOut">
               <a:rPr lang="en-US" smtClean="0"/>
-              <a:t>6/25/2015</a:t>
+              <a:t>6/26/2015</a:t>
             </a:fld>
-            <a:endParaRPr lang="en-US"/>
+            <a:endParaRPr lang="en-US" dirty="0"/>
           </a:p>
         </p:txBody>
       </p:sp>
@@ -1096,7 +1096,7 @@
           <a:bodyPr/>
           <a:lstStyle/>
           <a:p>
-            <a:endParaRPr lang="en-US"/>
+            <a:endParaRPr lang="en-US" dirty="0"/>
           </a:p>
         </p:txBody>
       </p:sp>
@@ -1119,7 +1119,7 @@
               <a:rPr lang="en-US" smtClean="0"/>
               <a:t>‹Nº›</a:t>
             </a:fld>
-            <a:endParaRPr lang="en-US"/>
+            <a:endParaRPr lang="en-US" dirty="0"/>
           </a:p>
         </p:txBody>
       </p:sp>
@@ -1245,9 +1245,9 @@
           <a:p>
             <a:fld id="{F8734D92-E82E-4278-8021-1BECFDB70FF8}" type="datetimeFigureOut">
               <a:rPr lang="en-US" smtClean="0"/>
-              <a:t>6/25/2015</a:t>
+              <a:t>6/26/2015</a:t>
             </a:fld>
-            <a:endParaRPr lang="en-US"/>
+            <a:endParaRPr lang="en-US" dirty="0"/>
           </a:p>
         </p:txBody>
       </p:sp>
@@ -1266,7 +1266,7 @@
           <a:bodyPr/>
           <a:lstStyle/>
           <a:p>
-            <a:endParaRPr lang="en-US"/>
+            <a:endParaRPr lang="en-US" dirty="0"/>
           </a:p>
         </p:txBody>
       </p:sp>
@@ -1289,7 +1289,7 @@
               <a:rPr lang="en-US" smtClean="0"/>
               <a:t>‹Nº›</a:t>
             </a:fld>
-            <a:endParaRPr lang="en-US"/>
+            <a:endParaRPr lang="en-US" dirty="0"/>
           </a:p>
         </p:txBody>
       </p:sp>
@@ -1491,9 +1491,9 @@
           <a:p>
             <a:fld id="{F8734D92-E82E-4278-8021-1BECFDB70FF8}" type="datetimeFigureOut">
               <a:rPr lang="en-US" smtClean="0"/>
-              <a:t>6/25/2015</a:t>
+              <a:t>6/26/2015</a:t>
             </a:fld>
-            <a:endParaRPr lang="en-US"/>
+            <a:endParaRPr lang="en-US" dirty="0"/>
           </a:p>
         </p:txBody>
       </p:sp>
@@ -1512,7 +1512,7 @@
           <a:bodyPr/>
           <a:lstStyle/>
           <a:p>
-            <a:endParaRPr lang="en-US"/>
+            <a:endParaRPr lang="en-US" dirty="0"/>
           </a:p>
         </p:txBody>
       </p:sp>
@@ -1535,7 +1535,7 @@
               <a:rPr lang="en-US" smtClean="0"/>
               <a:t>‹Nº›</a:t>
             </a:fld>
-            <a:endParaRPr lang="en-US"/>
+            <a:endParaRPr lang="en-US" dirty="0"/>
           </a:p>
         </p:txBody>
       </p:sp>
@@ -1779,9 +1779,9 @@
           <a:p>
             <a:fld id="{F8734D92-E82E-4278-8021-1BECFDB70FF8}" type="datetimeFigureOut">
               <a:rPr lang="en-US" smtClean="0"/>
-              <a:t>6/25/2015</a:t>
+              <a:t>6/26/2015</a:t>
             </a:fld>
-            <a:endParaRPr lang="en-US"/>
+            <a:endParaRPr lang="en-US" dirty="0"/>
           </a:p>
         </p:txBody>
       </p:sp>
@@ -1800,7 +1800,7 @@
           <a:bodyPr/>
           <a:lstStyle/>
           <a:p>
-            <a:endParaRPr lang="en-US"/>
+            <a:endParaRPr lang="en-US" dirty="0"/>
           </a:p>
         </p:txBody>
       </p:sp>
@@ -1823,7 +1823,7 @@
               <a:rPr lang="en-US" smtClean="0"/>
               <a:t>‹Nº›</a:t>
             </a:fld>
-            <a:endParaRPr lang="en-US"/>
+            <a:endParaRPr lang="en-US" dirty="0"/>
           </a:p>
         </p:txBody>
       </p:sp>
@@ -2201,9 +2201,9 @@
           <a:p>
             <a:fld id="{F8734D92-E82E-4278-8021-1BECFDB70FF8}" type="datetimeFigureOut">
               <a:rPr lang="en-US" smtClean="0"/>
-              <a:t>6/25/2015</a:t>
+              <a:t>6/26/2015</a:t>
             </a:fld>
-            <a:endParaRPr lang="en-US"/>
+            <a:endParaRPr lang="en-US" dirty="0"/>
           </a:p>
         </p:txBody>
       </p:sp>
@@ -2222,7 +2222,7 @@
           <a:bodyPr/>
           <a:lstStyle/>
           <a:p>
-            <a:endParaRPr lang="en-US"/>
+            <a:endParaRPr lang="en-US" dirty="0"/>
           </a:p>
         </p:txBody>
       </p:sp>
@@ -2245,7 +2245,7 @@
               <a:rPr lang="en-US" smtClean="0"/>
               <a:t>‹Nº›</a:t>
             </a:fld>
-            <a:endParaRPr lang="en-US"/>
+            <a:endParaRPr lang="en-US" dirty="0"/>
           </a:p>
         </p:txBody>
       </p:sp>
@@ -2319,9 +2319,9 @@
           <a:p>
             <a:fld id="{F8734D92-E82E-4278-8021-1BECFDB70FF8}" type="datetimeFigureOut">
               <a:rPr lang="en-US" smtClean="0"/>
-              <a:t>6/25/2015</a:t>
+              <a:t>6/26/2015</a:t>
             </a:fld>
-            <a:endParaRPr lang="en-US"/>
+            <a:endParaRPr lang="en-US" dirty="0"/>
           </a:p>
         </p:txBody>
       </p:sp>
@@ -2340,7 +2340,7 @@
           <a:bodyPr/>
           <a:lstStyle/>
           <a:p>
-            <a:endParaRPr lang="en-US"/>
+            <a:endParaRPr lang="en-US" dirty="0"/>
           </a:p>
         </p:txBody>
       </p:sp>
@@ -2363,7 +2363,7 @@
               <a:rPr lang="en-US" smtClean="0"/>
               <a:t>‹Nº›</a:t>
             </a:fld>
-            <a:endParaRPr lang="en-US"/>
+            <a:endParaRPr lang="en-US" dirty="0"/>
           </a:p>
         </p:txBody>
       </p:sp>
@@ -2414,9 +2414,9 @@
           <a:p>
             <a:fld id="{F8734D92-E82E-4278-8021-1BECFDB70FF8}" type="datetimeFigureOut">
               <a:rPr lang="en-US" smtClean="0"/>
-              <a:t>6/25/2015</a:t>
+              <a:t>6/26/2015</a:t>
             </a:fld>
-            <a:endParaRPr lang="en-US"/>
+            <a:endParaRPr lang="en-US" dirty="0"/>
           </a:p>
         </p:txBody>
       </p:sp>
@@ -2435,7 +2435,7 @@
           <a:bodyPr/>
           <a:lstStyle/>
           <a:p>
-            <a:endParaRPr lang="en-US"/>
+            <a:endParaRPr lang="en-US" dirty="0"/>
           </a:p>
         </p:txBody>
       </p:sp>
@@ -2458,7 +2458,7 @@
               <a:rPr lang="en-US" smtClean="0"/>
               <a:t>‹Nº›</a:t>
             </a:fld>
-            <a:endParaRPr lang="en-US"/>
+            <a:endParaRPr lang="en-US" dirty="0"/>
           </a:p>
         </p:txBody>
       </p:sp>
@@ -2691,9 +2691,9 @@
           <a:p>
             <a:fld id="{F8734D92-E82E-4278-8021-1BECFDB70FF8}" type="datetimeFigureOut">
               <a:rPr lang="en-US" smtClean="0"/>
-              <a:t>6/25/2015</a:t>
+              <a:t>6/26/2015</a:t>
             </a:fld>
-            <a:endParaRPr lang="en-US"/>
+            <a:endParaRPr lang="en-US" dirty="0"/>
           </a:p>
         </p:txBody>
       </p:sp>
@@ -2712,7 +2712,7 @@
           <a:bodyPr/>
           <a:lstStyle/>
           <a:p>
-            <a:endParaRPr lang="en-US"/>
+            <a:endParaRPr lang="en-US" dirty="0"/>
           </a:p>
         </p:txBody>
       </p:sp>
@@ -2735,7 +2735,7 @@
               <a:rPr lang="en-US" smtClean="0"/>
               <a:t>‹Nº›</a:t>
             </a:fld>
-            <a:endParaRPr lang="en-US"/>
+            <a:endParaRPr lang="en-US" dirty="0"/>
           </a:p>
         </p:txBody>
       </p:sp>
@@ -2858,7 +2858,7 @@
             </a:lvl9pPr>
           </a:lstStyle>
           <a:p>
-            <a:endParaRPr lang="en-US"/>
+            <a:endParaRPr lang="en-US" dirty="0"/>
           </a:p>
         </p:txBody>
       </p:sp>
@@ -2944,9 +2944,9 @@
           <a:p>
             <a:fld id="{F8734D92-E82E-4278-8021-1BECFDB70FF8}" type="datetimeFigureOut">
               <a:rPr lang="en-US" smtClean="0"/>
-              <a:t>6/25/2015</a:t>
+              <a:t>6/26/2015</a:t>
             </a:fld>
-            <a:endParaRPr lang="en-US"/>
+            <a:endParaRPr lang="en-US" dirty="0"/>
           </a:p>
         </p:txBody>
       </p:sp>
@@ -2965,7 +2965,7 @@
           <a:bodyPr/>
           <a:lstStyle/>
           <a:p>
-            <a:endParaRPr lang="en-US"/>
+            <a:endParaRPr lang="en-US" dirty="0"/>
           </a:p>
         </p:txBody>
       </p:sp>
@@ -2988,7 +2988,7 @@
               <a:rPr lang="en-US" smtClean="0"/>
               <a:t>‹Nº›</a:t>
             </a:fld>
-            <a:endParaRPr lang="en-US"/>
+            <a:endParaRPr lang="en-US" dirty="0"/>
           </a:p>
         </p:txBody>
       </p:sp>
@@ -3157,9 +3157,9 @@
           <a:p>
             <a:fld id="{F8734D92-E82E-4278-8021-1BECFDB70FF8}" type="datetimeFigureOut">
               <a:rPr lang="en-US" smtClean="0"/>
-              <a:t>6/25/2015</a:t>
+              <a:t>6/26/2015</a:t>
             </a:fld>
-            <a:endParaRPr lang="en-US"/>
+            <a:endParaRPr lang="en-US" dirty="0"/>
           </a:p>
         </p:txBody>
       </p:sp>
@@ -3196,7 +3196,7 @@
             </a:lvl1pPr>
           </a:lstStyle>
           <a:p>
-            <a:endParaRPr lang="en-US"/>
+            <a:endParaRPr lang="en-US" dirty="0"/>
           </a:p>
         </p:txBody>
       </p:sp>
@@ -3237,7 +3237,7 @@
               <a:rPr lang="en-US" smtClean="0"/>
               <a:t>‹Nº›</a:t>
             </a:fld>
-            <a:endParaRPr lang="en-US"/>
+            <a:endParaRPr lang="en-US" dirty="0"/>
           </a:p>
         </p:txBody>
       </p:sp>
@@ -3534,14 +3534,14 @@
       </p:grpSpPr>
       <p:sp>
         <p:nvSpPr>
-          <p:cNvPr id="106" name="Rectangle 105"/>
+          <p:cNvPr id="155" name="Rectangle 105"/>
           <p:cNvSpPr/>
           <p:nvPr/>
         </p:nvSpPr>
         <p:spPr>
           <a:xfrm>
-            <a:off x="19812594" y="9289332"/>
-            <a:ext cx="12231191" cy="9649072"/>
+            <a:off x="20378489" y="2952628"/>
+            <a:ext cx="11665295" cy="6336704"/>
           </a:xfrm>
           <a:prstGeom prst="rect">
             <a:avLst/>
@@ -3586,21 +3586,26 @@
       </p:sp>
       <p:sp>
         <p:nvSpPr>
-          <p:cNvPr id="88" name="20 Rectángulo"/>
+          <p:cNvPr id="106" name="Rectangle 105"/>
           <p:cNvSpPr/>
           <p:nvPr/>
         </p:nvSpPr>
         <p:spPr>
           <a:xfrm>
-            <a:off x="25950566" y="13799195"/>
-            <a:ext cx="848508" cy="500608"/>
+            <a:off x="19812594" y="9289332"/>
+            <a:ext cx="12231191" cy="9649072"/>
           </a:xfrm>
           <a:prstGeom prst="rect">
             <a:avLst/>
           </a:prstGeom>
           <a:solidFill>
-            <a:schemeClr val="accent6"/>
+            <a:schemeClr val="bg1"/>
           </a:solidFill>
+          <a:ln>
+            <a:solidFill>
+              <a:schemeClr val="tx1"/>
+            </a:solidFill>
+          </a:ln>
         </p:spPr>
         <p:style>
           <a:lnRef idx="2">
@@ -3623,34 +3628,30 @@
           <a:lstStyle/>
           <a:p>
             <a:pPr algn="ctr"/>
-            <a:r>
-              <a:rPr lang="en-US" sz="2400" dirty="0"/>
-              <a:t>Y</a:t>
-            </a:r>
-            <a:r>
-              <a:rPr lang="en-US" sz="2400" dirty="0" smtClean="0"/>
-              <a:t> A</a:t>
-            </a:r>
-            <a:endParaRPr lang="es-ES" sz="2400" dirty="0"/>
-          </a:p>
-        </p:txBody>
-      </p:sp>
-      <p:sp>
-        <p:nvSpPr>
-          <p:cNvPr id="5" name="Rectangle 4"/>
+            <a:endParaRPr lang="en-US" sz="2400" dirty="0">
+              <a:solidFill>
+                <a:schemeClr val="tx1"/>
+              </a:solidFill>
+            </a:endParaRPr>
+          </a:p>
+        </p:txBody>
+      </p:sp>
+      <p:sp>
+        <p:nvSpPr>
+          <p:cNvPr id="88" name="20 Rectángulo"/>
           <p:cNvSpPr/>
           <p:nvPr/>
         </p:nvSpPr>
         <p:spPr>
           <a:xfrm>
-            <a:off x="382998" y="216324"/>
-            <a:ext cx="31660787" cy="2736304"/>
+            <a:off x="25950566" y="13799195"/>
+            <a:ext cx="848508" cy="500608"/>
           </a:xfrm>
           <a:prstGeom prst="rect">
             <a:avLst/>
           </a:prstGeom>
           <a:solidFill>
-            <a:schemeClr val="bg1"/>
+            <a:schemeClr val="accent6"/>
           </a:solidFill>
         </p:spPr>
         <p:style>
@@ -3675,78 +3676,27 @@
           <a:p>
             <a:pPr algn="ctr"/>
             <a:r>
-              <a:rPr lang="en-US" b="1" dirty="0" err="1" smtClean="0">
-                <a:solidFill>
-                  <a:schemeClr val="tx1"/>
-                </a:solidFill>
-                <a:latin typeface="+mj-lt"/>
-              </a:rPr>
-              <a:t>Bioinformatic</a:t>
-            </a:r>
-            <a:r>
-              <a:rPr lang="en-US" b="1" dirty="0" smtClean="0">
-                <a:solidFill>
-                  <a:schemeClr val="tx1"/>
-                </a:solidFill>
-                <a:latin typeface="+mj-lt"/>
-              </a:rPr>
-              <a:t> analysis of </a:t>
-            </a:r>
-            <a:r>
-              <a:rPr lang="en-US" b="1" dirty="0" err="1" smtClean="0">
-                <a:solidFill>
-                  <a:schemeClr val="tx1"/>
-                </a:solidFill>
-                <a:latin typeface="+mj-lt"/>
-              </a:rPr>
-              <a:t>Magnaporthe</a:t>
-            </a:r>
-            <a:r>
-              <a:rPr lang="en-US" b="1" dirty="0" smtClean="0">
-                <a:solidFill>
-                  <a:schemeClr val="tx1"/>
-                </a:solidFill>
-                <a:latin typeface="+mj-lt"/>
-              </a:rPr>
-              <a:t> </a:t>
-            </a:r>
-            <a:r>
-              <a:rPr lang="en-US" b="1" dirty="0" err="1" smtClean="0">
-                <a:solidFill>
-                  <a:schemeClr val="tx1"/>
-                </a:solidFill>
-                <a:latin typeface="+mj-lt"/>
-              </a:rPr>
-              <a:t>oryzae</a:t>
-            </a:r>
-            <a:r>
-              <a:rPr lang="en-US" b="1" dirty="0" smtClean="0">
-                <a:solidFill>
-                  <a:schemeClr val="tx1"/>
-                </a:solidFill>
-                <a:latin typeface="+mj-lt"/>
-              </a:rPr>
-              <a:t> polyadenylation sites from next generation sequencing data</a:t>
-            </a:r>
-            <a:endParaRPr lang="en-US" b="1" dirty="0">
-              <a:solidFill>
-                <a:schemeClr val="tx1"/>
-              </a:solidFill>
-              <a:latin typeface="+mj-lt"/>
-            </a:endParaRPr>
-          </a:p>
-        </p:txBody>
-      </p:sp>
-      <p:sp>
-        <p:nvSpPr>
-          <p:cNvPr id="6" name="Rectangle 5"/>
+              <a:rPr lang="en-US" sz="2400" dirty="0"/>
+              <a:t>Y</a:t>
+            </a:r>
+            <a:r>
+              <a:rPr lang="en-US" sz="2400" dirty="0" smtClean="0"/>
+              <a:t> A</a:t>
+            </a:r>
+            <a:endParaRPr lang="es-ES" sz="2400" dirty="0"/>
+          </a:p>
+        </p:txBody>
+      </p:sp>
+      <p:sp>
+        <p:nvSpPr>
+          <p:cNvPr id="5" name="Rectangle 4"/>
           <p:cNvSpPr/>
           <p:nvPr/>
         </p:nvSpPr>
         <p:spPr>
           <a:xfrm>
-            <a:off x="382999" y="2952628"/>
-            <a:ext cx="19995490" cy="6336704"/>
+            <a:off x="382998" y="216324"/>
+            <a:ext cx="31660787" cy="2736304"/>
           </a:xfrm>
           <a:prstGeom prst="rect">
             <a:avLst/>
@@ -3772,338 +3722,93 @@
           </a:fontRef>
         </p:style>
         <p:txBody>
-          <a:bodyPr rtlCol="0" anchor="ctr"/>
-          <a:lstStyle/>
-          <a:p>
-            <a:pPr algn="just"/>
-            <a:r>
-              <a:rPr lang="en-US" sz="2400" b="1" dirty="0" smtClean="0">
+          <a:bodyPr rtlCol="0" anchor="ctr">
+            <a:scene3d>
+              <a:camera prst="orthographicFront"/>
+              <a:lightRig rig="threePt" dir="t"/>
+            </a:scene3d>
+            <a:sp3d extrusionH="57150" prstMaterial="softEdge">
+              <a:bevelT w="38100" h="38100" prst="relaxedInset"/>
+              <a:bevelB w="38100" h="38100" prst="relaxedInset"/>
+            </a:sp3d>
+          </a:bodyPr>
+          <a:lstStyle/>
+          <a:p>
+            <a:pPr algn="ctr"/>
+            <a:r>
+              <a:rPr lang="en-US" b="1" dirty="0" smtClean="0">
                 <a:solidFill>
                   <a:schemeClr val="tx1"/>
                 </a:solidFill>
+                <a:effectLst>
+                  <a:innerShdw blurRad="63500" dist="50800" dir="5400000">
+                    <a:prstClr val="black">
+                      <a:alpha val="50000"/>
+                    </a:prstClr>
+                  </a:innerShdw>
+                </a:effectLst>
+                <a:latin typeface="+mj-lt"/>
               </a:rPr>
-              <a:t>Background</a:t>
-            </a:r>
-          </a:p>
-          <a:p>
-            <a:pPr algn="just"/>
-            <a:r>
-              <a:rPr lang="en-US" sz="2400" dirty="0" smtClean="0">
+              <a:t>Bioinformatic analysis of </a:t>
+            </a:r>
+            <a:r>
+              <a:rPr lang="en-US" b="1" i="1" dirty="0" smtClean="0">
                 <a:solidFill>
                   <a:schemeClr val="tx1"/>
                 </a:solidFill>
+                <a:effectLst>
+                  <a:innerShdw blurRad="63500" dist="50800" dir="5400000">
+                    <a:prstClr val="black">
+                      <a:alpha val="50000"/>
+                    </a:prstClr>
+                  </a:innerShdw>
+                </a:effectLst>
+                <a:latin typeface="+mj-lt"/>
               </a:rPr>
-              <a:t>Several proteins have been shown to regulate alternative polyadenylation (APA), including Cleavage Factor I (</a:t>
-            </a:r>
-            <a:r>
-              <a:rPr lang="en-US" sz="2400" dirty="0" err="1" smtClean="0">
+              <a:t>Magnaporthe oryzae </a:t>
+            </a:r>
+            <a:r>
+              <a:rPr lang="en-US" b="1" dirty="0" smtClean="0">
                 <a:solidFill>
                   <a:schemeClr val="tx1"/>
                 </a:solidFill>
+                <a:effectLst>
+                  <a:innerShdw blurRad="63500" dist="50800" dir="5400000">
+                    <a:prstClr val="black">
+                      <a:alpha val="50000"/>
+                    </a:prstClr>
+                  </a:innerShdw>
+                </a:effectLst>
+                <a:latin typeface="+mj-lt"/>
               </a:rPr>
-              <a:t>CFIm</a:t>
-            </a:r>
-            <a:r>
-              <a:rPr lang="en-US" sz="2400" dirty="0" smtClean="0">
-                <a:solidFill>
-                  <a:schemeClr val="tx1"/>
-                </a:solidFill>
-              </a:rPr>
-              <a:t>) in </a:t>
-            </a:r>
-            <a:r>
-              <a:rPr lang="en-US" sz="2400" dirty="0" smtClean="0">
-                <a:solidFill>
-                  <a:schemeClr val="tx1"/>
-                </a:solidFill>
-              </a:rPr>
-              <a:t>metazoan. The </a:t>
-            </a:r>
-            <a:r>
-              <a:rPr lang="en-US" sz="2400" dirty="0" err="1" smtClean="0">
-                <a:solidFill>
-                  <a:schemeClr val="tx1"/>
-                </a:solidFill>
-              </a:rPr>
-              <a:t>ascomycetous</a:t>
-            </a:r>
-            <a:r>
-              <a:rPr lang="en-US" sz="2400" dirty="0" smtClean="0">
-                <a:solidFill>
-                  <a:schemeClr val="tx1"/>
-                </a:solidFill>
-              </a:rPr>
-              <a:t> fungus </a:t>
-            </a:r>
-            <a:r>
-              <a:rPr lang="en-US" sz="2400" dirty="0" err="1" smtClean="0">
-                <a:solidFill>
-                  <a:schemeClr val="tx1"/>
-                </a:solidFill>
-              </a:rPr>
-              <a:t>Magnaporthe</a:t>
-            </a:r>
-            <a:r>
-              <a:rPr lang="en-US" sz="2400" dirty="0" smtClean="0">
-                <a:solidFill>
-                  <a:schemeClr val="tx1"/>
-                </a:solidFill>
-              </a:rPr>
-              <a:t> </a:t>
-            </a:r>
-            <a:r>
-              <a:rPr lang="en-US" sz="2400" dirty="0" err="1" smtClean="0">
-                <a:solidFill>
-                  <a:schemeClr val="tx1"/>
-                </a:solidFill>
-              </a:rPr>
-              <a:t>oryzae</a:t>
-            </a:r>
-            <a:r>
-              <a:rPr lang="en-US" sz="2400" dirty="0" smtClean="0">
-                <a:solidFill>
-                  <a:schemeClr val="tx1"/>
-                </a:solidFill>
-              </a:rPr>
-              <a:t>, also known as rice blast, is a plant-pathogenic fungus that causes a serious disease affecting rice. Rbp35 is the functional </a:t>
-            </a:r>
-            <a:r>
-              <a:rPr lang="en-US" sz="2400" i="1" dirty="0" smtClean="0">
-                <a:solidFill>
-                  <a:schemeClr val="tx1"/>
-                </a:solidFill>
-              </a:rPr>
-              <a:t>M. </a:t>
-            </a:r>
-            <a:r>
-              <a:rPr lang="en-US" sz="2400" i="1" dirty="0" err="1" smtClean="0">
-                <a:solidFill>
-                  <a:schemeClr val="tx1"/>
-                </a:solidFill>
-              </a:rPr>
-              <a:t>oryzae</a:t>
-            </a:r>
-            <a:r>
-              <a:rPr lang="en-US" sz="2400" i="1" dirty="0" smtClean="0">
-                <a:solidFill>
-                  <a:schemeClr val="tx1"/>
-                </a:solidFill>
-              </a:rPr>
-              <a:t> </a:t>
-            </a:r>
-            <a:r>
-              <a:rPr lang="en-US" sz="2400" dirty="0" smtClean="0">
-                <a:solidFill>
-                  <a:schemeClr val="tx1"/>
-                </a:solidFill>
-              </a:rPr>
-              <a:t>equivalent of CFIm68. </a:t>
-            </a:r>
-            <a:r>
-              <a:rPr lang="en-US" sz="2400" i="1" dirty="0" smtClean="0">
-                <a:solidFill>
-                  <a:schemeClr val="tx1"/>
-                </a:solidFill>
-              </a:rPr>
-              <a:t>∆rbp35 </a:t>
-            </a:r>
-            <a:r>
-              <a:rPr lang="en-US" sz="2400" dirty="0" smtClean="0">
-                <a:solidFill>
-                  <a:schemeClr val="tx1"/>
-                </a:solidFill>
-              </a:rPr>
-              <a:t>is viable </a:t>
-            </a:r>
-            <a:r>
-              <a:rPr lang="en-US" sz="2400" dirty="0" smtClean="0">
-                <a:solidFill>
-                  <a:schemeClr val="tx1"/>
-                </a:solidFill>
-              </a:rPr>
-              <a:t>indicating that Rbp35 </a:t>
-            </a:r>
-            <a:r>
-              <a:rPr lang="en-US" sz="2400" dirty="0" smtClean="0">
-                <a:solidFill>
-                  <a:schemeClr val="tx1"/>
-                </a:solidFill>
-              </a:rPr>
-              <a:t>is</a:t>
-            </a:r>
-            <a:r>
-              <a:rPr lang="en-US" sz="2400" dirty="0" smtClean="0">
-                <a:solidFill>
-                  <a:schemeClr val="tx1"/>
-                </a:solidFill>
-              </a:rPr>
-              <a:t> </a:t>
-            </a:r>
-            <a:r>
-              <a:rPr lang="en-US" sz="2400" dirty="0" smtClean="0">
-                <a:solidFill>
-                  <a:schemeClr val="tx1"/>
-                </a:solidFill>
-              </a:rPr>
-              <a:t>not essential components of the polyadenylation machinery in the rice blast fungus. However, </a:t>
-            </a:r>
-            <a:r>
-              <a:rPr lang="en-US" sz="2400" i="1" dirty="0" smtClean="0">
-                <a:solidFill>
-                  <a:schemeClr val="tx1"/>
-                </a:solidFill>
-              </a:rPr>
-              <a:t>Δrbp35</a:t>
-            </a:r>
-            <a:r>
-              <a:rPr lang="en-US" sz="2400" dirty="0" smtClean="0">
-                <a:solidFill>
-                  <a:schemeClr val="tx1"/>
-                </a:solidFill>
-              </a:rPr>
-              <a:t> mutants shows developmental </a:t>
-            </a:r>
-            <a:r>
-              <a:rPr lang="en-US" sz="2400" dirty="0" smtClean="0">
-                <a:solidFill>
-                  <a:schemeClr val="tx1"/>
-                </a:solidFill>
-              </a:rPr>
-              <a:t>and virulence defects.</a:t>
-            </a:r>
-          </a:p>
-          <a:p>
-            <a:pPr algn="just"/>
-            <a:endParaRPr lang="en-US" sz="2400" b="1" dirty="0" smtClean="0">
+              <a:t>polyadenylation sites from next generation sequencing data</a:t>
+            </a:r>
+            <a:endParaRPr lang="en-US" b="1" dirty="0">
               <a:solidFill>
                 <a:schemeClr val="tx1"/>
               </a:solidFill>
+              <a:effectLst>
+                <a:innerShdw blurRad="63500" dist="50800" dir="5400000">
+                  <a:prstClr val="black">
+                    <a:alpha val="50000"/>
+                  </a:prstClr>
+                </a:innerShdw>
+              </a:effectLst>
+              <a:latin typeface="+mj-lt"/>
             </a:endParaRPr>
           </a:p>
-          <a:p>
-            <a:pPr algn="just"/>
-            <a:r>
-              <a:rPr lang="en-US" sz="2400" b="1" dirty="0" smtClean="0">
-                <a:solidFill>
-                  <a:schemeClr val="tx1"/>
-                </a:solidFill>
-              </a:rPr>
-              <a:t>Results</a:t>
-            </a:r>
-            <a:endParaRPr lang="en-US" sz="2400" b="1" dirty="0" smtClean="0">
-              <a:solidFill>
-                <a:schemeClr val="tx1"/>
-              </a:solidFill>
-            </a:endParaRPr>
-          </a:p>
-          <a:p>
-            <a:pPr algn="just"/>
-            <a:r>
-              <a:rPr lang="en-US" sz="2400" dirty="0" smtClean="0">
-                <a:solidFill>
-                  <a:schemeClr val="tx1"/>
-                </a:solidFill>
-              </a:rPr>
-              <a:t>We mapped the polyadenylation sites of M. </a:t>
-            </a:r>
-            <a:r>
-              <a:rPr lang="en-US" sz="2400" dirty="0" err="1" smtClean="0">
-                <a:solidFill>
-                  <a:schemeClr val="tx1"/>
-                </a:solidFill>
-              </a:rPr>
-              <a:t>oryzae</a:t>
-            </a:r>
-            <a:r>
-              <a:rPr lang="en-US" sz="2400" dirty="0" smtClean="0">
-                <a:solidFill>
-                  <a:schemeClr val="tx1"/>
-                </a:solidFill>
-              </a:rPr>
-              <a:t> in four different growing conditions and identified more than 14000 high-confidence poly(A) sites, accounting for more than 7,000 protein coding genes. 30% of M. </a:t>
-            </a:r>
-            <a:r>
-              <a:rPr lang="en-US" sz="2400" dirty="0" err="1" smtClean="0">
-                <a:solidFill>
-                  <a:schemeClr val="tx1"/>
-                </a:solidFill>
-              </a:rPr>
-              <a:t>oryzae</a:t>
-            </a:r>
-            <a:r>
-              <a:rPr lang="en-US" sz="2400" dirty="0" smtClean="0">
-                <a:solidFill>
-                  <a:schemeClr val="tx1"/>
-                </a:solidFill>
-              </a:rPr>
-              <a:t> genes are alternatively </a:t>
-            </a:r>
-            <a:r>
-              <a:rPr lang="en-US" sz="2400" dirty="0" err="1" smtClean="0">
-                <a:solidFill>
-                  <a:schemeClr val="tx1"/>
-                </a:solidFill>
-              </a:rPr>
-              <a:t>polyadenylated</a:t>
-            </a:r>
-            <a:r>
-              <a:rPr lang="en-US" sz="2400" dirty="0" smtClean="0">
-                <a:solidFill>
-                  <a:schemeClr val="tx1"/>
-                </a:solidFill>
-              </a:rPr>
-              <a:t>, and grouped in specific functional groups. We also identified the nucleotide context, protein-binding regions and RNA secondary structure of poly(A) sites, and demonstrated that these differ from budding yeast. Under carbon starvation, alternative poly(A) site selection is observed in more than 400 genes, producing longer 3'UTR isoforms. , ~25% of the alternatively-</a:t>
-            </a:r>
-            <a:r>
-              <a:rPr lang="en-US" sz="2400" dirty="0" err="1" smtClean="0">
-                <a:solidFill>
-                  <a:schemeClr val="tx1"/>
-                </a:solidFill>
-              </a:rPr>
-              <a:t>polyadenylated</a:t>
-            </a:r>
-            <a:r>
-              <a:rPr lang="en-US" sz="2400" dirty="0" smtClean="0">
-                <a:solidFill>
-                  <a:schemeClr val="tx1"/>
-                </a:solidFill>
-              </a:rPr>
-              <a:t> transcripts found in the wild type were affected in the Δrbp35 mutant, which indicated that alternative site selection was Rbp35-dependent. Lack of Rbp35 in Δrbp35 affects poly(A) site selection by promoting proximal cuts, resulting in a global shortening of 3'UTRs. A UGUAH motif is enriched in Rbp35-dependent poly(A) sites, suggesting that these are the </a:t>
-            </a:r>
-            <a:r>
-              <a:rPr lang="en-US" sz="2400" dirty="0" err="1" smtClean="0">
-                <a:solidFill>
-                  <a:schemeClr val="tx1"/>
-                </a:solidFill>
-              </a:rPr>
-              <a:t>ribonucleotides</a:t>
-            </a:r>
-            <a:r>
-              <a:rPr lang="en-US" sz="2400" dirty="0" smtClean="0">
-                <a:solidFill>
-                  <a:schemeClr val="tx1"/>
-                </a:solidFill>
-              </a:rPr>
-              <a:t> recognized by Rbp35.</a:t>
-            </a:r>
-            <a:endParaRPr lang="en-US" sz="2400" dirty="0">
-              <a:solidFill>
-                <a:schemeClr val="tx1"/>
-              </a:solidFill>
-            </a:endParaRPr>
-          </a:p>
-        </p:txBody>
-      </p:sp>
-      <p:sp>
-        <p:nvSpPr>
-          <p:cNvPr id="7" name="Rectangle 6"/>
+        </p:txBody>
+      </p:sp>
+      <p:sp>
+        <p:nvSpPr>
+          <p:cNvPr id="6" name="Rectangle 5"/>
           <p:cNvSpPr/>
           <p:nvPr/>
         </p:nvSpPr>
         <p:spPr>
           <a:xfrm>
-            <a:off x="382998" y="9289332"/>
-            <a:ext cx="9836616" cy="9649072"/>
+            <a:off x="382999" y="2952628"/>
+            <a:ext cx="19995490" cy="6336704"/>
           </a:xfrm>
           <a:prstGeom prst="rect">
             <a:avLst/>
@@ -4132,21 +3837,463 @@
           <a:bodyPr rtlCol="0" anchor="ctr"/>
           <a:lstStyle/>
           <a:p>
-            <a:pPr algn="ctr"/>
-            <a:endParaRPr lang="en-US" dirty="0"/>
-          </a:p>
-        </p:txBody>
-      </p:sp>
-      <p:sp>
-        <p:nvSpPr>
-          <p:cNvPr id="9" name="Rectangle 8"/>
+            <a:pPr algn="just"/>
+            <a:r>
+              <a:rPr lang="en-US" sz="2400" b="1" dirty="0" smtClean="0">
+                <a:solidFill>
+                  <a:schemeClr val="tx1"/>
+                </a:solidFill>
+              </a:rPr>
+              <a:t>Background</a:t>
+            </a:r>
+          </a:p>
+          <a:p>
+            <a:pPr algn="just"/>
+            <a:r>
+              <a:rPr lang="en-US" sz="2400" dirty="0" smtClean="0">
+                <a:solidFill>
+                  <a:schemeClr val="tx1"/>
+                </a:solidFill>
+              </a:rPr>
+              <a:t>Several proteins have been shown to regulate alternative polyadenylation (APA), including Cleavage Factor I (CFIm) in metazoan. The ascomycetous fungus </a:t>
+            </a:r>
+            <a:r>
+              <a:rPr lang="en-US" sz="2400" i="1" dirty="0" smtClean="0">
+                <a:solidFill>
+                  <a:schemeClr val="tx1"/>
+                </a:solidFill>
+              </a:rPr>
+              <a:t>Magnaporthe oryzae</a:t>
+            </a:r>
+            <a:r>
+              <a:rPr lang="en-US" sz="2400" dirty="0" smtClean="0">
+                <a:solidFill>
+                  <a:schemeClr val="tx1"/>
+                </a:solidFill>
+              </a:rPr>
+              <a:t>, also known as rice blast, is a plant-pathogenic fungus that causes a serious disease affecting rice. Rbp35 is the functional </a:t>
+            </a:r>
+            <a:r>
+              <a:rPr lang="en-US" sz="2400" i="1" dirty="0" smtClean="0">
+                <a:solidFill>
+                  <a:schemeClr val="tx1"/>
+                </a:solidFill>
+              </a:rPr>
+              <a:t>M. oryzae </a:t>
+            </a:r>
+            <a:r>
+              <a:rPr lang="en-US" sz="2400" dirty="0" smtClean="0">
+                <a:solidFill>
+                  <a:schemeClr val="tx1"/>
+                </a:solidFill>
+              </a:rPr>
+              <a:t>equivalent of Human CFIm68. </a:t>
+            </a:r>
+            <a:r>
+              <a:rPr lang="en-US" sz="2400" i="1" dirty="0" smtClean="0">
+                <a:solidFill>
+                  <a:schemeClr val="tx1"/>
+                </a:solidFill>
+              </a:rPr>
+              <a:t>∆rbp35 </a:t>
+            </a:r>
+            <a:r>
+              <a:rPr lang="en-US" sz="2400" dirty="0" smtClean="0">
+                <a:solidFill>
+                  <a:schemeClr val="tx1"/>
+                </a:solidFill>
+              </a:rPr>
+              <a:t>knock-out mutant is viable indicating that Rbp35 is not an essential components of the polyadenylation machinery in the rice blast fungus. However, </a:t>
+            </a:r>
+            <a:r>
+              <a:rPr lang="en-US" sz="2400" i="1" dirty="0" smtClean="0">
+                <a:solidFill>
+                  <a:schemeClr val="tx1"/>
+                </a:solidFill>
+              </a:rPr>
+              <a:t>Δrbp35</a:t>
+            </a:r>
+            <a:r>
+              <a:rPr lang="en-US" sz="2400" dirty="0" smtClean="0">
+                <a:solidFill>
+                  <a:schemeClr val="tx1"/>
+                </a:solidFill>
+              </a:rPr>
+              <a:t> mutants shows developmental and virulence defects.</a:t>
+            </a:r>
+          </a:p>
+          <a:p>
+            <a:pPr algn="just"/>
+            <a:endParaRPr lang="en-US" sz="2400" b="1" dirty="0" smtClean="0">
+              <a:solidFill>
+                <a:schemeClr val="tx1"/>
+              </a:solidFill>
+            </a:endParaRPr>
+          </a:p>
+          <a:p>
+            <a:pPr algn="just"/>
+            <a:r>
+              <a:rPr lang="en-US" sz="2400" b="1" dirty="0" smtClean="0">
+                <a:solidFill>
+                  <a:schemeClr val="tx1"/>
+                </a:solidFill>
+              </a:rPr>
+              <a:t>Results</a:t>
+            </a:r>
+          </a:p>
+          <a:p>
+            <a:pPr marL="342900" indent="-342900" algn="just">
+              <a:buFont typeface="Arial" pitchFamily="34" charset="0"/>
+              <a:buChar char="•"/>
+            </a:pPr>
+            <a:r>
+              <a:rPr lang="en-US" sz="2400" dirty="0" smtClean="0">
+                <a:solidFill>
+                  <a:schemeClr val="tx1"/>
+                </a:solidFill>
+              </a:rPr>
+              <a:t>Using a novel sequencing protocol, we </a:t>
+            </a:r>
+            <a:r>
+              <a:rPr lang="en-US" sz="2400" dirty="0">
+                <a:solidFill>
+                  <a:schemeClr val="tx1"/>
+                </a:solidFill>
+              </a:rPr>
+              <a:t>mapped the polyadenylation sites of </a:t>
+            </a:r>
+            <a:r>
+              <a:rPr lang="en-US" sz="2400" i="1" dirty="0">
+                <a:solidFill>
+                  <a:schemeClr val="tx1"/>
+                </a:solidFill>
+              </a:rPr>
+              <a:t>M. oryzae </a:t>
+            </a:r>
+            <a:r>
+              <a:rPr lang="en-US" sz="2400" dirty="0">
+                <a:solidFill>
+                  <a:schemeClr val="tx1"/>
+                </a:solidFill>
+              </a:rPr>
+              <a:t>in four different growing conditions and identified more than 14000 high-confidence </a:t>
+            </a:r>
+            <a:r>
+              <a:rPr lang="en-US" sz="2400" dirty="0" smtClean="0">
+                <a:solidFill>
+                  <a:schemeClr val="tx1"/>
+                </a:solidFill>
+              </a:rPr>
+              <a:t>polyadenylation </a:t>
+            </a:r>
+            <a:r>
+              <a:rPr lang="en-US" sz="2400" dirty="0">
+                <a:solidFill>
+                  <a:schemeClr val="tx1"/>
+                </a:solidFill>
+              </a:rPr>
+              <a:t>sites, accounting for more than 7,000 protein coding </a:t>
+            </a:r>
+            <a:r>
+              <a:rPr lang="en-US" sz="2400" dirty="0" smtClean="0">
+                <a:solidFill>
+                  <a:schemeClr val="tx1"/>
+                </a:solidFill>
+              </a:rPr>
+              <a:t>genes</a:t>
+            </a:r>
+          </a:p>
+          <a:p>
+            <a:pPr marL="342900" indent="-342900" algn="just">
+              <a:buFont typeface="Arial" pitchFamily="34" charset="0"/>
+              <a:buChar char="•"/>
+            </a:pPr>
+            <a:r>
+              <a:rPr lang="en-US" sz="2400" dirty="0">
+                <a:solidFill>
+                  <a:schemeClr val="tx1"/>
+                </a:solidFill>
+              </a:rPr>
+              <a:t>30% of </a:t>
+            </a:r>
+            <a:r>
+              <a:rPr lang="en-US" sz="2400" i="1" dirty="0">
+                <a:solidFill>
+                  <a:schemeClr val="tx1"/>
+                </a:solidFill>
+              </a:rPr>
+              <a:t>M. oryzae </a:t>
+            </a:r>
+            <a:r>
+              <a:rPr lang="en-US" sz="2400" dirty="0">
+                <a:solidFill>
+                  <a:schemeClr val="tx1"/>
+                </a:solidFill>
+              </a:rPr>
+              <a:t>genes are alternatively polyadenylated, and grouped in specific functional </a:t>
+            </a:r>
+            <a:r>
+              <a:rPr lang="en-US" sz="2400" dirty="0" smtClean="0">
+                <a:solidFill>
+                  <a:schemeClr val="tx1"/>
+                </a:solidFill>
+              </a:rPr>
+              <a:t>groups.</a:t>
+            </a:r>
+          </a:p>
+          <a:p>
+            <a:pPr marL="342900" indent="-342900" algn="just">
+              <a:buFont typeface="Arial" pitchFamily="34" charset="0"/>
+              <a:buChar char="•"/>
+            </a:pPr>
+            <a:r>
+              <a:rPr lang="en-US" sz="2400" dirty="0">
+                <a:solidFill>
+                  <a:schemeClr val="tx1"/>
+                </a:solidFill>
+              </a:rPr>
+              <a:t>T</a:t>
+            </a:r>
+            <a:r>
+              <a:rPr lang="en-US" sz="2400" dirty="0" smtClean="0">
+                <a:solidFill>
+                  <a:schemeClr val="tx1"/>
+                </a:solidFill>
+              </a:rPr>
+              <a:t>he </a:t>
+            </a:r>
+            <a:r>
+              <a:rPr lang="en-US" sz="2400" dirty="0">
+                <a:solidFill>
+                  <a:schemeClr val="tx1"/>
+                </a:solidFill>
+              </a:rPr>
+              <a:t>nucleotide </a:t>
+            </a:r>
+            <a:r>
+              <a:rPr lang="en-US" sz="2400" dirty="0" smtClean="0">
+                <a:solidFill>
+                  <a:schemeClr val="tx1"/>
+                </a:solidFill>
+              </a:rPr>
+              <a:t>context and  </a:t>
+            </a:r>
+            <a:r>
+              <a:rPr lang="en-US" sz="2400" dirty="0">
+                <a:solidFill>
+                  <a:schemeClr val="tx1"/>
+                </a:solidFill>
+              </a:rPr>
+              <a:t>protein-binding regions </a:t>
+            </a:r>
+            <a:r>
+              <a:rPr lang="en-US" sz="2400" dirty="0" smtClean="0">
+                <a:solidFill>
+                  <a:schemeClr val="tx1"/>
+                </a:solidFill>
+              </a:rPr>
+              <a:t>differ </a:t>
+            </a:r>
+            <a:r>
+              <a:rPr lang="en-US" sz="2400" dirty="0">
+                <a:solidFill>
+                  <a:schemeClr val="tx1"/>
+                </a:solidFill>
+              </a:rPr>
+              <a:t>from budding </a:t>
+            </a:r>
+            <a:r>
+              <a:rPr lang="en-US" sz="2400" dirty="0" smtClean="0">
+                <a:solidFill>
+                  <a:schemeClr val="tx1"/>
+                </a:solidFill>
+              </a:rPr>
+              <a:t>yeast.</a:t>
+            </a:r>
+          </a:p>
+          <a:p>
+            <a:pPr marL="342900" indent="-342900" algn="just">
+              <a:buFont typeface="Arial" pitchFamily="34" charset="0"/>
+              <a:buChar char="•"/>
+            </a:pPr>
+            <a:r>
+              <a:rPr lang="en-US" sz="2400" dirty="0" smtClean="0">
+                <a:solidFill>
+                  <a:schemeClr val="tx1"/>
+                </a:solidFill>
+              </a:rPr>
+              <a:t>Polyadenylation sites possess a specific predicted RNA secondary structure, also depending on the elements defining the polyadenylation site.</a:t>
+            </a:r>
+          </a:p>
+          <a:p>
+            <a:pPr marL="342900" indent="-342900" algn="just">
+              <a:buFont typeface="Arial" pitchFamily="34" charset="0"/>
+              <a:buChar char="•"/>
+            </a:pPr>
+            <a:r>
+              <a:rPr lang="en-US" sz="2400" dirty="0">
+                <a:solidFill>
+                  <a:schemeClr val="tx1"/>
+                </a:solidFill>
+              </a:rPr>
+              <a:t>Under carbon starvation, </a:t>
+            </a:r>
+            <a:r>
+              <a:rPr lang="en-US" sz="2400" dirty="0" smtClean="0">
+                <a:solidFill>
+                  <a:schemeClr val="tx1"/>
+                </a:solidFill>
+              </a:rPr>
+              <a:t>polyadenylation </a:t>
+            </a:r>
+            <a:r>
+              <a:rPr lang="en-US" sz="2400" dirty="0">
+                <a:solidFill>
+                  <a:schemeClr val="tx1"/>
+                </a:solidFill>
+              </a:rPr>
+              <a:t>site selection is </a:t>
+            </a:r>
+            <a:r>
+              <a:rPr lang="en-US" sz="2400" dirty="0" smtClean="0">
+                <a:solidFill>
+                  <a:schemeClr val="tx1"/>
+                </a:solidFill>
+              </a:rPr>
+              <a:t>altered in </a:t>
+            </a:r>
+            <a:r>
+              <a:rPr lang="en-US" sz="2400" dirty="0">
+                <a:solidFill>
+                  <a:schemeClr val="tx1"/>
+                </a:solidFill>
+              </a:rPr>
+              <a:t>more than 400 genes, producing longer 3'UTR isoforms</a:t>
+            </a:r>
+            <a:r>
+              <a:rPr lang="en-US" sz="2400" dirty="0" smtClean="0">
+                <a:solidFill>
+                  <a:schemeClr val="tx1"/>
+                </a:solidFill>
+              </a:rPr>
+              <a:t>.</a:t>
+            </a:r>
+          </a:p>
+          <a:p>
+            <a:pPr marL="342900" indent="-342900" algn="just">
+              <a:buFont typeface="Arial" pitchFamily="34" charset="0"/>
+              <a:buChar char="•"/>
+            </a:pPr>
+            <a:r>
+              <a:rPr lang="en-US" sz="2400" dirty="0" smtClean="0">
+                <a:solidFill>
+                  <a:schemeClr val="tx1"/>
+                </a:solidFill>
+              </a:rPr>
+              <a:t>25</a:t>
+            </a:r>
+            <a:r>
+              <a:rPr lang="en-US" sz="2400" dirty="0">
+                <a:solidFill>
+                  <a:schemeClr val="tx1"/>
+                </a:solidFill>
+              </a:rPr>
+              <a:t>% of the alternatively-polyadenylated transcripts found in the wild type were affected in the Δrbp35 </a:t>
+            </a:r>
+            <a:r>
+              <a:rPr lang="en-US" sz="2400" dirty="0" smtClean="0">
+                <a:solidFill>
+                  <a:schemeClr val="tx1"/>
+                </a:solidFill>
+              </a:rPr>
+              <a:t>mutant, which indicated that alternative site selection was Rbp35-dependent. Lack of Rbp35 in Δrbp35 affects poly(A) site selection by </a:t>
+            </a:r>
+            <a:r>
+              <a:rPr lang="en-US" sz="2400" dirty="0">
+                <a:solidFill>
+                  <a:schemeClr val="tx1"/>
+                </a:solidFill>
+              </a:rPr>
+              <a:t>promoting proximal cuts, resulting in a global shortening of </a:t>
+            </a:r>
+            <a:r>
+              <a:rPr lang="en-US" sz="2400" dirty="0" smtClean="0">
+                <a:solidFill>
+                  <a:schemeClr val="tx1"/>
+                </a:solidFill>
+              </a:rPr>
+              <a:t>3'UTRs.</a:t>
+            </a:r>
+          </a:p>
+          <a:p>
+            <a:pPr marL="342900" indent="-342900" algn="just">
+              <a:buFont typeface="Arial" pitchFamily="34" charset="0"/>
+              <a:buChar char="•"/>
+            </a:pPr>
+            <a:r>
+              <a:rPr lang="en-US" sz="2400" dirty="0" smtClean="0">
+                <a:solidFill>
+                  <a:schemeClr val="tx1"/>
+                </a:solidFill>
+              </a:rPr>
+              <a:t>A UGUAH motif is enriched in Rbp35-dependent poly(A) sites, suggesting that these are the ribonucleotides recognized by Rbp35.</a:t>
+            </a:r>
+          </a:p>
+          <a:p>
+            <a:pPr marL="342900" indent="-342900" algn="just">
+              <a:buFont typeface="Arial" pitchFamily="34" charset="0"/>
+              <a:buChar char="•"/>
+            </a:pPr>
+            <a:r>
+              <a:rPr lang="en-US" sz="2400" dirty="0" smtClean="0">
+                <a:solidFill>
+                  <a:schemeClr val="tx1"/>
+                </a:solidFill>
+              </a:rPr>
+              <a:t>The </a:t>
+            </a:r>
+            <a:r>
+              <a:rPr lang="en-US" sz="2400" i="1" dirty="0">
+                <a:solidFill>
+                  <a:schemeClr val="tx1"/>
+                </a:solidFill>
+              </a:rPr>
+              <a:t>Δrbp35</a:t>
+            </a:r>
+            <a:r>
+              <a:rPr lang="en-US" sz="2400" dirty="0">
+                <a:solidFill>
+                  <a:schemeClr val="tx1"/>
+                </a:solidFill>
+              </a:rPr>
+              <a:t> </a:t>
+            </a:r>
+            <a:r>
+              <a:rPr lang="en-US" sz="2400" dirty="0" smtClean="0">
+                <a:solidFill>
+                  <a:schemeClr val="tx1"/>
+                </a:solidFill>
+              </a:rPr>
+              <a:t>mutant seems to have lost the ability to adapt to nitrogen starvation.</a:t>
+            </a:r>
+            <a:endParaRPr lang="en-US" sz="2400" dirty="0">
+              <a:solidFill>
+                <a:schemeClr val="tx1"/>
+              </a:solidFill>
+            </a:endParaRPr>
+          </a:p>
+        </p:txBody>
+      </p:sp>
+      <p:sp>
+        <p:nvSpPr>
+          <p:cNvPr id="7" name="Rectangle 6"/>
           <p:cNvSpPr/>
           <p:nvPr/>
         </p:nvSpPr>
         <p:spPr>
           <a:xfrm>
-            <a:off x="368284" y="18938404"/>
-            <a:ext cx="15301700" cy="11953328"/>
+            <a:off x="382998" y="9289332"/>
+            <a:ext cx="9836616" cy="9649072"/>
           </a:xfrm>
           <a:prstGeom prst="rect">
             <a:avLst/>
@@ -4177,6 +4324,84 @@
           <a:p>
             <a:pPr algn="ctr"/>
             <a:endParaRPr lang="en-US" dirty="0"/>
+          </a:p>
+        </p:txBody>
+      </p:sp>
+      <p:sp>
+        <p:nvSpPr>
+          <p:cNvPr id="9" name="Rectangle 8"/>
+          <p:cNvSpPr/>
+          <p:nvPr/>
+        </p:nvSpPr>
+        <p:spPr>
+          <a:xfrm>
+            <a:off x="368284" y="18938404"/>
+            <a:ext cx="15301700" cy="11953328"/>
+          </a:xfrm>
+          <a:prstGeom prst="rect">
+            <a:avLst/>
+          </a:prstGeom>
+          <a:solidFill>
+            <a:schemeClr val="bg1"/>
+          </a:solidFill>
+        </p:spPr>
+        <p:style>
+          <a:lnRef idx="2">
+            <a:schemeClr val="accent1">
+              <a:shade val="50000"/>
+            </a:schemeClr>
+          </a:lnRef>
+          <a:fillRef idx="1">
+            <a:schemeClr val="accent1"/>
+          </a:fillRef>
+          <a:effectRef idx="0">
+            <a:schemeClr val="accent1"/>
+          </a:effectRef>
+          <a:fontRef idx="minor">
+            <a:schemeClr val="lt1"/>
+          </a:fontRef>
+        </p:style>
+        <p:txBody>
+          <a:bodyPr rtlCol="0" anchor="ctr"/>
+          <a:lstStyle/>
+          <a:p>
+            <a:pPr algn="ctr"/>
+            <a:r>
+              <a:rPr lang="en-US" dirty="0"/>
+              <a:t>Gruber AR, Lorenz R, </a:t>
+            </a:r>
+            <a:r>
+              <a:rPr lang="en-US" dirty="0" err="1"/>
+              <a:t>Bernhart</a:t>
+            </a:r>
+            <a:r>
+              <a:rPr lang="en-US" dirty="0"/>
+              <a:t> SH, </a:t>
+            </a:r>
+            <a:r>
+              <a:rPr lang="en-US" dirty="0" err="1"/>
+              <a:t>Neuböck</a:t>
+            </a:r>
+            <a:r>
+              <a:rPr lang="en-US" dirty="0"/>
+              <a:t> R, </a:t>
+            </a:r>
+            <a:r>
+              <a:rPr lang="en-US" dirty="0" err="1"/>
+              <a:t>Hofacker</a:t>
+            </a:r>
+            <a:r>
+              <a:rPr lang="en-US" dirty="0"/>
+              <a:t> IL The Vienna </a:t>
+            </a:r>
+            <a:r>
+              <a:rPr lang="en-US" dirty="0" err="1" smtClean="0"/>
+              <a:t>RNbsuite</a:t>
+            </a:r>
+            <a:r>
+              <a:rPr lang="en-US" dirty="0"/>
+              <a:t>. Nucleic Acids Res. 2008</a:t>
+            </a:r>
           </a:p>
         </p:txBody>
       </p:sp>
@@ -4402,7 +4627,7 @@
         </p:blipFill>
         <p:spPr bwMode="auto">
           <a:xfrm>
-            <a:off x="864321" y="14881201"/>
+            <a:off x="864321" y="14953209"/>
             <a:ext cx="8669337" cy="3913187"/>
           </a:xfrm>
           <a:prstGeom prst="rect">
@@ -4518,7 +4743,7 @@
         </p:blipFill>
         <p:spPr bwMode="auto">
           <a:xfrm>
-            <a:off x="10589890" y="10870035"/>
+            <a:off x="10589890" y="10729492"/>
             <a:ext cx="5972175" cy="3171825"/>
           </a:xfrm>
           <a:prstGeom prst="rect">
@@ -4568,9 +4793,9 @@
           <p:nvPr/>
         </p:nvCxnSpPr>
         <p:spPr>
-          <a:xfrm flipH="1">
-            <a:off x="13681745" y="11811646"/>
-            <a:ext cx="3024336" cy="33138"/>
+          <a:xfrm flipH="1" flipV="1">
+            <a:off x="13681745" y="11737604"/>
+            <a:ext cx="3024336" cy="74042"/>
           </a:xfrm>
           <a:prstGeom prst="straightConnector1">
             <a:avLst/>
@@ -4630,7 +4855,23 @@
                   <a:schemeClr val="tx1"/>
                 </a:solidFill>
               </a:rPr>
-              <a:t>Most of alternative polyadenylation events are located in the 3’UTR and are composed of 2 alternatives only</a:t>
+              <a:t>Most </a:t>
+            </a:r>
+            <a:r>
+              <a:rPr lang="en-US" sz="2400" dirty="0" smtClean="0">
+                <a:solidFill>
+                  <a:schemeClr val="tx1"/>
+                </a:solidFill>
+              </a:rPr>
+              <a:t>alternative </a:t>
+            </a:r>
+            <a:r>
+              <a:rPr lang="en-US" sz="2400" dirty="0" smtClean="0">
+                <a:solidFill>
+                  <a:schemeClr val="tx1"/>
+                </a:solidFill>
+              </a:rPr>
+              <a:t>polyadenylation events are located in the 3’UTR and are composed of 2 alternatives only</a:t>
             </a:r>
             <a:endParaRPr lang="en-US" sz="2400" dirty="0">
               <a:solidFill>
@@ -5393,11 +5634,7 @@
           <a:p>
             <a:r>
               <a:rPr lang="en-US" sz="2800" i="1" dirty="0" smtClean="0"/>
-              <a:t>S. </a:t>
-            </a:r>
-            <a:r>
-              <a:rPr lang="en-US" sz="2800" i="1" dirty="0" err="1" smtClean="0"/>
-              <a:t>cerevisiae</a:t>
+              <a:t>S. cerevisiae</a:t>
             </a:r>
             <a:endParaRPr lang="es-ES" sz="2800" i="1" dirty="0"/>
           </a:p>
@@ -5426,7 +5663,7 @@
           <a:lstStyle/>
           <a:p>
             <a:r>
-              <a:rPr lang="en-US" sz="2800" i="1" dirty="0" err="1" smtClean="0"/>
+              <a:rPr lang="en-US" sz="2800" i="1" dirty="0" smtClean="0"/>
               <a:t>M.oryzae</a:t>
             </a:r>
             <a:endParaRPr lang="es-ES" sz="2800" i="1" dirty="0"/>
@@ -5771,8 +6008,8 @@
         </p:blipFill>
         <p:spPr bwMode="auto">
           <a:xfrm>
-            <a:off x="11017449" y="14342819"/>
-            <a:ext cx="8208913" cy="4451570"/>
+            <a:off x="11225495" y="14113868"/>
+            <a:ext cx="7568818" cy="4104456"/>
           </a:xfrm>
           <a:prstGeom prst="rect">
             <a:avLst/>
@@ -6012,8 +6249,8 @@
         </p:nvSpPr>
         <p:spPr>
           <a:xfrm>
-            <a:off x="2070536" y="19226436"/>
-            <a:ext cx="11521503" cy="646331"/>
+            <a:off x="576289" y="19226436"/>
+            <a:ext cx="14674905" cy="646331"/>
           </a:xfrm>
           <a:prstGeom prst="rect">
             <a:avLst/>
@@ -6027,8 +6264,13 @@
           <a:p>
             <a:r>
               <a:rPr lang="en-US" sz="3600" b="1" dirty="0"/>
-              <a:t>The polyadenylation site region has a defined structure</a:t>
-            </a:r>
+              <a:t>The polyadenylation site region has a defined </a:t>
+            </a:r>
+            <a:r>
+              <a:rPr lang="en-US" sz="3600" b="1" dirty="0" smtClean="0"/>
+              <a:t>predicted secondary structure</a:t>
+            </a:r>
+            <a:endParaRPr lang="en-US" sz="3600" b="1" dirty="0"/>
           </a:p>
         </p:txBody>
       </p:sp>
@@ -6055,7 +6297,7 @@
         </p:blipFill>
         <p:spPr bwMode="auto">
           <a:xfrm>
-            <a:off x="7843839" y="26132283"/>
+            <a:off x="7843839" y="25851172"/>
             <a:ext cx="7705725" cy="4543425"/>
           </a:xfrm>
           <a:prstGeom prst="rect">
@@ -6124,23 +6366,15 @@
                   <a:prstClr val="black"/>
                 </a:solidFill>
               </a:rPr>
-              <a:t>B) Different </a:t>
-            </a:r>
-            <a:r>
-              <a:rPr lang="en-US" sz="2400" b="1" i="1" dirty="0" err="1">
+              <a:t>B) Different cut sites </a:t>
+            </a:r>
+            <a:r>
+              <a:rPr lang="en-US" sz="2400" b="1" i="1" dirty="0">
                 <a:solidFill>
                   <a:prstClr val="black"/>
                 </a:solidFill>
               </a:rPr>
-              <a:t>cutsites</a:t>
-            </a:r>
-            <a:r>
-              <a:rPr lang="en-US" sz="2400" b="1" i="1" dirty="0">
-                <a:solidFill>
-                  <a:prstClr val="black"/>
-                </a:solidFill>
-              </a:rPr>
-              <a:t> have different </a:t>
+              <a:t>have different </a:t>
             </a:r>
             <a:r>
               <a:rPr lang="en-US" sz="2400" b="1" i="1" dirty="0" smtClean="0">
@@ -6204,8 +6438,8 @@
         </p:nvSpPr>
         <p:spPr>
           <a:xfrm>
-            <a:off x="395419" y="25491132"/>
-            <a:ext cx="6704135" cy="461665"/>
+            <a:off x="395419" y="25389507"/>
+            <a:ext cx="6704135" cy="830997"/>
           </a:xfrm>
           <a:prstGeom prst="rect">
             <a:avLst/>
@@ -6219,12 +6453,36 @@
           <a:p>
             <a:pPr lvl="0"/>
             <a:r>
+              <a:rPr lang="en-US" sz="2400" b="1" i="1" dirty="0">
+                <a:solidFill>
+                  <a:prstClr val="black"/>
+                </a:solidFill>
+              </a:rPr>
+              <a:t>C</a:t>
+            </a:r>
+            <a:r>
               <a:rPr lang="en-US" sz="2400" b="1" i="1" dirty="0" smtClean="0">
                 <a:solidFill>
                   <a:prstClr val="black"/>
                 </a:solidFill>
               </a:rPr>
-              <a:t>B) Different motifs have </a:t>
+              <a:t>) Different </a:t>
+            </a:r>
+            <a:r>
+              <a:rPr lang="en-US" sz="2400" b="1" i="1" dirty="0" smtClean="0">
+                <a:solidFill>
+                  <a:prstClr val="black"/>
+                </a:solidFill>
+              </a:rPr>
+              <a:t>polyadenylation signals </a:t>
+            </a:r>
+            <a:r>
+              <a:rPr lang="en-US" sz="2400" b="1" i="1" dirty="0" smtClean="0">
+                <a:solidFill>
+                  <a:prstClr val="black"/>
+                </a:solidFill>
+              </a:rPr>
+              <a:t>have </a:t>
             </a:r>
             <a:r>
               <a:rPr lang="en-US" sz="2400" b="1" i="1" dirty="0">
@@ -6258,7 +6516,7 @@
         </p:nvSpPr>
         <p:spPr>
           <a:xfrm>
-            <a:off x="8072264" y="25452223"/>
+            <a:off x="8072264" y="25380215"/>
             <a:ext cx="6704135" cy="830997"/>
           </a:xfrm>
           <a:prstGeom prst="rect">
@@ -6312,9 +6570,166 @@
           </a:p>
         </p:txBody>
       </p:sp>
+      <p:sp>
+        <p:nvSpPr>
+          <p:cNvPr id="78" name="77 Rectángulo"/>
+          <p:cNvSpPr/>
+          <p:nvPr/>
+        </p:nvSpPr>
+        <p:spPr>
+          <a:xfrm>
+            <a:off x="15918061" y="19298444"/>
+            <a:ext cx="15653000" cy="646331"/>
+          </a:xfrm>
+          <a:prstGeom prst="rect">
+            <a:avLst/>
+          </a:prstGeom>
+        </p:spPr>
+        <p:txBody>
+          <a:bodyPr wrap="square">
+            <a:spAutoFit/>
+          </a:bodyPr>
+          <a:lstStyle/>
+          <a:p>
+            <a:r>
+              <a:rPr lang="en-US" sz="3600" b="1" dirty="0" smtClean="0"/>
+              <a:t>Carbon starvation medium and </a:t>
+            </a:r>
+            <a:r>
+              <a:rPr lang="el-GR" sz="3600" b="1" i="1" dirty="0"/>
+              <a:t>Δ</a:t>
+            </a:r>
+            <a:r>
+              <a:rPr lang="en-US" sz="3600" b="1" i="1" dirty="0" smtClean="0"/>
+              <a:t>rbp35 </a:t>
+            </a:r>
+            <a:r>
+              <a:rPr lang="en-US" sz="3600" b="1" dirty="0" smtClean="0"/>
+              <a:t>gene deletion affect poly(A) site selection</a:t>
+            </a:r>
+            <a:endParaRPr lang="en-US" sz="3600" b="1" dirty="0"/>
+          </a:p>
+        </p:txBody>
+      </p:sp>
+      <p:sp>
+        <p:nvSpPr>
+          <p:cNvPr id="24" name="23 Rectángulo"/>
+          <p:cNvSpPr/>
+          <p:nvPr/>
+        </p:nvSpPr>
+        <p:spPr>
+          <a:xfrm>
+            <a:off x="24621167" y="20624205"/>
+            <a:ext cx="7350610" cy="1077218"/>
+          </a:xfrm>
+          <a:prstGeom prst="rect">
+            <a:avLst/>
+          </a:prstGeom>
+        </p:spPr>
+        <p:txBody>
+          <a:bodyPr wrap="square">
+            <a:spAutoFit/>
+          </a:bodyPr>
+          <a:lstStyle/>
+          <a:p>
+            <a:pPr algn="ctr"/>
+            <a:r>
+              <a:rPr lang="en-US" sz="3200" b="1" dirty="0">
+                <a:solidFill>
+                  <a:srgbClr val="FF0000"/>
+                </a:solidFill>
+              </a:rPr>
+              <a:t>Carbon </a:t>
+            </a:r>
+            <a:r>
+              <a:rPr lang="en-US" sz="3200" b="1" dirty="0" smtClean="0">
+                <a:solidFill>
+                  <a:srgbClr val="FF0000"/>
+                </a:solidFill>
+              </a:rPr>
+              <a:t>starvation usually lengthens 3’UTRs in Wild-type (455 genes affected)</a:t>
+            </a:r>
+            <a:endParaRPr lang="en-US" sz="3200" dirty="0">
+              <a:solidFill>
+                <a:srgbClr val="FF0000"/>
+              </a:solidFill>
+            </a:endParaRPr>
+          </a:p>
+        </p:txBody>
+      </p:sp>
+      <p:sp>
+        <p:nvSpPr>
+          <p:cNvPr id="79" name="78 Rectángulo"/>
+          <p:cNvSpPr/>
+          <p:nvPr/>
+        </p:nvSpPr>
+        <p:spPr>
+          <a:xfrm>
+            <a:off x="24723263" y="26499244"/>
+            <a:ext cx="7186369" cy="1077218"/>
+          </a:xfrm>
+          <a:prstGeom prst="rect">
+            <a:avLst/>
+          </a:prstGeom>
+        </p:spPr>
+        <p:txBody>
+          <a:bodyPr wrap="square">
+            <a:spAutoFit/>
+          </a:bodyPr>
+          <a:lstStyle/>
+          <a:p>
+            <a:pPr algn="ctr"/>
+            <a:r>
+              <a:rPr lang="en-US" sz="3200" b="1" dirty="0" smtClean="0">
+                <a:solidFill>
+                  <a:srgbClr val="FF0000"/>
+                </a:solidFill>
+              </a:rPr>
+              <a:t>Deletion of </a:t>
+            </a:r>
+            <a:r>
+              <a:rPr lang="el-GR" sz="3200" b="1" i="1" dirty="0">
+                <a:solidFill>
+                  <a:srgbClr val="FF0000"/>
+                </a:solidFill>
+              </a:rPr>
+              <a:t>Δ</a:t>
+            </a:r>
+            <a:r>
+              <a:rPr lang="en-US" sz="3200" b="1" i="1" dirty="0">
+                <a:solidFill>
+                  <a:srgbClr val="FF0000"/>
+                </a:solidFill>
+              </a:rPr>
+              <a:t>rbp35 </a:t>
+            </a:r>
+            <a:r>
+              <a:rPr lang="en-US" sz="3200" b="1" dirty="0">
+                <a:solidFill>
+                  <a:srgbClr val="FF0000"/>
+                </a:solidFill>
+              </a:rPr>
+              <a:t>gene</a:t>
+            </a:r>
+            <a:r>
+              <a:rPr lang="en-US" sz="3200" b="1" dirty="0" smtClean="0">
+                <a:solidFill>
+                  <a:srgbClr val="FF0000"/>
+                </a:solidFill>
+              </a:rPr>
+              <a:t> usually shortens 3’UTRs (%25 of genes affected)</a:t>
+            </a:r>
+            <a:endParaRPr lang="en-US" sz="3200" dirty="0">
+              <a:solidFill>
+                <a:srgbClr val="FF0000"/>
+              </a:solidFill>
+            </a:endParaRPr>
+          </a:p>
+        </p:txBody>
+      </p:sp>
       <p:pic>
         <p:nvPicPr>
-          <p:cNvPr id="1042" name="Picture 18"/>
+          <p:cNvPr id="1047" name="Picture 23"/>
           <p:cNvPicPr>
             <a:picLocks noChangeAspect="1" noChangeArrowheads="1"/>
           </p:cNvPicPr>
@@ -6335,8 +6750,8 @@
         </p:blipFill>
         <p:spPr bwMode="auto">
           <a:xfrm>
-            <a:off x="15769977" y="20510698"/>
-            <a:ext cx="8877300" cy="5124450"/>
+            <a:off x="25092847" y="23588287"/>
+            <a:ext cx="6734913" cy="742006"/>
           </a:xfrm>
           <a:prstGeom prst="rect">
             <a:avLst/>
@@ -6378,7 +6793,7 @@
       </p:pic>
       <p:pic>
         <p:nvPicPr>
-          <p:cNvPr id="1043" name="Picture 19"/>
+          <p:cNvPr id="1048" name="Picture 24"/>
           <p:cNvPicPr>
             <a:picLocks noChangeAspect="1" noChangeArrowheads="1"/>
           </p:cNvPicPr>
@@ -6399,8 +6814,8 @@
         </p:blipFill>
         <p:spPr bwMode="auto">
           <a:xfrm>
-            <a:off x="15697969" y="26283220"/>
-            <a:ext cx="8924925" cy="5181600"/>
+            <a:off x="25443445" y="22410114"/>
+            <a:ext cx="6384316" cy="847725"/>
           </a:xfrm>
           <a:prstGeom prst="rect">
             <a:avLst/>
@@ -6442,14 +6857,14 @@
       </p:pic>
       <p:sp>
         <p:nvSpPr>
-          <p:cNvPr id="78" name="77 Rectángulo"/>
+          <p:cNvPr id="85" name="84 Rectángulo"/>
           <p:cNvSpPr/>
           <p:nvPr/>
         </p:nvSpPr>
         <p:spPr>
           <a:xfrm>
-            <a:off x="15918061" y="19298444"/>
-            <a:ext cx="15653000" cy="646331"/>
+            <a:off x="25431224" y="24330293"/>
+            <a:ext cx="6172836" cy="584775"/>
           </a:xfrm>
           <a:prstGeom prst="rect">
             <a:avLst/>
@@ -6461,36 +6876,181 @@
           </a:bodyPr>
           <a:lstStyle/>
           <a:p>
-            <a:r>
-              <a:rPr lang="en-US" sz="3600" b="1" dirty="0" smtClean="0"/>
-              <a:t>Carbon starvation medium and </a:t>
-            </a:r>
-            <a:r>
-              <a:rPr lang="el-GR" sz="3600" b="1" i="1" dirty="0"/>
-              <a:t>Δ</a:t>
-            </a:r>
-            <a:r>
-              <a:rPr lang="en-US" sz="3600" b="1" i="1" dirty="0" smtClean="0"/>
-              <a:t>rbp35 </a:t>
-            </a:r>
-            <a:r>
-              <a:rPr lang="en-US" sz="3600" b="1" dirty="0" smtClean="0"/>
-              <a:t>gene deletion affect poly(A) site selection</a:t>
-            </a:r>
-            <a:endParaRPr lang="en-US" sz="3600" b="1" dirty="0"/>
-          </a:p>
-        </p:txBody>
-      </p:sp>
-      <p:sp>
-        <p:nvSpPr>
-          <p:cNvPr id="24" name="23 Rectángulo"/>
+            <a:pPr algn="ctr"/>
+            <a:r>
+              <a:rPr lang="en-US" sz="3200" dirty="0" smtClean="0"/>
+              <a:t>MGG_01058 3’UTR</a:t>
+            </a:r>
+            <a:endParaRPr lang="en-US" sz="3200" dirty="0"/>
+          </a:p>
+        </p:txBody>
+      </p:sp>
+      <p:sp>
+        <p:nvSpPr>
+          <p:cNvPr id="25" name="24 Elipse"/>
           <p:cNvSpPr/>
           <p:nvPr/>
         </p:nvSpPr>
         <p:spPr>
           <a:xfrm>
-            <a:off x="24621167" y="20624205"/>
-            <a:ext cx="7350610" cy="1077218"/>
+            <a:off x="27795313" y="22034748"/>
+            <a:ext cx="1220660" cy="1553539"/>
+          </a:xfrm>
+          <a:prstGeom prst="ellipse">
+            <a:avLst/>
+          </a:prstGeom>
+          <a:noFill/>
+          <a:ln>
+            <a:solidFill>
+              <a:srgbClr val="FF0000"/>
+            </a:solidFill>
+          </a:ln>
+        </p:spPr>
+        <p:style>
+          <a:lnRef idx="2">
+            <a:schemeClr val="accent1">
+              <a:shade val="50000"/>
+            </a:schemeClr>
+          </a:lnRef>
+          <a:fillRef idx="1">
+            <a:schemeClr val="accent1"/>
+          </a:fillRef>
+          <a:effectRef idx="0">
+            <a:schemeClr val="accent1"/>
+          </a:effectRef>
+          <a:fontRef idx="minor">
+            <a:schemeClr val="lt1"/>
+          </a:fontRef>
+        </p:style>
+        <p:txBody>
+          <a:bodyPr rtlCol="0" anchor="ctr"/>
+          <a:lstStyle/>
+          <a:p>
+            <a:pPr algn="ctr"/>
+            <a:endParaRPr lang="en-US" dirty="0"/>
+          </a:p>
+        </p:txBody>
+      </p:sp>
+      <p:sp>
+        <p:nvSpPr>
+          <p:cNvPr id="92" name="91 Elipse"/>
+          <p:cNvSpPr/>
+          <p:nvPr/>
+        </p:nvSpPr>
+        <p:spPr>
+          <a:xfrm>
+            <a:off x="30747641" y="22057206"/>
+            <a:ext cx="1220660" cy="1553539"/>
+          </a:xfrm>
+          <a:prstGeom prst="ellipse">
+            <a:avLst/>
+          </a:prstGeom>
+          <a:noFill/>
+          <a:ln>
+            <a:solidFill>
+              <a:srgbClr val="FF0000"/>
+            </a:solidFill>
+          </a:ln>
+        </p:spPr>
+        <p:style>
+          <a:lnRef idx="2">
+            <a:schemeClr val="accent1">
+              <a:shade val="50000"/>
+            </a:schemeClr>
+          </a:lnRef>
+          <a:fillRef idx="1">
+            <a:schemeClr val="accent1"/>
+          </a:fillRef>
+          <a:effectRef idx="0">
+            <a:schemeClr val="accent1"/>
+          </a:effectRef>
+          <a:fontRef idx="minor">
+            <a:schemeClr val="lt1"/>
+          </a:fontRef>
+        </p:style>
+        <p:txBody>
+          <a:bodyPr rtlCol="0" anchor="ctr"/>
+          <a:lstStyle/>
+          <a:p>
+            <a:pPr algn="ctr"/>
+            <a:endParaRPr lang="en-US" dirty="0"/>
+          </a:p>
+        </p:txBody>
+      </p:sp>
+      <p:pic>
+        <p:nvPicPr>
+          <p:cNvPr id="93" name="Picture 23"/>
+          <p:cNvPicPr>
+            <a:picLocks noChangeAspect="1" noChangeArrowheads="1"/>
+          </p:cNvPicPr>
+          <p:nvPr/>
+        </p:nvPicPr>
+        <p:blipFill>
+          <a:blip r:embed="rId13">
+            <a:extLst>
+              <a:ext uri="{28A0092B-C50C-407E-A947-70E740481C1C}">
+                <a14:useLocalDpi xmlns:a14="http://schemas.microsoft.com/office/drawing/2010/main" val="0"/>
+              </a:ext>
+            </a:extLst>
+          </a:blip>
+          <a:srcRect/>
+          <a:stretch>
+            <a:fillRect/>
+          </a:stretch>
+        </p:blipFill>
+        <p:spPr bwMode="auto">
+          <a:xfrm>
+            <a:off x="25164856" y="29379564"/>
+            <a:ext cx="6734913" cy="742006"/>
+          </a:xfrm>
+          <a:prstGeom prst="rect">
+            <a:avLst/>
+          </a:prstGeom>
+          <a:noFill/>
+          <a:ln>
+            <a:noFill/>
+          </a:ln>
+          <a:effectLst/>
+          <a:extLst>
+            <a:ext uri="{909E8E84-426E-40DD-AFC4-6F175D3DCCD1}">
+              <a14:hiddenFill xmlns:a14="http://schemas.microsoft.com/office/drawing/2010/main">
+                <a:solidFill>
+                  <a:schemeClr val="accent1"/>
+                </a:solidFill>
+              </a14:hiddenFill>
+            </a:ext>
+            <a:ext uri="{91240B29-F687-4F45-9708-019B960494DF}">
+              <a14:hiddenLine xmlns:a14="http://schemas.microsoft.com/office/drawing/2010/main" w="9525">
+                <a:solidFill>
+                  <a:schemeClr val="tx1"/>
+                </a:solidFill>
+                <a:miter lim="800000"/>
+                <a:headEnd/>
+                <a:tailEnd/>
+              </a14:hiddenLine>
+            </a:ext>
+            <a:ext uri="{AF507438-7753-43E0-B8FC-AC1667EBCBE1}">
+              <a14:hiddenEffects xmlns:a14="http://schemas.microsoft.com/office/drawing/2010/main">
+                <a:effectLst>
+                  <a:outerShdw dist="35921" dir="2700000" algn="ctr" rotWithShape="0">
+                    <a:schemeClr val="bg2"/>
+                  </a:outerShdw>
+                </a:effectLst>
+              </a14:hiddenEffects>
+            </a:ext>
+          </a:extLst>
+        </p:spPr>
+      </p:pic>
+      <p:sp>
+        <p:nvSpPr>
+          <p:cNvPr id="94" name="93 Rectángulo"/>
+          <p:cNvSpPr/>
+          <p:nvPr/>
+        </p:nvSpPr>
+        <p:spPr>
+          <a:xfrm>
+            <a:off x="25503233" y="30121570"/>
+            <a:ext cx="6172836" cy="584775"/>
           </a:xfrm>
           <a:prstGeom prst="rect">
             <a:avLst/>
@@ -6504,102 +7064,16 @@
           <a:p>
             <a:pPr algn="ctr"/>
             <a:r>
-              <a:rPr lang="en-US" sz="3200" b="1" dirty="0">
-                <a:solidFill>
-                  <a:srgbClr val="FF0000"/>
-                </a:solidFill>
-              </a:rPr>
-              <a:t>Carbon </a:t>
-            </a:r>
-            <a:r>
-              <a:rPr lang="en-US" sz="3200" b="1" dirty="0" smtClean="0">
-                <a:solidFill>
-                  <a:srgbClr val="FF0000"/>
-                </a:solidFill>
-              </a:rPr>
-              <a:t>starvation usually lengthens 3’UTRs in Wild-type (455 genes affected)</a:t>
-            </a:r>
-            <a:endParaRPr lang="en-US" sz="3200" dirty="0">
-              <a:solidFill>
-                <a:srgbClr val="FF0000"/>
-              </a:solidFill>
-            </a:endParaRPr>
-          </a:p>
-        </p:txBody>
-      </p:sp>
-      <p:sp>
-        <p:nvSpPr>
-          <p:cNvPr id="79" name="78 Rectángulo"/>
-          <p:cNvSpPr/>
-          <p:nvPr/>
-        </p:nvSpPr>
-        <p:spPr>
-          <a:xfrm>
-            <a:off x="24723263" y="26499244"/>
-            <a:ext cx="7186369" cy="1077218"/>
-          </a:xfrm>
-          <a:prstGeom prst="rect">
-            <a:avLst/>
-          </a:prstGeom>
-        </p:spPr>
-        <p:txBody>
-          <a:bodyPr wrap="square">
-            <a:spAutoFit/>
-          </a:bodyPr>
-          <a:lstStyle/>
-          <a:p>
-            <a:pPr algn="ctr"/>
-            <a:r>
-              <a:rPr lang="en-US" sz="3200" b="1" dirty="0" smtClean="0">
-                <a:solidFill>
-                  <a:srgbClr val="FF0000"/>
-                </a:solidFill>
-              </a:rPr>
-              <a:t>Deletion of </a:t>
-            </a:r>
-            <a:r>
-              <a:rPr lang="el-GR" sz="3200" b="1" i="1" dirty="0">
-                <a:solidFill>
-                  <a:srgbClr val="FF0000"/>
-                </a:solidFill>
-              </a:rPr>
-              <a:t>Δ</a:t>
-            </a:r>
-            <a:r>
-              <a:rPr lang="en-US" sz="3200" b="1" i="1" dirty="0">
-                <a:solidFill>
-                  <a:srgbClr val="FF0000"/>
-                </a:solidFill>
-              </a:rPr>
-              <a:t>rbp35 </a:t>
-            </a:r>
-            <a:r>
-              <a:rPr lang="en-US" sz="3200" b="1" dirty="0">
-                <a:solidFill>
-                  <a:srgbClr val="FF0000"/>
-                </a:solidFill>
-              </a:rPr>
-              <a:t>gene</a:t>
-            </a:r>
-            <a:r>
-              <a:rPr lang="en-US" sz="3200" b="1" dirty="0" smtClean="0">
-                <a:solidFill>
-                  <a:srgbClr val="FF0000"/>
-                </a:solidFill>
-              </a:rPr>
-              <a:t> usually shortens 3’UTRs (%25 of genes affected)</a:t>
-            </a:r>
-            <a:endParaRPr lang="en-US" sz="3200" dirty="0">
-              <a:solidFill>
-                <a:srgbClr val="FF0000"/>
-              </a:solidFill>
-            </a:endParaRPr>
+              <a:rPr lang="en-US" sz="3200" dirty="0" smtClean="0"/>
+              <a:t>MGG_01620 3’UTR</a:t>
+            </a:r>
+            <a:endParaRPr lang="en-US" sz="3200" dirty="0"/>
           </a:p>
         </p:txBody>
       </p:sp>
       <p:pic>
         <p:nvPicPr>
-          <p:cNvPr id="1047" name="Picture 23"/>
+          <p:cNvPr id="1049" name="Picture 25"/>
           <p:cNvPicPr>
             <a:picLocks noChangeAspect="1" noChangeArrowheads="1"/>
           </p:cNvPicPr>
@@ -6620,8 +7094,8 @@
         </p:blipFill>
         <p:spPr bwMode="auto">
           <a:xfrm>
-            <a:off x="25092847" y="23588287"/>
-            <a:ext cx="6734913" cy="742006"/>
+            <a:off x="25589642" y="28398215"/>
+            <a:ext cx="6238119" cy="876300"/>
           </a:xfrm>
           <a:prstGeom prst="rect">
             <a:avLst/>
@@ -6661,9 +7135,131 @@
           </a:extLst>
         </p:spPr>
       </p:pic>
+      <p:sp>
+        <p:nvSpPr>
+          <p:cNvPr id="95" name="94 Elipse"/>
+          <p:cNvSpPr/>
+          <p:nvPr/>
+        </p:nvSpPr>
+        <p:spPr>
+          <a:xfrm>
+            <a:off x="25849728" y="27853133"/>
+            <a:ext cx="1220660" cy="1553539"/>
+          </a:xfrm>
+          <a:prstGeom prst="ellipse">
+            <a:avLst/>
+          </a:prstGeom>
+          <a:noFill/>
+          <a:ln>
+            <a:solidFill>
+              <a:srgbClr val="FF0000"/>
+            </a:solidFill>
+          </a:ln>
+        </p:spPr>
+        <p:style>
+          <a:lnRef idx="2">
+            <a:schemeClr val="accent1">
+              <a:shade val="50000"/>
+            </a:schemeClr>
+          </a:lnRef>
+          <a:fillRef idx="1">
+            <a:schemeClr val="accent1"/>
+          </a:fillRef>
+          <a:effectRef idx="0">
+            <a:schemeClr val="accent1"/>
+          </a:effectRef>
+          <a:fontRef idx="minor">
+            <a:schemeClr val="lt1"/>
+          </a:fontRef>
+        </p:style>
+        <p:txBody>
+          <a:bodyPr rtlCol="0" anchor="ctr"/>
+          <a:lstStyle/>
+          <a:p>
+            <a:pPr algn="ctr"/>
+            <a:endParaRPr lang="en-US" dirty="0"/>
+          </a:p>
+        </p:txBody>
+      </p:sp>
+      <p:sp>
+        <p:nvSpPr>
+          <p:cNvPr id="96" name="95 Elipse"/>
+          <p:cNvSpPr/>
+          <p:nvPr/>
+        </p:nvSpPr>
+        <p:spPr>
+          <a:xfrm>
+            <a:off x="30688972" y="27826025"/>
+            <a:ext cx="1220660" cy="1553539"/>
+          </a:xfrm>
+          <a:prstGeom prst="ellipse">
+            <a:avLst/>
+          </a:prstGeom>
+          <a:noFill/>
+          <a:ln>
+            <a:solidFill>
+              <a:srgbClr val="FF0000"/>
+            </a:solidFill>
+          </a:ln>
+        </p:spPr>
+        <p:style>
+          <a:lnRef idx="2">
+            <a:schemeClr val="accent1">
+              <a:shade val="50000"/>
+            </a:schemeClr>
+          </a:lnRef>
+          <a:fillRef idx="1">
+            <a:schemeClr val="accent1"/>
+          </a:fillRef>
+          <a:effectRef idx="0">
+            <a:schemeClr val="accent1"/>
+          </a:effectRef>
+          <a:fontRef idx="minor">
+            <a:schemeClr val="lt1"/>
+          </a:fontRef>
+        </p:style>
+        <p:txBody>
+          <a:bodyPr rtlCol="0" anchor="ctr"/>
+          <a:lstStyle/>
+          <a:p>
+            <a:pPr algn="ctr"/>
+            <a:endParaRPr lang="en-US" dirty="0"/>
+          </a:p>
+        </p:txBody>
+      </p:sp>
+      <p:sp>
+        <p:nvSpPr>
+          <p:cNvPr id="31" name="30 Rectángulo"/>
+          <p:cNvSpPr/>
+          <p:nvPr/>
+        </p:nvSpPr>
+        <p:spPr>
+          <a:xfrm>
+            <a:off x="984670" y="31035748"/>
+            <a:ext cx="13969552" cy="646331"/>
+          </a:xfrm>
+          <a:prstGeom prst="rect">
+            <a:avLst/>
+          </a:prstGeom>
+        </p:spPr>
+        <p:txBody>
+          <a:bodyPr wrap="square">
+            <a:spAutoFit/>
+          </a:bodyPr>
+          <a:lstStyle/>
+          <a:p>
+            <a:pPr algn="ctr"/>
+            <a:r>
+              <a:rPr lang="en-US" sz="3600" b="1" dirty="0" smtClean="0"/>
+              <a:t>Rbp35/CfI25 complex recognizes the UGUAH motif</a:t>
+            </a:r>
+            <a:endParaRPr lang="en-US" sz="3600" b="1" dirty="0"/>
+          </a:p>
+        </p:txBody>
+      </p:sp>
       <p:pic>
         <p:nvPicPr>
-          <p:cNvPr id="1048" name="Picture 24"/>
+          <p:cNvPr id="1050" name="Picture 26"/>
           <p:cNvPicPr>
             <a:picLocks noChangeAspect="1" noChangeArrowheads="1"/>
           </p:cNvPicPr>
@@ -6684,8 +7280,8 @@
         </p:blipFill>
         <p:spPr bwMode="auto">
           <a:xfrm>
-            <a:off x="25443445" y="22410114"/>
-            <a:ext cx="6384316" cy="847725"/>
+            <a:off x="2071142" y="32403900"/>
+            <a:ext cx="12258675" cy="5295900"/>
           </a:xfrm>
           <a:prstGeom prst="rect">
             <a:avLst/>
@@ -6727,14 +7323,14 @@
       </p:pic>
       <p:sp>
         <p:nvSpPr>
-          <p:cNvPr id="85" name="84 Rectángulo"/>
+          <p:cNvPr id="99" name="98 Rectángulo"/>
           <p:cNvSpPr/>
           <p:nvPr/>
         </p:nvSpPr>
         <p:spPr>
           <a:xfrm>
-            <a:off x="25431224" y="24330293"/>
-            <a:ext cx="6172836" cy="584775"/>
+            <a:off x="2890108" y="31755829"/>
+            <a:ext cx="9907461" cy="584775"/>
           </a:xfrm>
           <a:prstGeom prst="rect">
             <a:avLst/>
@@ -6748,472 +7344,6 @@
           <a:p>
             <a:pPr algn="ctr"/>
             <a:r>
-              <a:rPr lang="en-US" sz="3200" dirty="0" smtClean="0"/>
-              <a:t>MGG_01058 3’UTR</a:t>
-            </a:r>
-            <a:endParaRPr lang="en-US" sz="3200" dirty="0"/>
-          </a:p>
-        </p:txBody>
-      </p:sp>
-      <p:sp>
-        <p:nvSpPr>
-          <p:cNvPr id="25" name="24 Elipse"/>
-          <p:cNvSpPr/>
-          <p:nvPr/>
-        </p:nvSpPr>
-        <p:spPr>
-          <a:xfrm>
-            <a:off x="27795313" y="22034748"/>
-            <a:ext cx="1220660" cy="1553539"/>
-          </a:xfrm>
-          <a:prstGeom prst="ellipse">
-            <a:avLst/>
-          </a:prstGeom>
-          <a:noFill/>
-          <a:ln>
-            <a:solidFill>
-              <a:srgbClr val="FF0000"/>
-            </a:solidFill>
-          </a:ln>
-        </p:spPr>
-        <p:style>
-          <a:lnRef idx="2">
-            <a:schemeClr val="accent1">
-              <a:shade val="50000"/>
-            </a:schemeClr>
-          </a:lnRef>
-          <a:fillRef idx="1">
-            <a:schemeClr val="accent1"/>
-          </a:fillRef>
-          <a:effectRef idx="0">
-            <a:schemeClr val="accent1"/>
-          </a:effectRef>
-          <a:fontRef idx="minor">
-            <a:schemeClr val="lt1"/>
-          </a:fontRef>
-        </p:style>
-        <p:txBody>
-          <a:bodyPr rtlCol="0" anchor="ctr"/>
-          <a:lstStyle/>
-          <a:p>
-            <a:pPr algn="ctr"/>
-            <a:endParaRPr lang="en-US"/>
-          </a:p>
-        </p:txBody>
-      </p:sp>
-      <p:sp>
-        <p:nvSpPr>
-          <p:cNvPr id="92" name="91 Elipse"/>
-          <p:cNvSpPr/>
-          <p:nvPr/>
-        </p:nvSpPr>
-        <p:spPr>
-          <a:xfrm>
-            <a:off x="30823124" y="22057206"/>
-            <a:ext cx="1220660" cy="1553539"/>
-          </a:xfrm>
-          <a:prstGeom prst="ellipse">
-            <a:avLst/>
-          </a:prstGeom>
-          <a:noFill/>
-          <a:ln>
-            <a:solidFill>
-              <a:srgbClr val="FF0000"/>
-            </a:solidFill>
-          </a:ln>
-        </p:spPr>
-        <p:style>
-          <a:lnRef idx="2">
-            <a:schemeClr val="accent1">
-              <a:shade val="50000"/>
-            </a:schemeClr>
-          </a:lnRef>
-          <a:fillRef idx="1">
-            <a:schemeClr val="accent1"/>
-          </a:fillRef>
-          <a:effectRef idx="0">
-            <a:schemeClr val="accent1"/>
-          </a:effectRef>
-          <a:fontRef idx="minor">
-            <a:schemeClr val="lt1"/>
-          </a:fontRef>
-        </p:style>
-        <p:txBody>
-          <a:bodyPr rtlCol="0" anchor="ctr"/>
-          <a:lstStyle/>
-          <a:p>
-            <a:pPr algn="ctr"/>
-            <a:endParaRPr lang="en-US"/>
-          </a:p>
-        </p:txBody>
-      </p:sp>
-      <p:pic>
-        <p:nvPicPr>
-          <p:cNvPr id="93" name="Picture 23"/>
-          <p:cNvPicPr>
-            <a:picLocks noChangeAspect="1" noChangeArrowheads="1"/>
-          </p:cNvPicPr>
-          <p:nvPr/>
-        </p:nvPicPr>
-        <p:blipFill>
-          <a:blip r:embed="rId15">
-            <a:extLst>
-              <a:ext uri="{28A0092B-C50C-407E-A947-70E740481C1C}">
-                <a14:useLocalDpi xmlns:a14="http://schemas.microsoft.com/office/drawing/2010/main" val="0"/>
-              </a:ext>
-            </a:extLst>
-          </a:blip>
-          <a:srcRect/>
-          <a:stretch>
-            <a:fillRect/>
-          </a:stretch>
-        </p:blipFill>
-        <p:spPr bwMode="auto">
-          <a:xfrm>
-            <a:off x="25164856" y="29379564"/>
-            <a:ext cx="6734913" cy="742006"/>
-          </a:xfrm>
-          <a:prstGeom prst="rect">
-            <a:avLst/>
-          </a:prstGeom>
-          <a:noFill/>
-          <a:ln>
-            <a:noFill/>
-          </a:ln>
-          <a:effectLst/>
-          <a:extLst>
-            <a:ext uri="{909E8E84-426E-40DD-AFC4-6F175D3DCCD1}">
-              <a14:hiddenFill xmlns:a14="http://schemas.microsoft.com/office/drawing/2010/main">
-                <a:solidFill>
-                  <a:schemeClr val="accent1"/>
-                </a:solidFill>
-              </a14:hiddenFill>
-            </a:ext>
-            <a:ext uri="{91240B29-F687-4F45-9708-019B960494DF}">
-              <a14:hiddenLine xmlns:a14="http://schemas.microsoft.com/office/drawing/2010/main" w="9525">
-                <a:solidFill>
-                  <a:schemeClr val="tx1"/>
-                </a:solidFill>
-                <a:miter lim="800000"/>
-                <a:headEnd/>
-                <a:tailEnd/>
-              </a14:hiddenLine>
-            </a:ext>
-            <a:ext uri="{AF507438-7753-43E0-B8FC-AC1667EBCBE1}">
-              <a14:hiddenEffects xmlns:a14="http://schemas.microsoft.com/office/drawing/2010/main">
-                <a:effectLst>
-                  <a:outerShdw dist="35921" dir="2700000" algn="ctr" rotWithShape="0">
-                    <a:schemeClr val="bg2"/>
-                  </a:outerShdw>
-                </a:effectLst>
-              </a14:hiddenEffects>
-            </a:ext>
-          </a:extLst>
-        </p:spPr>
-      </p:pic>
-      <p:sp>
-        <p:nvSpPr>
-          <p:cNvPr id="94" name="93 Rectángulo"/>
-          <p:cNvSpPr/>
-          <p:nvPr/>
-        </p:nvSpPr>
-        <p:spPr>
-          <a:xfrm>
-            <a:off x="25503233" y="30121570"/>
-            <a:ext cx="6172836" cy="584775"/>
-          </a:xfrm>
-          <a:prstGeom prst="rect">
-            <a:avLst/>
-          </a:prstGeom>
-        </p:spPr>
-        <p:txBody>
-          <a:bodyPr wrap="square">
-            <a:spAutoFit/>
-          </a:bodyPr>
-          <a:lstStyle/>
-          <a:p>
-            <a:pPr algn="ctr"/>
-            <a:r>
-              <a:rPr lang="en-US" sz="3200" dirty="0" smtClean="0"/>
-              <a:t>MGG_01620 3’UTR</a:t>
-            </a:r>
-            <a:endParaRPr lang="en-US" sz="3200" dirty="0"/>
-          </a:p>
-        </p:txBody>
-      </p:sp>
-      <p:pic>
-        <p:nvPicPr>
-          <p:cNvPr id="1049" name="Picture 25"/>
-          <p:cNvPicPr>
-            <a:picLocks noChangeAspect="1" noChangeArrowheads="1"/>
-          </p:cNvPicPr>
-          <p:nvPr/>
-        </p:nvPicPr>
-        <p:blipFill>
-          <a:blip r:embed="rId17">
-            <a:extLst>
-              <a:ext uri="{28A0092B-C50C-407E-A947-70E740481C1C}">
-                <a14:useLocalDpi xmlns:a14="http://schemas.microsoft.com/office/drawing/2010/main" val="0"/>
-              </a:ext>
-            </a:extLst>
-          </a:blip>
-          <a:srcRect/>
-          <a:stretch>
-            <a:fillRect/>
-          </a:stretch>
-        </p:blipFill>
-        <p:spPr bwMode="auto">
-          <a:xfrm>
-            <a:off x="25589642" y="28398215"/>
-            <a:ext cx="6238119" cy="876300"/>
-          </a:xfrm>
-          <a:prstGeom prst="rect">
-            <a:avLst/>
-          </a:prstGeom>
-          <a:noFill/>
-          <a:ln>
-            <a:noFill/>
-          </a:ln>
-          <a:effectLst/>
-          <a:extLst>
-            <a:ext uri="{909E8E84-426E-40DD-AFC4-6F175D3DCCD1}">
-              <a14:hiddenFill xmlns:a14="http://schemas.microsoft.com/office/drawing/2010/main">
-                <a:solidFill>
-                  <a:schemeClr val="accent1"/>
-                </a:solidFill>
-              </a14:hiddenFill>
-            </a:ext>
-            <a:ext uri="{91240B29-F687-4F45-9708-019B960494DF}">
-              <a14:hiddenLine xmlns:a14="http://schemas.microsoft.com/office/drawing/2010/main" w="9525">
-                <a:solidFill>
-                  <a:schemeClr val="tx1"/>
-                </a:solidFill>
-                <a:miter lim="800000"/>
-                <a:headEnd/>
-                <a:tailEnd/>
-              </a14:hiddenLine>
-            </a:ext>
-            <a:ext uri="{AF507438-7753-43E0-B8FC-AC1667EBCBE1}">
-              <a14:hiddenEffects xmlns:a14="http://schemas.microsoft.com/office/drawing/2010/main">
-                <a:effectLst>
-                  <a:outerShdw dist="35921" dir="2700000" algn="ctr" rotWithShape="0">
-                    <a:schemeClr val="bg2"/>
-                  </a:outerShdw>
-                </a:effectLst>
-              </a14:hiddenEffects>
-            </a:ext>
-          </a:extLst>
-        </p:spPr>
-      </p:pic>
-      <p:sp>
-        <p:nvSpPr>
-          <p:cNvPr id="95" name="94 Elipse"/>
-          <p:cNvSpPr/>
-          <p:nvPr/>
-        </p:nvSpPr>
-        <p:spPr>
-          <a:xfrm>
-            <a:off x="25849728" y="27853133"/>
-            <a:ext cx="1220660" cy="1553539"/>
-          </a:xfrm>
-          <a:prstGeom prst="ellipse">
-            <a:avLst/>
-          </a:prstGeom>
-          <a:noFill/>
-          <a:ln>
-            <a:solidFill>
-              <a:srgbClr val="FF0000"/>
-            </a:solidFill>
-          </a:ln>
-        </p:spPr>
-        <p:style>
-          <a:lnRef idx="2">
-            <a:schemeClr val="accent1">
-              <a:shade val="50000"/>
-            </a:schemeClr>
-          </a:lnRef>
-          <a:fillRef idx="1">
-            <a:schemeClr val="accent1"/>
-          </a:fillRef>
-          <a:effectRef idx="0">
-            <a:schemeClr val="accent1"/>
-          </a:effectRef>
-          <a:fontRef idx="minor">
-            <a:schemeClr val="lt1"/>
-          </a:fontRef>
-        </p:style>
-        <p:txBody>
-          <a:bodyPr rtlCol="0" anchor="ctr"/>
-          <a:lstStyle/>
-          <a:p>
-            <a:pPr algn="ctr"/>
-            <a:endParaRPr lang="en-US"/>
-          </a:p>
-        </p:txBody>
-      </p:sp>
-      <p:sp>
-        <p:nvSpPr>
-          <p:cNvPr id="96" name="95 Elipse"/>
-          <p:cNvSpPr/>
-          <p:nvPr/>
-        </p:nvSpPr>
-        <p:spPr>
-          <a:xfrm>
-            <a:off x="30688972" y="27826025"/>
-            <a:ext cx="1220660" cy="1553539"/>
-          </a:xfrm>
-          <a:prstGeom prst="ellipse">
-            <a:avLst/>
-          </a:prstGeom>
-          <a:noFill/>
-          <a:ln>
-            <a:solidFill>
-              <a:srgbClr val="FF0000"/>
-            </a:solidFill>
-          </a:ln>
-        </p:spPr>
-        <p:style>
-          <a:lnRef idx="2">
-            <a:schemeClr val="accent1">
-              <a:shade val="50000"/>
-            </a:schemeClr>
-          </a:lnRef>
-          <a:fillRef idx="1">
-            <a:schemeClr val="accent1"/>
-          </a:fillRef>
-          <a:effectRef idx="0">
-            <a:schemeClr val="accent1"/>
-          </a:effectRef>
-          <a:fontRef idx="minor">
-            <a:schemeClr val="lt1"/>
-          </a:fontRef>
-        </p:style>
-        <p:txBody>
-          <a:bodyPr rtlCol="0" anchor="ctr"/>
-          <a:lstStyle/>
-          <a:p>
-            <a:pPr algn="ctr"/>
-            <a:endParaRPr lang="en-US"/>
-          </a:p>
-        </p:txBody>
-      </p:sp>
-      <p:sp>
-        <p:nvSpPr>
-          <p:cNvPr id="31" name="30 Rectángulo"/>
-          <p:cNvSpPr/>
-          <p:nvPr/>
-        </p:nvSpPr>
-        <p:spPr>
-          <a:xfrm>
-            <a:off x="984670" y="31035748"/>
-            <a:ext cx="13969552" cy="646331"/>
-          </a:xfrm>
-          <a:prstGeom prst="rect">
-            <a:avLst/>
-          </a:prstGeom>
-        </p:spPr>
-        <p:txBody>
-          <a:bodyPr wrap="square">
-            <a:spAutoFit/>
-          </a:bodyPr>
-          <a:lstStyle/>
-          <a:p>
-            <a:pPr algn="ctr"/>
-            <a:r>
-              <a:rPr lang="en-US" sz="3600" b="1" dirty="0" smtClean="0"/>
-              <a:t>Rbp35/CfI25 complex recognizes the UGUAH motif</a:t>
-            </a:r>
-            <a:endParaRPr lang="en-US" sz="3600" b="1" dirty="0"/>
-          </a:p>
-        </p:txBody>
-      </p:sp>
-      <p:pic>
-        <p:nvPicPr>
-          <p:cNvPr id="1050" name="Picture 26"/>
-          <p:cNvPicPr>
-            <a:picLocks noChangeAspect="1" noChangeArrowheads="1"/>
-          </p:cNvPicPr>
-          <p:nvPr/>
-        </p:nvPicPr>
-        <p:blipFill>
-          <a:blip r:embed="rId18">
-            <a:extLst>
-              <a:ext uri="{28A0092B-C50C-407E-A947-70E740481C1C}">
-                <a14:useLocalDpi xmlns:a14="http://schemas.microsoft.com/office/drawing/2010/main" val="0"/>
-              </a:ext>
-            </a:extLst>
-          </a:blip>
-          <a:srcRect/>
-          <a:stretch>
-            <a:fillRect/>
-          </a:stretch>
-        </p:blipFill>
-        <p:spPr bwMode="auto">
-          <a:xfrm>
-            <a:off x="2071142" y="32403900"/>
-            <a:ext cx="12258675" cy="5295900"/>
-          </a:xfrm>
-          <a:prstGeom prst="rect">
-            <a:avLst/>
-          </a:prstGeom>
-          <a:noFill/>
-          <a:ln>
-            <a:noFill/>
-          </a:ln>
-          <a:effectLst/>
-          <a:extLst>
-            <a:ext uri="{909E8E84-426E-40DD-AFC4-6F175D3DCCD1}">
-              <a14:hiddenFill xmlns:a14="http://schemas.microsoft.com/office/drawing/2010/main">
-                <a:solidFill>
-                  <a:schemeClr val="accent1"/>
-                </a:solidFill>
-              </a14:hiddenFill>
-            </a:ext>
-            <a:ext uri="{91240B29-F687-4F45-9708-019B960494DF}">
-              <a14:hiddenLine xmlns:a14="http://schemas.microsoft.com/office/drawing/2010/main" w="9525">
-                <a:solidFill>
-                  <a:schemeClr val="tx1"/>
-                </a:solidFill>
-                <a:miter lim="800000"/>
-                <a:headEnd/>
-                <a:tailEnd/>
-              </a14:hiddenLine>
-            </a:ext>
-            <a:ext uri="{AF507438-7753-43E0-B8FC-AC1667EBCBE1}">
-              <a14:hiddenEffects xmlns:a14="http://schemas.microsoft.com/office/drawing/2010/main">
-                <a:effectLst>
-                  <a:outerShdw dist="35921" dir="2700000" algn="ctr" rotWithShape="0">
-                    <a:schemeClr val="bg2"/>
-                  </a:outerShdw>
-                </a:effectLst>
-              </a14:hiddenEffects>
-            </a:ext>
-          </a:extLst>
-        </p:spPr>
-      </p:pic>
-      <p:sp>
-        <p:nvSpPr>
-          <p:cNvPr id="99" name="98 Rectángulo"/>
-          <p:cNvSpPr/>
-          <p:nvPr/>
-        </p:nvSpPr>
-        <p:spPr>
-          <a:xfrm>
-            <a:off x="2890108" y="31755829"/>
-            <a:ext cx="9907461" cy="584775"/>
-          </a:xfrm>
-          <a:prstGeom prst="rect">
-            <a:avLst/>
-          </a:prstGeom>
-        </p:spPr>
-        <p:txBody>
-          <a:bodyPr wrap="square">
-            <a:spAutoFit/>
-          </a:bodyPr>
-          <a:lstStyle/>
-          <a:p>
-            <a:pPr algn="ctr"/>
-            <a:r>
               <a:rPr lang="en-US" sz="3200" i="1" dirty="0" smtClean="0"/>
               <a:t>Frequency of UGUAH motif</a:t>
             </a:r>
@@ -7230,7 +7360,7 @@
         <p:spPr>
           <a:xfrm>
             <a:off x="576289" y="38498384"/>
-            <a:ext cx="4176464" cy="2096322"/>
+            <a:ext cx="4176464" cy="2330452"/>
           </a:xfrm>
           <a:prstGeom prst="roundRect">
             <a:avLst/>
@@ -7279,7 +7409,7 @@
               <a:buFontTx/>
               <a:buNone/>
             </a:pPr>
-            <a:endParaRPr lang="en-US" sz="1800" b="0">
+            <a:endParaRPr lang="en-US" sz="1800" b="0" dirty="0">
               <a:solidFill>
                 <a:prstClr val="white"/>
               </a:solidFill>
@@ -7415,7 +7545,7 @@
                 <a:buFontTx/>
                 <a:buNone/>
               </a:pPr>
-              <a:endParaRPr lang="en-US" sz="1800" b="0">
+              <a:endParaRPr lang="en-US" sz="1800" b="0" dirty="0">
                 <a:solidFill>
                   <a:prstClr val="white"/>
                 </a:solidFill>
@@ -7780,7 +7910,7 @@
         </p:nvSpPr>
         <p:spPr>
           <a:xfrm>
-            <a:off x="485302" y="37876508"/>
+            <a:off x="485302" y="37948516"/>
             <a:ext cx="4681144" cy="461568"/>
           </a:xfrm>
           <a:prstGeom prst="rect">
@@ -7876,7 +8006,7 @@
               <a:buFontTx/>
               <a:buNone/>
             </a:pPr>
-            <a:endParaRPr lang="en-US" sz="1800" b="0">
+            <a:endParaRPr lang="en-US" sz="1800" b="0" dirty="0">
               <a:solidFill>
                 <a:prstClr val="white"/>
               </a:solidFill>
@@ -7942,7 +8072,7 @@
               <a:buFontTx/>
               <a:buNone/>
             </a:pPr>
-            <a:endParaRPr lang="en-US" sz="1800" b="0">
+            <a:endParaRPr lang="en-US" sz="1800" b="0" dirty="0">
               <a:solidFill>
                 <a:prstClr val="white"/>
               </a:solidFill>
@@ -8078,7 +8208,7 @@
                 <a:buFontTx/>
                 <a:buNone/>
               </a:pPr>
-              <a:endParaRPr lang="en-US" sz="1800" b="0">
+              <a:endParaRPr lang="en-US" sz="1800" b="0" dirty="0">
                 <a:solidFill>
                   <a:prstClr val="white"/>
                 </a:solidFill>
@@ -8494,7 +8624,7 @@
               <a:buFontTx/>
               <a:buNone/>
             </a:pPr>
-            <a:endParaRPr lang="en-US" sz="1800" b="0">
+            <a:endParaRPr lang="en-US" sz="1800" b="0" dirty="0">
               <a:solidFill>
                 <a:prstClr val="white"/>
               </a:solidFill>
@@ -8595,7 +8725,7 @@
               <a:buFontTx/>
               <a:buNone/>
             </a:pPr>
-            <a:endParaRPr lang="en-US" sz="1800" b="0">
+            <a:endParaRPr lang="en-US" sz="1800" b="0" dirty="0">
               <a:solidFill>
                 <a:prstClr val="white"/>
               </a:solidFill>
@@ -8731,7 +8861,7 @@
                 <a:buFontTx/>
                 <a:buNone/>
               </a:pPr>
-              <a:endParaRPr lang="en-US" sz="1800" b="0">
+              <a:endParaRPr lang="en-US" sz="1800" b="0" dirty="0">
                 <a:solidFill>
                   <a:prstClr val="white"/>
                 </a:solidFill>
@@ -9051,8 +9181,8 @@
         </p:nvSpPr>
         <p:spPr>
           <a:xfrm>
-            <a:off x="12658831" y="37862566"/>
-            <a:ext cx="1877171" cy="523123"/>
+            <a:off x="12349291" y="37862566"/>
+            <a:ext cx="2412574" cy="523123"/>
           </a:xfrm>
           <a:prstGeom prst="rect">
             <a:avLst/>
@@ -9076,19 +9206,29 @@
               <a:buNone/>
             </a:pPr>
             <a:r>
+              <a:rPr lang="el-GR" sz="2800" i="1" dirty="0"/>
+              <a:t>Δ</a:t>
+            </a:r>
+            <a:r>
+              <a:rPr lang="en-US" sz="2800" i="1" dirty="0" smtClean="0"/>
+              <a:t>rbp35</a:t>
+            </a:r>
+            <a:r>
+              <a:rPr lang="en-US" sz="2800" b="1" i="1" dirty="0" smtClean="0"/>
+              <a:t> </a:t>
+            </a:r>
+            <a:r>
               <a:rPr lang="en-US" sz="2800" dirty="0" smtClean="0">
                 <a:solidFill>
                   <a:prstClr val="black"/>
                 </a:solidFill>
-                <a:latin typeface="Calibri"/>
               </a:rPr>
-              <a:t>The mutant</a:t>
+              <a:t>mutant</a:t>
             </a:r>
             <a:endParaRPr lang="en-US" sz="2800" dirty="0">
               <a:solidFill>
                 <a:prstClr val="black"/>
               </a:solidFill>
-              <a:latin typeface="Calibri"/>
             </a:endParaRPr>
           </a:p>
         </p:txBody>
@@ -9138,7 +9278,7 @@
               <a:buFontTx/>
               <a:buNone/>
             </a:pPr>
-            <a:endParaRPr lang="en-US" sz="1800" b="0">
+            <a:endParaRPr lang="en-US" sz="1800" b="0" dirty="0">
               <a:solidFill>
                 <a:prstClr val="white"/>
               </a:solidFill>
@@ -9233,7 +9373,7 @@
               <a:buFontTx/>
               <a:buNone/>
             </a:pPr>
-            <a:endParaRPr lang="en-US" sz="1800" b="0">
+            <a:endParaRPr lang="en-US" sz="1800" b="0" dirty="0">
               <a:solidFill>
                 <a:prstClr val="white"/>
               </a:solidFill>
@@ -9494,7 +9634,7 @@
           <p:nvPr/>
         </p:nvPicPr>
         <p:blipFill>
-          <a:blip r:embed="rId19" cstate="print">
+          <a:blip r:embed="rId17" cstate="print">
             <a:extLst>
               <a:ext uri="{28A0092B-C50C-407E-A947-70E740481C1C}">
                 <a14:useLocalDpi xmlns:a14="http://schemas.microsoft.com/office/drawing/2010/main" val="0"/>
@@ -9570,7 +9710,7 @@
           <p:nvPr/>
         </p:nvPicPr>
         <p:blipFill>
-          <a:blip r:embed="rId19" cstate="print">
+          <a:blip r:embed="rId17" cstate="print">
             <a:extLst>
               <a:ext uri="{28A0092B-C50C-407E-A947-70E740481C1C}">
                 <a14:useLocalDpi xmlns:a14="http://schemas.microsoft.com/office/drawing/2010/main" val="0"/>
@@ -9611,7 +9751,7 @@
           <p:nvPr/>
         </p:nvPicPr>
         <p:blipFill>
-          <a:blip r:embed="rId19" cstate="print">
+          <a:blip r:embed="rId17" cstate="print">
             <a:extLst>
               <a:ext uri="{28A0092B-C50C-407E-A947-70E740481C1C}">
                 <a14:useLocalDpi xmlns:a14="http://schemas.microsoft.com/office/drawing/2010/main" val="0"/>
@@ -9675,24 +9815,24 @@
             </a:r>
             <a:r>
               <a:rPr lang="en-US" sz="3600" dirty="0" smtClean="0"/>
-              <a:t>Julio Rodriguez-Romero, Mark </a:t>
-            </a:r>
-            <a:r>
-              <a:rPr lang="en-US" sz="3600" dirty="0"/>
-              <a:t>Wilkinson and </a:t>
-            </a:r>
-            <a:r>
-              <a:rPr lang="en-US" sz="3600" dirty="0" err="1"/>
+              <a:t>Julio Rodriguez-Romero, </a:t>
+            </a:r>
+            <a:r>
+              <a:rPr lang="en-US" sz="3600" dirty="0" err="1" smtClean="0"/>
               <a:t>Ane</a:t>
             </a:r>
             <a:r>
-              <a:rPr lang="en-US" sz="3600" dirty="0"/>
+              <a:rPr lang="en-US" sz="3600" dirty="0" smtClean="0"/>
               <a:t> </a:t>
             </a:r>
             <a:r>
               <a:rPr lang="en-US" sz="3600" dirty="0" err="1" smtClean="0"/>
               <a:t>Sesma</a:t>
             </a:r>
+            <a:r>
+              <a:rPr lang="en-US" sz="3600" dirty="0"/>
+              <a:t> and Mark Wilkinson </a:t>
+            </a:r>
             <a:endParaRPr lang="en-US" sz="3600" dirty="0" smtClean="0"/>
           </a:p>
           <a:p>
@@ -9703,23 +9843,7 @@
             </a:r>
             <a:r>
               <a:rPr lang="en-US" sz="3600" dirty="0"/>
-              <a:t>for Plant Biotechnology and Genomics (CBGP), Universidad </a:t>
-            </a:r>
-            <a:r>
-              <a:rPr lang="en-US" sz="3600" dirty="0" err="1"/>
-              <a:t>Politécnica</a:t>
-            </a:r>
-            <a:r>
-              <a:rPr lang="en-US" sz="3600" dirty="0"/>
-              <a:t> de Madrid, Campus </a:t>
-            </a:r>
-            <a:r>
-              <a:rPr lang="en-US" sz="3600" dirty="0" err="1"/>
-              <a:t>Montegancedo</a:t>
-            </a:r>
-            <a:r>
-              <a:rPr lang="en-US" sz="3600" dirty="0"/>
-              <a:t> 28223 Madrid – Spain </a:t>
+              <a:t>for Plant Biotechnology and Genomics (CBGP), Universidad Politécnica de Madrid, Campus Montegancedo 28223 Madrid – Spain </a:t>
             </a:r>
             <a:r>
               <a:rPr lang="en-US" sz="3600" i="1" dirty="0" smtClean="0"/>
@@ -9732,6 +9856,134 @@
       <p:pic>
         <p:nvPicPr>
           <p:cNvPr id="1051" name="Picture 27"/>
+          <p:cNvPicPr>
+            <a:picLocks noChangeAspect="1" noChangeArrowheads="1"/>
+          </p:cNvPicPr>
+          <p:nvPr/>
+        </p:nvPicPr>
+        <p:blipFill>
+          <a:blip r:embed="rId18">
+            <a:extLst>
+              <a:ext uri="{28A0092B-C50C-407E-A947-70E740481C1C}">
+                <a14:useLocalDpi xmlns:a14="http://schemas.microsoft.com/office/drawing/2010/main" val="0"/>
+              </a:ext>
+            </a:extLst>
+          </a:blip>
+          <a:srcRect/>
+          <a:stretch>
+            <a:fillRect/>
+          </a:stretch>
+        </p:blipFill>
+        <p:spPr bwMode="auto">
+          <a:xfrm>
+            <a:off x="118342" y="41234750"/>
+            <a:ext cx="3639293" cy="1754326"/>
+          </a:xfrm>
+          <a:prstGeom prst="rect">
+            <a:avLst/>
+          </a:prstGeom>
+          <a:noFill/>
+          <a:ln>
+            <a:noFill/>
+          </a:ln>
+          <a:effectLst/>
+          <a:extLst>
+            <a:ext uri="{909E8E84-426E-40DD-AFC4-6F175D3DCCD1}">
+              <a14:hiddenFill xmlns:a14="http://schemas.microsoft.com/office/drawing/2010/main">
+                <a:solidFill>
+                  <a:schemeClr val="accent1"/>
+                </a:solidFill>
+              </a14:hiddenFill>
+            </a:ext>
+            <a:ext uri="{91240B29-F687-4F45-9708-019B960494DF}">
+              <a14:hiddenLine xmlns:a14="http://schemas.microsoft.com/office/drawing/2010/main" w="9525">
+                <a:solidFill>
+                  <a:schemeClr val="tx1"/>
+                </a:solidFill>
+                <a:miter lim="800000"/>
+                <a:headEnd/>
+                <a:tailEnd/>
+              </a14:hiddenLine>
+            </a:ext>
+            <a:ext uri="{AF507438-7753-43E0-B8FC-AC1667EBCBE1}">
+              <a14:hiddenEffects xmlns:a14="http://schemas.microsoft.com/office/drawing/2010/main">
+                <a:effectLst>
+                  <a:outerShdw dist="35921" dir="2700000" algn="ctr" rotWithShape="0">
+                    <a:schemeClr val="bg2"/>
+                  </a:outerShdw>
+                </a:effectLst>
+              </a14:hiddenEffects>
+            </a:ext>
+          </a:extLst>
+        </p:spPr>
+      </p:pic>
+      <p:pic>
+        <p:nvPicPr>
+          <p:cNvPr id="1052" name="Picture 28"/>
+          <p:cNvPicPr>
+            <a:picLocks noChangeAspect="1" noChangeArrowheads="1"/>
+          </p:cNvPicPr>
+          <p:nvPr/>
+        </p:nvPicPr>
+        <p:blipFill>
+          <a:blip r:embed="rId19">
+            <a:extLst>
+              <a:ext uri="{28A0092B-C50C-407E-A947-70E740481C1C}">
+                <a14:useLocalDpi xmlns:a14="http://schemas.microsoft.com/office/drawing/2010/main" val="0"/>
+              </a:ext>
+            </a:extLst>
+          </a:blip>
+          <a:srcRect/>
+          <a:stretch>
+            <a:fillRect/>
+          </a:stretch>
+        </p:blipFill>
+        <p:spPr bwMode="auto">
+          <a:xfrm>
+            <a:off x="29624523" y="41552220"/>
+            <a:ext cx="2491270" cy="1148824"/>
+          </a:xfrm>
+          <a:prstGeom prst="rect">
+            <a:avLst/>
+          </a:prstGeom>
+          <a:noFill/>
+          <a:ln>
+            <a:noFill/>
+          </a:ln>
+          <a:effectLst/>
+          <a:extLst>
+            <a:ext uri="{909E8E84-426E-40DD-AFC4-6F175D3DCCD1}">
+              <a14:hiddenFill xmlns:a14="http://schemas.microsoft.com/office/drawing/2010/main">
+                <a:solidFill>
+                  <a:schemeClr val="accent1"/>
+                </a:solidFill>
+              </a14:hiddenFill>
+            </a:ext>
+            <a:ext uri="{91240B29-F687-4F45-9708-019B960494DF}">
+              <a14:hiddenLine xmlns:a14="http://schemas.microsoft.com/office/drawing/2010/main" w="9525">
+                <a:solidFill>
+                  <a:schemeClr val="tx1"/>
+                </a:solidFill>
+                <a:miter lim="800000"/>
+                <a:headEnd/>
+                <a:tailEnd/>
+              </a14:hiddenLine>
+            </a:ext>
+            <a:ext uri="{AF507438-7753-43E0-B8FC-AC1667EBCBE1}">
+              <a14:hiddenEffects xmlns:a14="http://schemas.microsoft.com/office/drawing/2010/main">
+                <a:effectLst>
+                  <a:outerShdw dist="35921" dir="2700000" algn="ctr" rotWithShape="0">
+                    <a:schemeClr val="bg2"/>
+                  </a:outerShdw>
+                </a:effectLst>
+              </a14:hiddenEffects>
+            </a:ext>
+          </a:extLst>
+        </p:spPr>
+      </p:pic>
+      <p:pic>
+        <p:nvPicPr>
+          <p:cNvPr id="1053" name="Picture 29"/>
           <p:cNvPicPr>
             <a:picLocks noChangeAspect="1" noChangeArrowheads="1"/>
           </p:cNvPicPr>
@@ -9752,8 +10004,8 @@
         </p:blipFill>
         <p:spPr bwMode="auto">
           <a:xfrm>
-            <a:off x="118342" y="41234750"/>
-            <a:ext cx="3639293" cy="1754326"/>
+            <a:off x="23402825" y="3096644"/>
+            <a:ext cx="6889935" cy="5618798"/>
           </a:xfrm>
           <a:prstGeom prst="rect">
             <a:avLst/>
@@ -9793,9 +10045,305 @@
           </a:extLst>
         </p:spPr>
       </p:pic>
+      <p:sp>
+        <p:nvSpPr>
+          <p:cNvPr id="187" name="186 CuadroTexto"/>
+          <p:cNvSpPr txBox="1"/>
+          <p:nvPr/>
+        </p:nvSpPr>
+        <p:spPr>
+          <a:xfrm>
+            <a:off x="20501721" y="4966081"/>
+            <a:ext cx="3355163" cy="1384995"/>
+          </a:xfrm>
+          <a:prstGeom prst="rect">
+            <a:avLst/>
+          </a:prstGeom>
+          <a:noFill/>
+        </p:spPr>
+        <p:txBody>
+          <a:bodyPr wrap="square" rtlCol="0">
+            <a:spAutoFit/>
+          </a:bodyPr>
+          <a:lstStyle/>
+          <a:p>
+            <a:pPr algn="ctr"/>
+            <a:r>
+              <a:rPr lang="en-US" sz="2800" b="1" dirty="0" smtClean="0"/>
+              <a:t>RBP35 ortholog found in animals, </a:t>
+            </a:r>
+          </a:p>
+          <a:p>
+            <a:pPr algn="ctr"/>
+            <a:r>
+              <a:rPr lang="en-US" sz="2800" b="1" dirty="0"/>
+              <a:t>b</a:t>
+            </a:r>
+            <a:r>
+              <a:rPr lang="en-US" sz="2800" b="1" dirty="0" smtClean="0"/>
+              <a:t>ut not in yeast</a:t>
+            </a:r>
+            <a:endParaRPr lang="es-ES" sz="2800" b="1" dirty="0"/>
+          </a:p>
+        </p:txBody>
+      </p:sp>
+      <p:cxnSp>
+        <p:nvCxnSpPr>
+          <p:cNvPr id="188" name="187 Conector recto de flecha"/>
+          <p:cNvCxnSpPr/>
+          <p:nvPr/>
+        </p:nvCxnSpPr>
+        <p:spPr>
+          <a:xfrm flipV="1">
+            <a:off x="23856884" y="4723907"/>
+            <a:ext cx="1793914" cy="934672"/>
+          </a:xfrm>
+          <a:prstGeom prst="straightConnector1">
+            <a:avLst/>
+          </a:prstGeom>
+          <a:ln w="25400">
+            <a:tailEnd type="arrow"/>
+          </a:ln>
+        </p:spPr>
+        <p:style>
+          <a:lnRef idx="1">
+            <a:schemeClr val="accent1"/>
+          </a:lnRef>
+          <a:fillRef idx="0">
+            <a:schemeClr val="accent1"/>
+          </a:fillRef>
+          <a:effectRef idx="0">
+            <a:schemeClr val="accent1"/>
+          </a:effectRef>
+          <a:fontRef idx="minor">
+            <a:schemeClr val="tx1"/>
+          </a:fontRef>
+        </p:style>
+      </p:cxnSp>
+      <p:cxnSp>
+        <p:nvCxnSpPr>
+          <p:cNvPr id="191" name="190 Conector recto de flecha"/>
+          <p:cNvCxnSpPr>
+            <a:stCxn id="187" idx="3"/>
+          </p:cNvCxnSpPr>
+          <p:nvPr/>
+        </p:nvCxnSpPr>
+        <p:spPr>
+          <a:xfrm>
+            <a:off x="23856884" y="5658579"/>
+            <a:ext cx="431199" cy="1974569"/>
+          </a:xfrm>
+          <a:prstGeom prst="straightConnector1">
+            <a:avLst/>
+          </a:prstGeom>
+          <a:ln w="25400">
+            <a:tailEnd type="arrow"/>
+          </a:ln>
+        </p:spPr>
+        <p:style>
+          <a:lnRef idx="1">
+            <a:schemeClr val="accent1"/>
+          </a:lnRef>
+          <a:fillRef idx="0">
+            <a:schemeClr val="accent1"/>
+          </a:fillRef>
+          <a:effectRef idx="0">
+            <a:schemeClr val="accent1"/>
+          </a:effectRef>
+          <a:fontRef idx="minor">
+            <a:schemeClr val="tx1"/>
+          </a:fontRef>
+        </p:style>
+      </p:cxnSp>
+      <p:sp>
+        <p:nvSpPr>
+          <p:cNvPr id="194" name="193 CuadroTexto"/>
+          <p:cNvSpPr txBox="1"/>
+          <p:nvPr/>
+        </p:nvSpPr>
+        <p:spPr>
+          <a:xfrm>
+            <a:off x="24165229" y="7633148"/>
+            <a:ext cx="317716" cy="584775"/>
+          </a:xfrm>
+          <a:prstGeom prst="rect">
+            <a:avLst/>
+          </a:prstGeom>
+          <a:noFill/>
+        </p:spPr>
+        <p:txBody>
+          <a:bodyPr wrap="none" rtlCol="0">
+            <a:spAutoFit/>
+          </a:bodyPr>
+          <a:lstStyle/>
+          <a:p>
+            <a:r>
+              <a:rPr lang="en-US" sz="3200" dirty="0" smtClean="0"/>
+              <a:t>!</a:t>
+            </a:r>
+            <a:endParaRPr lang="es-ES" sz="3200" dirty="0"/>
+          </a:p>
+        </p:txBody>
+      </p:sp>
+      <p:sp>
+        <p:nvSpPr>
+          <p:cNvPr id="199" name="Oval 60"/>
+          <p:cNvSpPr>
+            <a:spLocks noChangeArrowheads="1"/>
+          </p:cNvSpPr>
+          <p:nvPr/>
+        </p:nvSpPr>
+        <p:spPr bwMode="auto">
+          <a:xfrm>
+            <a:off x="25805666" y="4392788"/>
+            <a:ext cx="765511" cy="662238"/>
+          </a:xfrm>
+          <a:prstGeom prst="ellipse">
+            <a:avLst/>
+          </a:prstGeom>
+          <a:noFill/>
+          <a:ln w="28575">
+            <a:solidFill>
+              <a:srgbClr val="FF3300"/>
+            </a:solidFill>
+            <a:round/>
+            <a:headEnd/>
+            <a:tailEnd/>
+          </a:ln>
+          <a:extLst>
+            <a:ext uri="{909E8E84-426E-40DD-AFC4-6F175D3DCCD1}">
+              <a14:hiddenFill xmlns:a14="http://schemas.microsoft.com/office/drawing/2010/main">
+                <a:solidFill>
+                  <a:srgbClr val="FFFFFF"/>
+                </a:solidFill>
+              </a14:hiddenFill>
+            </a:ext>
+          </a:extLst>
+        </p:spPr>
+        <p:txBody>
+          <a:bodyPr wrap="none" lIns="91430" tIns="45715" rIns="91430" bIns="45715" anchor="ctr"/>
+          <a:lstStyle/>
+          <a:p>
+            <a:pPr>
+              <a:buFontTx/>
+              <a:buNone/>
+            </a:pPr>
+            <a:endParaRPr lang="en-US" dirty="0">
+              <a:solidFill>
+                <a:srgbClr val="000000"/>
+              </a:solidFill>
+              <a:cs typeface="Arial" charset="0"/>
+            </a:endParaRPr>
+          </a:p>
+        </p:txBody>
+      </p:sp>
+      <p:sp>
+        <p:nvSpPr>
+          <p:cNvPr id="205" name="204 Rectángulo"/>
+          <p:cNvSpPr/>
+          <p:nvPr/>
+        </p:nvSpPr>
+        <p:spPr>
+          <a:xfrm>
+            <a:off x="15927691" y="31875877"/>
+            <a:ext cx="15748377" cy="1200329"/>
+          </a:xfrm>
+          <a:prstGeom prst="rect">
+            <a:avLst/>
+          </a:prstGeom>
+        </p:spPr>
+        <p:txBody>
+          <a:bodyPr wrap="square">
+            <a:spAutoFit/>
+          </a:bodyPr>
+          <a:lstStyle/>
+          <a:p>
+            <a:pPr algn="ctr"/>
+            <a:r>
+              <a:rPr lang="en-US" sz="3600" b="1" dirty="0" smtClean="0"/>
+              <a:t>Carbon starvation presents a big number of genes differentially expressed, while nitrogen starvation recognition is inhibited in the mutant</a:t>
+            </a:r>
+            <a:endParaRPr lang="en-US" sz="3600" b="1" dirty="0"/>
+          </a:p>
+        </p:txBody>
+      </p:sp>
+      <p:sp>
+        <p:nvSpPr>
+          <p:cNvPr id="83" name="82 Rectángulo"/>
+          <p:cNvSpPr/>
+          <p:nvPr/>
+        </p:nvSpPr>
+        <p:spPr>
+          <a:xfrm>
+            <a:off x="20053882" y="33267996"/>
+            <a:ext cx="2079415" cy="646331"/>
+          </a:xfrm>
+          <a:prstGeom prst="rect">
+            <a:avLst/>
+          </a:prstGeom>
+        </p:spPr>
+        <p:txBody>
+          <a:bodyPr wrap="none">
+            <a:spAutoFit/>
+          </a:bodyPr>
+          <a:lstStyle/>
+          <a:p>
+            <a:r>
+              <a:rPr lang="en-US" sz="3600" b="1" dirty="0" smtClean="0">
+                <a:solidFill>
+                  <a:srgbClr val="FF0000"/>
+                </a:solidFill>
+              </a:rPr>
+              <a:t>Wild-type</a:t>
+            </a:r>
+            <a:endParaRPr lang="en-US" sz="3600" dirty="0"/>
+          </a:p>
+        </p:txBody>
+      </p:sp>
+      <p:sp>
+        <p:nvSpPr>
+          <p:cNvPr id="208" name="207 Rectángulo"/>
+          <p:cNvSpPr/>
+          <p:nvPr/>
+        </p:nvSpPr>
+        <p:spPr>
+          <a:xfrm>
+            <a:off x="26975649" y="33340004"/>
+            <a:ext cx="3083986" cy="646331"/>
+          </a:xfrm>
+          <a:prstGeom prst="rect">
+            <a:avLst/>
+          </a:prstGeom>
+        </p:spPr>
+        <p:txBody>
+          <a:bodyPr wrap="none">
+            <a:spAutoFit/>
+          </a:bodyPr>
+          <a:lstStyle/>
+          <a:p>
+            <a:r>
+              <a:rPr lang="el-GR" sz="3600" b="1" i="1" dirty="0">
+                <a:solidFill>
+                  <a:srgbClr val="FF0000"/>
+                </a:solidFill>
+              </a:rPr>
+              <a:t>Δ</a:t>
+            </a:r>
+            <a:r>
+              <a:rPr lang="en-US" sz="3600" b="1" i="1" dirty="0" smtClean="0">
+                <a:solidFill>
+                  <a:srgbClr val="FF0000"/>
+                </a:solidFill>
+              </a:rPr>
+              <a:t>rbp35 mutant</a:t>
+            </a:r>
+            <a:endParaRPr lang="en-US" sz="3600" dirty="0"/>
+          </a:p>
+        </p:txBody>
+      </p:sp>
       <p:pic>
         <p:nvPicPr>
-          <p:cNvPr id="1052" name="Picture 28"/>
+          <p:cNvPr id="1055" name="Picture 31"/>
           <p:cNvPicPr>
             <a:picLocks noChangeAspect="1" noChangeArrowheads="1"/>
           </p:cNvPicPr>
@@ -9816,8 +10364,8 @@
         </p:blipFill>
         <p:spPr bwMode="auto">
           <a:xfrm>
-            <a:off x="29624523" y="41552220"/>
-            <a:ext cx="2491270" cy="1148824"/>
+            <a:off x="25071893" y="33916068"/>
+            <a:ext cx="6667500" cy="6048375"/>
           </a:xfrm>
           <a:prstGeom prst="rect">
             <a:avLst/>
@@ -9857,9 +10405,200 @@
           </a:extLst>
         </p:spPr>
       </p:pic>
+      <p:sp>
+        <p:nvSpPr>
+          <p:cNvPr id="219" name="218 Rectángulo"/>
+          <p:cNvSpPr/>
+          <p:nvPr/>
+        </p:nvSpPr>
+        <p:spPr>
+          <a:xfrm>
+            <a:off x="16213391" y="38692403"/>
+            <a:ext cx="2554213" cy="1200329"/>
+          </a:xfrm>
+          <a:prstGeom prst="rect">
+            <a:avLst/>
+          </a:prstGeom>
+          <a:ln>
+            <a:solidFill>
+              <a:schemeClr val="tx1"/>
+            </a:solidFill>
+          </a:ln>
+        </p:spPr>
+        <p:txBody>
+          <a:bodyPr wrap="square">
+            <a:spAutoFit/>
+          </a:bodyPr>
+          <a:lstStyle/>
+          <a:p>
+            <a:pPr algn="ctr"/>
+            <a:r>
+              <a:rPr lang="en-US" sz="2400" b="1" dirty="0" smtClean="0"/>
+              <a:t>GATA</a:t>
+            </a:r>
+            <a:r>
+              <a:rPr lang="en-US" sz="2400" dirty="0" smtClean="0"/>
+              <a:t> genes are up-regulated in nitrogen starvation</a:t>
+            </a:r>
+            <a:endParaRPr lang="en-US" sz="2400" dirty="0"/>
+          </a:p>
+        </p:txBody>
+      </p:sp>
+      <p:sp>
+        <p:nvSpPr>
+          <p:cNvPr id="220" name="219 Rectángulo"/>
+          <p:cNvSpPr/>
+          <p:nvPr/>
+        </p:nvSpPr>
+        <p:spPr>
+          <a:xfrm>
+            <a:off x="15913993" y="35010704"/>
+            <a:ext cx="2554213" cy="1569660"/>
+          </a:xfrm>
+          <a:prstGeom prst="rect">
+            <a:avLst/>
+          </a:prstGeom>
+          <a:ln>
+            <a:solidFill>
+              <a:schemeClr val="tx1"/>
+            </a:solidFill>
+          </a:ln>
+        </p:spPr>
+        <p:txBody>
+          <a:bodyPr wrap="square">
+            <a:spAutoFit/>
+          </a:bodyPr>
+          <a:lstStyle/>
+          <a:p>
+            <a:pPr algn="ctr"/>
+            <a:r>
+              <a:rPr lang="en-US" sz="2400" dirty="0" smtClean="0"/>
+              <a:t>Most </a:t>
+            </a:r>
+            <a:r>
+              <a:rPr lang="en-US" sz="2400" dirty="0" smtClean="0"/>
+              <a:t>metabolic </a:t>
+            </a:r>
+            <a:r>
+              <a:rPr lang="en-US" sz="2400" dirty="0" smtClean="0"/>
+              <a:t>pathways are down-regulated in carbon starvation</a:t>
+            </a:r>
+            <a:endParaRPr lang="en-US" sz="2400" dirty="0"/>
+          </a:p>
+        </p:txBody>
+      </p:sp>
+      <p:sp>
+        <p:nvSpPr>
+          <p:cNvPr id="1025" name="1024 Rectángulo"/>
+          <p:cNvSpPr/>
+          <p:nvPr/>
+        </p:nvSpPr>
+        <p:spPr>
+          <a:xfrm>
+            <a:off x="20119417" y="33986335"/>
+            <a:ext cx="2053767" cy="523220"/>
+          </a:xfrm>
+          <a:prstGeom prst="rect">
+            <a:avLst/>
+          </a:prstGeom>
+          <a:solidFill>
+            <a:schemeClr val="tx2">
+              <a:lumMod val="40000"/>
+              <a:lumOff val="60000"/>
+            </a:schemeClr>
+          </a:solidFill>
+        </p:spPr>
+        <p:txBody>
+          <a:bodyPr wrap="none">
+            <a:spAutoFit/>
+          </a:bodyPr>
+          <a:lstStyle/>
+          <a:p>
+            <a:r>
+              <a:rPr lang="en-US" sz="2800" dirty="0" smtClean="0">
+                <a:latin typeface="+mj-lt"/>
+              </a:rPr>
+              <a:t>CM -&gt; MM-C</a:t>
+            </a:r>
+            <a:endParaRPr lang="en-US" sz="2800" dirty="0">
+              <a:latin typeface="+mj-lt"/>
+            </a:endParaRPr>
+          </a:p>
+        </p:txBody>
+      </p:sp>
+      <p:sp>
+        <p:nvSpPr>
+          <p:cNvPr id="224" name="223 Rectángulo"/>
+          <p:cNvSpPr/>
+          <p:nvPr/>
+        </p:nvSpPr>
+        <p:spPr>
+          <a:xfrm>
+            <a:off x="20043168" y="37713328"/>
+            <a:ext cx="2095445" cy="523220"/>
+          </a:xfrm>
+          <a:prstGeom prst="rect">
+            <a:avLst/>
+          </a:prstGeom>
+          <a:solidFill>
+            <a:schemeClr val="tx2">
+              <a:lumMod val="40000"/>
+              <a:lumOff val="60000"/>
+            </a:schemeClr>
+          </a:solidFill>
+        </p:spPr>
+        <p:txBody>
+          <a:bodyPr wrap="none">
+            <a:spAutoFit/>
+          </a:bodyPr>
+          <a:lstStyle/>
+          <a:p>
+            <a:r>
+              <a:rPr lang="en-US" sz="2800" dirty="0" smtClean="0"/>
+              <a:t>CM -&gt; MM-N</a:t>
+            </a:r>
+            <a:endParaRPr lang="en-US" sz="2800" dirty="0"/>
+          </a:p>
+        </p:txBody>
+      </p:sp>
+      <p:sp>
+        <p:nvSpPr>
+          <p:cNvPr id="148" name="147 Rectángulo"/>
+          <p:cNvSpPr/>
+          <p:nvPr/>
+        </p:nvSpPr>
+        <p:spPr>
+          <a:xfrm>
+            <a:off x="25164856" y="40069847"/>
+            <a:ext cx="5870817" cy="830997"/>
+          </a:xfrm>
+          <a:prstGeom prst="rect">
+            <a:avLst/>
+          </a:prstGeom>
+          <a:ln>
+            <a:solidFill>
+              <a:schemeClr val="tx1"/>
+            </a:solidFill>
+          </a:ln>
+        </p:spPr>
+        <p:txBody>
+          <a:bodyPr wrap="square">
+            <a:spAutoFit/>
+          </a:bodyPr>
+          <a:lstStyle/>
+          <a:p>
+            <a:pPr algn="ctr"/>
+            <a:r>
+              <a:rPr lang="en-US" sz="2400" dirty="0" smtClean="0"/>
+              <a:t>Both RNA-seq and plate growing display failed adaptation to nitrogen lacking medium</a:t>
+            </a:r>
+            <a:endParaRPr lang="en-US" sz="2400" dirty="0"/>
+          </a:p>
+        </p:txBody>
+      </p:sp>
       <p:pic>
         <p:nvPicPr>
-          <p:cNvPr id="1053" name="Picture 29"/>
+          <p:cNvPr id="2" name="Picture 2"/>
           <p:cNvPicPr>
             <a:picLocks noChangeAspect="1" noChangeArrowheads="1"/>
           </p:cNvPicPr>
@@ -9880,8 +10619,8 @@
         </p:blipFill>
         <p:spPr bwMode="auto">
           <a:xfrm>
-            <a:off x="23241439" y="3211466"/>
-            <a:ext cx="7290178" cy="5945199"/>
+            <a:off x="18568689" y="34560543"/>
+            <a:ext cx="5410200" cy="2955925"/>
           </a:xfrm>
           <a:prstGeom prst="rect">
             <a:avLst/>
@@ -9921,217 +10660,16 @@
           </a:extLst>
         </p:spPr>
       </p:pic>
-      <p:sp>
-        <p:nvSpPr>
-          <p:cNvPr id="187" name="186 CuadroTexto"/>
-          <p:cNvSpPr txBox="1"/>
-          <p:nvPr/>
-        </p:nvSpPr>
-        <p:spPr>
-          <a:xfrm>
-            <a:off x="20501721" y="4966081"/>
-            <a:ext cx="3355163" cy="1384995"/>
-          </a:xfrm>
-          <a:prstGeom prst="rect">
-            <a:avLst/>
-          </a:prstGeom>
-          <a:noFill/>
-        </p:spPr>
-        <p:txBody>
-          <a:bodyPr wrap="square" rtlCol="0">
-            <a:spAutoFit/>
-          </a:bodyPr>
-          <a:lstStyle/>
-          <a:p>
-            <a:pPr algn="ctr"/>
-            <a:r>
-              <a:rPr lang="en-US" sz="2800" b="1" dirty="0" smtClean="0"/>
-              <a:t>RBP35 </a:t>
-            </a:r>
-            <a:r>
-              <a:rPr lang="en-US" sz="2800" b="1" dirty="0" err="1" smtClean="0"/>
-              <a:t>ortholog</a:t>
-            </a:r>
-            <a:r>
-              <a:rPr lang="en-US" sz="2800" b="1" dirty="0" smtClean="0"/>
-              <a:t> found in animals, </a:t>
-            </a:r>
-          </a:p>
-          <a:p>
-            <a:pPr algn="ctr"/>
-            <a:r>
-              <a:rPr lang="en-US" sz="2800" b="1" dirty="0"/>
-              <a:t>b</a:t>
-            </a:r>
-            <a:r>
-              <a:rPr lang="en-US" sz="2800" b="1" dirty="0" smtClean="0"/>
-              <a:t>ut not in yeast!</a:t>
-            </a:r>
-            <a:endParaRPr lang="es-ES" sz="2800" b="1" dirty="0"/>
-          </a:p>
-        </p:txBody>
-      </p:sp>
-      <p:cxnSp>
-        <p:nvCxnSpPr>
-          <p:cNvPr id="188" name="187 Conector recto de flecha"/>
-          <p:cNvCxnSpPr/>
-          <p:nvPr/>
-        </p:nvCxnSpPr>
-        <p:spPr>
-          <a:xfrm flipV="1">
-            <a:off x="23856884" y="4966081"/>
-            <a:ext cx="1732758" cy="692498"/>
-          </a:xfrm>
-          <a:prstGeom prst="straightConnector1">
-            <a:avLst/>
-          </a:prstGeom>
-          <a:ln w="25400">
-            <a:tailEnd type="arrow"/>
-          </a:ln>
-        </p:spPr>
-        <p:style>
-          <a:lnRef idx="1">
-            <a:schemeClr val="accent1"/>
-          </a:lnRef>
-          <a:fillRef idx="0">
-            <a:schemeClr val="accent1"/>
-          </a:fillRef>
-          <a:effectRef idx="0">
-            <a:schemeClr val="accent1"/>
-          </a:effectRef>
-          <a:fontRef idx="minor">
-            <a:schemeClr val="tx1"/>
-          </a:fontRef>
-        </p:style>
-      </p:cxnSp>
-      <p:cxnSp>
-        <p:nvCxnSpPr>
-          <p:cNvPr id="191" name="190 Conector recto de flecha"/>
-          <p:cNvCxnSpPr>
-            <a:stCxn id="187" idx="3"/>
-            <a:endCxn id="194" idx="0"/>
-          </p:cNvCxnSpPr>
-          <p:nvPr/>
-        </p:nvCxnSpPr>
-        <p:spPr>
-          <a:xfrm>
-            <a:off x="23856884" y="5658579"/>
-            <a:ext cx="431199" cy="2262601"/>
-          </a:xfrm>
-          <a:prstGeom prst="straightConnector1">
-            <a:avLst/>
-          </a:prstGeom>
-          <a:ln w="25400">
-            <a:tailEnd type="arrow"/>
-          </a:ln>
-        </p:spPr>
-        <p:style>
-          <a:lnRef idx="1">
-            <a:schemeClr val="accent1"/>
-          </a:lnRef>
-          <a:fillRef idx="0">
-            <a:schemeClr val="accent1"/>
-          </a:fillRef>
-          <a:effectRef idx="0">
-            <a:schemeClr val="accent1"/>
-          </a:effectRef>
-          <a:fontRef idx="minor">
-            <a:schemeClr val="tx1"/>
-          </a:fontRef>
-        </p:style>
-      </p:cxnSp>
-      <p:sp>
-        <p:nvSpPr>
-          <p:cNvPr id="194" name="193 CuadroTexto"/>
-          <p:cNvSpPr txBox="1"/>
-          <p:nvPr/>
-        </p:nvSpPr>
-        <p:spPr>
-          <a:xfrm>
-            <a:off x="24129225" y="7921180"/>
-            <a:ext cx="317716" cy="584775"/>
-          </a:xfrm>
-          <a:prstGeom prst="rect">
-            <a:avLst/>
-          </a:prstGeom>
-          <a:noFill/>
-        </p:spPr>
-        <p:txBody>
-          <a:bodyPr wrap="none" rtlCol="0">
-            <a:spAutoFit/>
-          </a:bodyPr>
-          <a:lstStyle/>
-          <a:p>
-            <a:r>
-              <a:rPr lang="en-US" sz="3200" dirty="0" smtClean="0"/>
-              <a:t>!</a:t>
-            </a:r>
-            <a:endParaRPr lang="es-ES" sz="3200" dirty="0"/>
-          </a:p>
-        </p:txBody>
-      </p:sp>
-      <p:sp>
-        <p:nvSpPr>
-          <p:cNvPr id="199" name="Oval 60"/>
-          <p:cNvSpPr>
-            <a:spLocks noChangeArrowheads="1"/>
-          </p:cNvSpPr>
-          <p:nvPr/>
-        </p:nvSpPr>
-        <p:spPr bwMode="auto">
-          <a:xfrm>
-            <a:off x="25733658" y="4594646"/>
-            <a:ext cx="765511" cy="662238"/>
-          </a:xfrm>
-          <a:prstGeom prst="ellipse">
-            <a:avLst/>
-          </a:prstGeom>
-          <a:noFill/>
-          <a:ln w="28575">
-            <a:solidFill>
-              <a:srgbClr val="FF3300"/>
-            </a:solidFill>
-            <a:round/>
-            <a:headEnd/>
-            <a:tailEnd/>
-          </a:ln>
-          <a:extLst>
-            <a:ext uri="{909E8E84-426E-40DD-AFC4-6F175D3DCCD1}">
-              <a14:hiddenFill xmlns:a14="http://schemas.microsoft.com/office/drawing/2010/main">
-                <a:solidFill>
-                  <a:srgbClr val="FFFFFF"/>
-                </a:solidFill>
-              </a14:hiddenFill>
-            </a:ext>
-          </a:extLst>
-        </p:spPr>
-        <p:txBody>
-          <a:bodyPr wrap="none" lIns="91430" tIns="45715" rIns="91430" bIns="45715" anchor="ctr"/>
-          <a:lstStyle/>
-          <a:p>
-            <a:pPr>
-              <a:buFontTx/>
-              <a:buNone/>
-            </a:pPr>
-            <a:endParaRPr lang="en-US">
-              <a:solidFill>
-                <a:srgbClr val="000000"/>
-              </a:solidFill>
-              <a:cs typeface="Arial" charset="0"/>
-            </a:endParaRPr>
-          </a:p>
-        </p:txBody>
-      </p:sp>
       <p:pic>
         <p:nvPicPr>
-          <p:cNvPr id="1054" name="Picture 30"/>
+          <p:cNvPr id="4" name="Picture 4"/>
           <p:cNvPicPr>
             <a:picLocks noChangeAspect="1" noChangeArrowheads="1"/>
           </p:cNvPicPr>
           <p:nvPr/>
         </p:nvPicPr>
         <p:blipFill>
-          <a:blip r:embed="rId23">
+          <a:blip r:embed="rId23" cstate="print">
             <a:extLst>
               <a:ext uri="{28A0092B-C50C-407E-A947-70E740481C1C}">
                 <a14:useLocalDpi xmlns:a14="http://schemas.microsoft.com/office/drawing/2010/main" val="0"/>
@@ -10145,8 +10683,8 @@
         </p:blipFill>
         <p:spPr bwMode="auto">
           <a:xfrm>
-            <a:off x="18722305" y="34636148"/>
-            <a:ext cx="5270558" cy="6192688"/>
+            <a:off x="19235290" y="38457510"/>
+            <a:ext cx="4621593" cy="2011286"/>
           </a:xfrm>
           <a:prstGeom prst="rect">
             <a:avLst/>
@@ -10186,113 +10724,9 @@
           </a:extLst>
         </p:spPr>
       </p:pic>
-      <p:sp>
-        <p:nvSpPr>
-          <p:cNvPr id="205" name="204 Rectángulo"/>
-          <p:cNvSpPr/>
-          <p:nvPr/>
-        </p:nvSpPr>
-        <p:spPr>
-          <a:xfrm>
-            <a:off x="15927691" y="31875877"/>
-            <a:ext cx="15748377" cy="1200329"/>
-          </a:xfrm>
-          <a:prstGeom prst="rect">
-            <a:avLst/>
-          </a:prstGeom>
-        </p:spPr>
-        <p:txBody>
-          <a:bodyPr wrap="square">
-            <a:spAutoFit/>
-          </a:bodyPr>
-          <a:lstStyle/>
-          <a:p>
-            <a:pPr algn="ctr"/>
-            <a:r>
-              <a:rPr lang="en-US" sz="3600" b="1" dirty="0" smtClean="0"/>
-              <a:t>Carbon starvation presents a big number of genes differentially expressed, while nitrogen starvation is inhibited in the mutant</a:t>
-            </a:r>
-            <a:endParaRPr lang="en-US" sz="3600" b="1" dirty="0"/>
-          </a:p>
-        </p:txBody>
-      </p:sp>
-      <p:sp>
-        <p:nvSpPr>
-          <p:cNvPr id="83" name="82 Rectángulo"/>
-          <p:cNvSpPr/>
-          <p:nvPr/>
-        </p:nvSpPr>
-        <p:spPr>
-          <a:xfrm>
-            <a:off x="20378489" y="33610227"/>
-            <a:ext cx="2079415" cy="646331"/>
-          </a:xfrm>
-          <a:prstGeom prst="rect">
-            <a:avLst/>
-          </a:prstGeom>
-        </p:spPr>
-        <p:txBody>
-          <a:bodyPr wrap="none">
-            <a:spAutoFit/>
-          </a:bodyPr>
-          <a:lstStyle/>
-          <a:p>
-            <a:r>
-              <a:rPr lang="en-US" sz="3600" b="1" dirty="0" smtClean="0">
-                <a:solidFill>
-                  <a:srgbClr val="FF0000"/>
-                </a:solidFill>
-              </a:rPr>
-              <a:t>Wild-type</a:t>
-            </a:r>
-            <a:endParaRPr lang="en-US" sz="3600" dirty="0"/>
-          </a:p>
-        </p:txBody>
-      </p:sp>
-      <p:sp>
-        <p:nvSpPr>
-          <p:cNvPr id="208" name="207 Rectángulo"/>
-          <p:cNvSpPr/>
-          <p:nvPr/>
-        </p:nvSpPr>
-        <p:spPr>
-          <a:xfrm>
-            <a:off x="26859209" y="33772052"/>
-            <a:ext cx="3083986" cy="646331"/>
-          </a:xfrm>
-          <a:prstGeom prst="rect">
-            <a:avLst/>
-          </a:prstGeom>
-        </p:spPr>
-        <p:txBody>
-          <a:bodyPr wrap="none">
-            <a:spAutoFit/>
-          </a:bodyPr>
-          <a:lstStyle/>
-          <a:p>
-            <a:r>
-              <a:rPr lang="el-GR" sz="3600" b="1" i="1" dirty="0">
-                <a:solidFill>
-                  <a:srgbClr val="FF0000"/>
-                </a:solidFill>
-              </a:rPr>
-              <a:t>Δ</a:t>
-            </a:r>
-            <a:r>
-              <a:rPr lang="en-US" sz="3600" b="1" i="1" dirty="0" smtClean="0">
-                <a:solidFill>
-                  <a:srgbClr val="FF0000"/>
-                </a:solidFill>
-              </a:rPr>
-              <a:t>rbp35 mutant</a:t>
-            </a:r>
-            <a:endParaRPr lang="en-US" sz="3600" dirty="0"/>
-          </a:p>
-        </p:txBody>
-      </p:sp>
       <p:pic>
         <p:nvPicPr>
-          <p:cNvPr id="1055" name="Picture 31"/>
+          <p:cNvPr id="1029" name="Picture 5"/>
           <p:cNvPicPr>
             <a:picLocks noChangeAspect="1" noChangeArrowheads="1"/>
           </p:cNvPicPr>
@@ -10313,8 +10747,8 @@
         </p:blipFill>
         <p:spPr bwMode="auto">
           <a:xfrm>
-            <a:off x="25071893" y="34564437"/>
-            <a:ext cx="6667500" cy="6048375"/>
+            <a:off x="25650798" y="8732758"/>
+            <a:ext cx="6176963" cy="344488"/>
           </a:xfrm>
           <a:prstGeom prst="rect">
             <a:avLst/>
@@ -10356,14 +10790,14 @@
       </p:pic>
       <p:sp>
         <p:nvSpPr>
-          <p:cNvPr id="86" name="85 Rectángulo"/>
+          <p:cNvPr id="15" name="14 Rectángulo"/>
           <p:cNvSpPr/>
           <p:nvPr/>
         </p:nvSpPr>
         <p:spPr>
           <a:xfrm>
-            <a:off x="13681745" y="38733053"/>
-            <a:ext cx="4739222" cy="1200329"/>
+            <a:off x="669633" y="13927123"/>
+            <a:ext cx="9365006" cy="646331"/>
           </a:xfrm>
           <a:prstGeom prst="rect">
             <a:avLst/>
@@ -10375,24 +10809,601 @@
           </a:bodyPr>
           <a:lstStyle/>
           <a:p>
-            <a:pPr lvl="1" algn="ctr"/>
-            <a:r>
-              <a:rPr lang="en-US" sz="2400" b="1" dirty="0" smtClean="0"/>
-              <a:t>GATA</a:t>
-            </a:r>
-            <a:r>
-              <a:rPr lang="en-US" sz="2400" dirty="0" smtClean="0"/>
-              <a:t> genes </a:t>
-            </a:r>
-            <a:r>
-              <a:rPr lang="en-US" sz="2400" dirty="0" err="1" smtClean="0"/>
-              <a:t>upregulated</a:t>
-            </a:r>
-            <a:r>
-              <a:rPr lang="en-US" sz="2400" dirty="0" smtClean="0"/>
-              <a:t> in nitrogen starvation</a:t>
-            </a:r>
-            <a:endParaRPr lang="en-US" sz="2400" dirty="0"/>
+            <a:r>
+              <a:rPr lang="en-US" sz="1800" dirty="0" err="1"/>
+              <a:t>Wilkening</a:t>
+            </a:r>
+            <a:r>
+              <a:rPr lang="en-US" sz="1800" dirty="0"/>
+              <a:t>, S. et al. An efficient method for genome-wide polyadenylation site mapping and RNA quantification. Nucleic acids research 1–8 (2013).doi:10.1093/</a:t>
+            </a:r>
+            <a:r>
+              <a:rPr lang="en-US" sz="1800" dirty="0" err="1"/>
+              <a:t>nar</a:t>
+            </a:r>
+            <a:r>
+              <a:rPr lang="en-US" sz="1800" dirty="0"/>
+              <a:t>/gks1249</a:t>
+            </a:r>
+          </a:p>
+        </p:txBody>
+      </p:sp>
+      <p:pic>
+        <p:nvPicPr>
+          <p:cNvPr id="16" name="Picture 6"/>
+          <p:cNvPicPr>
+            <a:picLocks noChangeAspect="1" noChangeArrowheads="1"/>
+          </p:cNvPicPr>
+          <p:nvPr/>
+        </p:nvPicPr>
+        <p:blipFill>
+          <a:blip r:embed="rId25">
+            <a:extLst>
+              <a:ext uri="{28A0092B-C50C-407E-A947-70E740481C1C}">
+                <a14:useLocalDpi xmlns:a14="http://schemas.microsoft.com/office/drawing/2010/main" val="0"/>
+              </a:ext>
+            </a:extLst>
+          </a:blip>
+          <a:srcRect/>
+          <a:stretch>
+            <a:fillRect/>
+          </a:stretch>
+        </p:blipFill>
+        <p:spPr bwMode="auto">
+          <a:xfrm>
+            <a:off x="18468206" y="37352137"/>
+            <a:ext cx="971550" cy="695325"/>
+          </a:xfrm>
+          <a:prstGeom prst="rect">
+            <a:avLst/>
+          </a:prstGeom>
+          <a:noFill/>
+          <a:ln>
+            <a:noFill/>
+          </a:ln>
+          <a:effectLst/>
+          <a:extLst>
+            <a:ext uri="{909E8E84-426E-40DD-AFC4-6F175D3DCCD1}">
+              <a14:hiddenFill xmlns:a14="http://schemas.microsoft.com/office/drawing/2010/main">
+                <a:solidFill>
+                  <a:schemeClr val="accent1"/>
+                </a:solidFill>
+              </a14:hiddenFill>
+            </a:ext>
+            <a:ext uri="{91240B29-F687-4F45-9708-019B960494DF}">
+              <a14:hiddenLine xmlns:a14="http://schemas.microsoft.com/office/drawing/2010/main" w="9525">
+                <a:solidFill>
+                  <a:schemeClr val="tx1"/>
+                </a:solidFill>
+                <a:miter lim="800000"/>
+                <a:headEnd/>
+                <a:tailEnd/>
+              </a14:hiddenLine>
+            </a:ext>
+            <a:ext uri="{AF507438-7753-43E0-B8FC-AC1667EBCBE1}">
+              <a14:hiddenEffects xmlns:a14="http://schemas.microsoft.com/office/drawing/2010/main">
+                <a:effectLst>
+                  <a:outerShdw dist="35921" dir="2700000" algn="ctr" rotWithShape="0">
+                    <a:schemeClr val="bg2"/>
+                  </a:outerShdw>
+                </a:effectLst>
+              </a14:hiddenEffects>
+            </a:ext>
+          </a:extLst>
+        </p:spPr>
+      </p:pic>
+      <p:sp>
+        <p:nvSpPr>
+          <p:cNvPr id="17" name="16 Rectángulo"/>
+          <p:cNvSpPr/>
+          <p:nvPr/>
+        </p:nvSpPr>
+        <p:spPr>
+          <a:xfrm>
+            <a:off x="5198989" y="30413957"/>
+            <a:ext cx="10315815" cy="369332"/>
+          </a:xfrm>
+          <a:prstGeom prst="rect">
+            <a:avLst/>
+          </a:prstGeom>
+        </p:spPr>
+        <p:txBody>
+          <a:bodyPr wrap="square">
+            <a:spAutoFit/>
+          </a:bodyPr>
+          <a:lstStyle/>
+          <a:p>
+            <a:r>
+              <a:rPr lang="en-US" sz="1800" dirty="0"/>
+              <a:t>Gruber AR, Lorenz R, </a:t>
+            </a:r>
+            <a:r>
+              <a:rPr lang="en-US" sz="1800" dirty="0" err="1"/>
+              <a:t>Bernhart</a:t>
+            </a:r>
+            <a:r>
+              <a:rPr lang="en-US" sz="1800" dirty="0"/>
+              <a:t> SH, </a:t>
+            </a:r>
+            <a:r>
+              <a:rPr lang="en-US" sz="1800" dirty="0" err="1"/>
+              <a:t>Neuböck</a:t>
+            </a:r>
+            <a:r>
+              <a:rPr lang="en-US" sz="1800" dirty="0"/>
+              <a:t> R, </a:t>
+            </a:r>
+            <a:r>
+              <a:rPr lang="en-US" sz="1800" dirty="0" err="1"/>
+              <a:t>Hofacker</a:t>
+            </a:r>
+            <a:r>
+              <a:rPr lang="en-US" sz="1800" dirty="0"/>
+              <a:t> IL The Vienna RNA </a:t>
+            </a:r>
+            <a:r>
+              <a:rPr lang="en-US" sz="1800" dirty="0" err="1"/>
+              <a:t>Websuite</a:t>
+            </a:r>
+            <a:r>
+              <a:rPr lang="en-US" sz="1800" dirty="0"/>
+              <a:t>. Nucleic Acids Res. 2008</a:t>
+            </a:r>
+          </a:p>
+        </p:txBody>
+      </p:sp>
+      <p:sp>
+        <p:nvSpPr>
+          <p:cNvPr id="19" name="18 Rectángulo"/>
+          <p:cNvSpPr/>
+          <p:nvPr/>
+        </p:nvSpPr>
+        <p:spPr>
+          <a:xfrm>
+            <a:off x="10526935" y="18292073"/>
+            <a:ext cx="9333956" cy="646331"/>
+          </a:xfrm>
+          <a:prstGeom prst="rect">
+            <a:avLst/>
+          </a:prstGeom>
+        </p:spPr>
+        <p:txBody>
+          <a:bodyPr wrap="square">
+            <a:spAutoFit/>
+          </a:bodyPr>
+          <a:lstStyle/>
+          <a:p>
+            <a:r>
+              <a:rPr lang="en-US" sz="1800" dirty="0" err="1"/>
+              <a:t>Supek</a:t>
+            </a:r>
+            <a:r>
+              <a:rPr lang="en-US" sz="1800" dirty="0"/>
+              <a:t> F, </a:t>
+            </a:r>
+            <a:r>
+              <a:rPr lang="en-US" sz="1800" dirty="0" err="1"/>
+              <a:t>Bošnjak</a:t>
+            </a:r>
+            <a:r>
+              <a:rPr lang="en-US" sz="1800" dirty="0"/>
+              <a:t> M, </a:t>
+            </a:r>
+            <a:r>
+              <a:rPr lang="en-US" sz="1800" dirty="0" err="1"/>
+              <a:t>Škunca</a:t>
+            </a:r>
+            <a:r>
+              <a:rPr lang="en-US" sz="1800" dirty="0"/>
+              <a:t> N, </a:t>
+            </a:r>
+            <a:r>
+              <a:rPr lang="en-US" sz="1800" dirty="0" err="1"/>
+              <a:t>Šmuc</a:t>
+            </a:r>
+            <a:r>
+              <a:rPr lang="en-US" sz="1800" dirty="0"/>
+              <a:t> T. "REVIGO summarizes and visualizes long lists of Gene Ontology terms" </a:t>
+            </a:r>
+            <a:r>
+              <a:rPr lang="en-US" sz="1800" dirty="0" err="1"/>
+              <a:t>PLoS</a:t>
+            </a:r>
+            <a:r>
+              <a:rPr lang="en-US" sz="1800" dirty="0"/>
+              <a:t> ONE 2011. doi:10.1371/journal.pone.0021800</a:t>
+            </a:r>
+          </a:p>
+        </p:txBody>
+      </p:sp>
+      <p:sp>
+        <p:nvSpPr>
+          <p:cNvPr id="8" name="7 Rectángulo"/>
+          <p:cNvSpPr/>
+          <p:nvPr/>
+        </p:nvSpPr>
+        <p:spPr>
+          <a:xfrm>
+            <a:off x="24486748" y="28875508"/>
+            <a:ext cx="1292341" cy="461665"/>
+          </a:xfrm>
+          <a:prstGeom prst="rect">
+            <a:avLst/>
+          </a:prstGeom>
+        </p:spPr>
+        <p:txBody>
+          <a:bodyPr wrap="none">
+            <a:spAutoFit/>
+          </a:bodyPr>
+          <a:lstStyle/>
+          <a:p>
+            <a:r>
+              <a:rPr lang="el-GR" sz="2400" b="1" i="1" dirty="0">
+                <a:latin typeface="Courier New" pitchFamily="49" charset="0"/>
+                <a:cs typeface="Courier New" pitchFamily="49" charset="0"/>
+              </a:rPr>
+              <a:t>Δ</a:t>
+            </a:r>
+            <a:r>
+              <a:rPr lang="en-US" sz="2000" b="1" i="1" dirty="0">
+                <a:latin typeface="Courier New" pitchFamily="49" charset="0"/>
+                <a:cs typeface="Courier New" pitchFamily="49" charset="0"/>
+              </a:rPr>
+              <a:t>rbp35 </a:t>
+            </a:r>
+            <a:endParaRPr lang="en-US" sz="2400" dirty="0">
+              <a:latin typeface="Courier New" pitchFamily="49" charset="0"/>
+              <a:cs typeface="Courier New" pitchFamily="49" charset="0"/>
+            </a:endParaRPr>
+          </a:p>
+        </p:txBody>
+      </p:sp>
+      <p:sp>
+        <p:nvSpPr>
+          <p:cNvPr id="152" name="151 Rectángulo"/>
+          <p:cNvSpPr/>
+          <p:nvPr/>
+        </p:nvSpPr>
+        <p:spPr>
+          <a:xfrm>
+            <a:off x="25081716" y="28413843"/>
+            <a:ext cx="553357" cy="461665"/>
+          </a:xfrm>
+          <a:prstGeom prst="rect">
+            <a:avLst/>
+          </a:prstGeom>
+        </p:spPr>
+        <p:txBody>
+          <a:bodyPr wrap="none">
+            <a:spAutoFit/>
+          </a:bodyPr>
+          <a:lstStyle/>
+          <a:p>
+            <a:r>
+              <a:rPr lang="en-US" sz="2400" b="1" dirty="0" smtClean="0">
+                <a:latin typeface="Courier New" pitchFamily="49" charset="0"/>
+                <a:cs typeface="Courier New" pitchFamily="49" charset="0"/>
+              </a:rPr>
+              <a:t>WT</a:t>
+            </a:r>
+            <a:endParaRPr lang="en-US" sz="2400" dirty="0">
+              <a:latin typeface="Courier New" pitchFamily="49" charset="0"/>
+              <a:cs typeface="Courier New" pitchFamily="49" charset="0"/>
+            </a:endParaRPr>
+          </a:p>
+        </p:txBody>
+      </p:sp>
+      <p:sp>
+        <p:nvSpPr>
+          <p:cNvPr id="157" name="156 Rectángulo"/>
+          <p:cNvSpPr/>
+          <p:nvPr/>
+        </p:nvSpPr>
+        <p:spPr>
+          <a:xfrm>
+            <a:off x="24937700" y="22365171"/>
+            <a:ext cx="553357" cy="461665"/>
+          </a:xfrm>
+          <a:prstGeom prst="rect">
+            <a:avLst/>
+          </a:prstGeom>
+        </p:spPr>
+        <p:txBody>
+          <a:bodyPr wrap="none">
+            <a:spAutoFit/>
+          </a:bodyPr>
+          <a:lstStyle/>
+          <a:p>
+            <a:r>
+              <a:rPr lang="en-US" sz="2400" b="1" dirty="0" smtClean="0">
+                <a:latin typeface="Courier New" pitchFamily="49" charset="0"/>
+                <a:cs typeface="Courier New" pitchFamily="49" charset="0"/>
+              </a:rPr>
+              <a:t>CM</a:t>
+            </a:r>
+            <a:endParaRPr lang="en-US" sz="2400" dirty="0">
+              <a:latin typeface="Courier New" pitchFamily="49" charset="0"/>
+              <a:cs typeface="Courier New" pitchFamily="49" charset="0"/>
+            </a:endParaRPr>
+          </a:p>
+        </p:txBody>
+      </p:sp>
+      <p:sp>
+        <p:nvSpPr>
+          <p:cNvPr id="158" name="157 Rectángulo"/>
+          <p:cNvSpPr/>
+          <p:nvPr/>
+        </p:nvSpPr>
+        <p:spPr>
+          <a:xfrm>
+            <a:off x="24569010" y="22869227"/>
+            <a:ext cx="922047" cy="461665"/>
+          </a:xfrm>
+          <a:prstGeom prst="rect">
+            <a:avLst/>
+          </a:prstGeom>
+        </p:spPr>
+        <p:txBody>
+          <a:bodyPr wrap="none">
+            <a:spAutoFit/>
+          </a:bodyPr>
+          <a:lstStyle/>
+          <a:p>
+            <a:r>
+              <a:rPr lang="en-US" sz="2400" b="1" dirty="0" smtClean="0">
+                <a:latin typeface="Courier New" pitchFamily="49" charset="0"/>
+                <a:cs typeface="Courier New" pitchFamily="49" charset="0"/>
+              </a:rPr>
+              <a:t>MM-C</a:t>
+            </a:r>
+            <a:endParaRPr lang="en-US" sz="2400" dirty="0">
+              <a:latin typeface="Courier New" pitchFamily="49" charset="0"/>
+              <a:cs typeface="Courier New" pitchFamily="49" charset="0"/>
+            </a:endParaRPr>
+          </a:p>
+        </p:txBody>
+      </p:sp>
+      <p:pic>
+        <p:nvPicPr>
+          <p:cNvPr id="18" name="Picture 4"/>
+          <p:cNvPicPr>
+            <a:picLocks noChangeArrowheads="1"/>
+          </p:cNvPicPr>
+          <p:nvPr/>
+        </p:nvPicPr>
+        <p:blipFill>
+          <a:blip r:embed="rId26">
+            <a:extLst>
+              <a:ext uri="{28A0092B-C50C-407E-A947-70E740481C1C}">
+                <a14:useLocalDpi xmlns:a14="http://schemas.microsoft.com/office/drawing/2010/main" val="0"/>
+              </a:ext>
+            </a:extLst>
+          </a:blip>
+          <a:srcRect/>
+          <a:stretch>
+            <a:fillRect/>
+          </a:stretch>
+        </p:blipFill>
+        <p:spPr bwMode="auto">
+          <a:xfrm>
+            <a:off x="16021980" y="20704618"/>
+            <a:ext cx="8229600" cy="4572000"/>
+          </a:xfrm>
+          <a:prstGeom prst="rect">
+            <a:avLst/>
+          </a:prstGeom>
+          <a:noFill/>
+          <a:ln>
+            <a:noFill/>
+          </a:ln>
+          <a:effectLst/>
+          <a:extLst>
+            <a:ext uri="{909E8E84-426E-40DD-AFC4-6F175D3DCCD1}">
+              <a14:hiddenFill xmlns:a14="http://schemas.microsoft.com/office/drawing/2010/main">
+                <a:solidFill>
+                  <a:schemeClr val="accent1"/>
+                </a:solidFill>
+              </a14:hiddenFill>
+            </a:ext>
+            <a:ext uri="{91240B29-F687-4F45-9708-019B960494DF}">
+              <a14:hiddenLine xmlns:a14="http://schemas.microsoft.com/office/drawing/2010/main" w="9525">
+                <a:solidFill>
+                  <a:schemeClr val="tx1"/>
+                </a:solidFill>
+                <a:miter lim="800000"/>
+                <a:headEnd/>
+                <a:tailEnd/>
+              </a14:hiddenLine>
+            </a:ext>
+            <a:ext uri="{AF507438-7753-43E0-B8FC-AC1667EBCBE1}">
+              <a14:hiddenEffects xmlns:a14="http://schemas.microsoft.com/office/drawing/2010/main">
+                <a:effectLst>
+                  <a:outerShdw dist="35921" dir="2700000" algn="ctr" rotWithShape="0">
+                    <a:schemeClr val="bg2"/>
+                  </a:outerShdw>
+                </a:effectLst>
+              </a14:hiddenEffects>
+            </a:ext>
+          </a:extLst>
+        </p:spPr>
+      </p:pic>
+      <p:sp>
+        <p:nvSpPr>
+          <p:cNvPr id="22" name="21 Rectángulo"/>
+          <p:cNvSpPr/>
+          <p:nvPr/>
+        </p:nvSpPr>
+        <p:spPr>
+          <a:xfrm>
+            <a:off x="21849656" y="20899100"/>
+            <a:ext cx="2417265" cy="584775"/>
+          </a:xfrm>
+          <a:prstGeom prst="rect">
+            <a:avLst/>
+          </a:prstGeom>
+        </p:spPr>
+        <p:txBody>
+          <a:bodyPr wrap="none">
+            <a:spAutoFit/>
+          </a:bodyPr>
+          <a:lstStyle/>
+          <a:p>
+            <a:r>
+              <a:rPr lang="en-US" sz="3200" dirty="0" smtClean="0"/>
+              <a:t>Longer 3’UTR</a:t>
+            </a:r>
+            <a:endParaRPr lang="en-US" sz="3200" dirty="0"/>
+          </a:p>
+        </p:txBody>
+      </p:sp>
+      <p:pic>
+        <p:nvPicPr>
+          <p:cNvPr id="26" name="Picture 6"/>
+          <p:cNvPicPr>
+            <a:picLocks noChangeArrowheads="1"/>
+          </p:cNvPicPr>
+          <p:nvPr/>
+        </p:nvPicPr>
+        <p:blipFill>
+          <a:blip r:embed="rId27">
+            <a:extLst>
+              <a:ext uri="{28A0092B-C50C-407E-A947-70E740481C1C}">
+                <a14:useLocalDpi xmlns:a14="http://schemas.microsoft.com/office/drawing/2010/main" val="0"/>
+              </a:ext>
+            </a:extLst>
+          </a:blip>
+          <a:srcRect/>
+          <a:stretch>
+            <a:fillRect/>
+          </a:stretch>
+        </p:blipFill>
+        <p:spPr bwMode="auto">
+          <a:xfrm>
+            <a:off x="16037321" y="26127843"/>
+            <a:ext cx="8229600" cy="4572000"/>
+          </a:xfrm>
+          <a:prstGeom prst="rect">
+            <a:avLst/>
+          </a:prstGeom>
+          <a:noFill/>
+          <a:ln>
+            <a:noFill/>
+          </a:ln>
+          <a:effectLst/>
+          <a:extLst>
+            <a:ext uri="{909E8E84-426E-40DD-AFC4-6F175D3DCCD1}">
+              <a14:hiddenFill xmlns:a14="http://schemas.microsoft.com/office/drawing/2010/main">
+                <a:solidFill>
+                  <a:schemeClr val="accent1"/>
+                </a:solidFill>
+              </a14:hiddenFill>
+            </a:ext>
+            <a:ext uri="{91240B29-F687-4F45-9708-019B960494DF}">
+              <a14:hiddenLine xmlns:a14="http://schemas.microsoft.com/office/drawing/2010/main" w="9525">
+                <a:solidFill>
+                  <a:schemeClr val="tx1"/>
+                </a:solidFill>
+                <a:miter lim="800000"/>
+                <a:headEnd/>
+                <a:tailEnd/>
+              </a14:hiddenLine>
+            </a:ext>
+            <a:ext uri="{AF507438-7753-43E0-B8FC-AC1667EBCBE1}">
+              <a14:hiddenEffects xmlns:a14="http://schemas.microsoft.com/office/drawing/2010/main">
+                <a:effectLst>
+                  <a:outerShdw dist="35921" dir="2700000" algn="ctr" rotWithShape="0">
+                    <a:schemeClr val="bg2"/>
+                  </a:outerShdw>
+                </a:effectLst>
+              </a14:hiddenEffects>
+            </a:ext>
+          </a:extLst>
+        </p:spPr>
+      </p:pic>
+      <p:sp>
+        <p:nvSpPr>
+          <p:cNvPr id="163" name="162 Rectángulo"/>
+          <p:cNvSpPr/>
+          <p:nvPr/>
+        </p:nvSpPr>
+        <p:spPr>
+          <a:xfrm>
+            <a:off x="21921664" y="26220504"/>
+            <a:ext cx="2417265" cy="584775"/>
+          </a:xfrm>
+          <a:prstGeom prst="rect">
+            <a:avLst/>
+          </a:prstGeom>
+        </p:spPr>
+        <p:txBody>
+          <a:bodyPr wrap="none">
+            <a:spAutoFit/>
+          </a:bodyPr>
+          <a:lstStyle/>
+          <a:p>
+            <a:r>
+              <a:rPr lang="en-US" sz="3200" dirty="0" smtClean="0"/>
+              <a:t>Longer 3’UTR</a:t>
+            </a:r>
+            <a:endParaRPr lang="en-US" sz="3200" dirty="0"/>
+          </a:p>
+        </p:txBody>
+      </p:sp>
+      <p:sp>
+        <p:nvSpPr>
+          <p:cNvPr id="164" name="163 Rectángulo"/>
+          <p:cNvSpPr/>
+          <p:nvPr/>
+        </p:nvSpPr>
+        <p:spPr>
+          <a:xfrm>
+            <a:off x="21820098" y="29425453"/>
+            <a:ext cx="2518831" cy="584775"/>
+          </a:xfrm>
+          <a:prstGeom prst="rect">
+            <a:avLst/>
+          </a:prstGeom>
+        </p:spPr>
+        <p:txBody>
+          <a:bodyPr wrap="none">
+            <a:spAutoFit/>
+          </a:bodyPr>
+          <a:lstStyle/>
+          <a:p>
+            <a:r>
+              <a:rPr lang="en-US" sz="3200" dirty="0" smtClean="0"/>
+              <a:t>Shorter 3’UTR</a:t>
+            </a:r>
+            <a:endParaRPr lang="en-US" sz="3200" dirty="0"/>
+          </a:p>
+        </p:txBody>
+      </p:sp>
+      <p:sp>
+        <p:nvSpPr>
+          <p:cNvPr id="167" name="166 Rectángulo"/>
+          <p:cNvSpPr/>
+          <p:nvPr/>
+        </p:nvSpPr>
+        <p:spPr>
+          <a:xfrm>
+            <a:off x="21748090" y="23959290"/>
+            <a:ext cx="2518831" cy="584775"/>
+          </a:xfrm>
+          <a:prstGeom prst="rect">
+            <a:avLst/>
+          </a:prstGeom>
+        </p:spPr>
+        <p:txBody>
+          <a:bodyPr wrap="none">
+            <a:spAutoFit/>
+          </a:bodyPr>
+          <a:lstStyle/>
+          <a:p>
+            <a:r>
+              <a:rPr lang="en-US" sz="3200" dirty="0" smtClean="0"/>
+              <a:t>Shorter 3’UTR</a:t>
+            </a:r>
+            <a:endParaRPr lang="en-US" sz="3200" dirty="0"/>
           </a:p>
         </p:txBody>
       </p:sp>

--- a/doc/poster_dublin.pptx
+++ b/doc/poster_dublin.pptx
@@ -192,7 +192,7 @@
           <a:p>
             <a:fld id="{6A283077-1033-4381-820A-AC92D2649409}" type="datetimeFigureOut">
               <a:rPr lang="en-US" smtClean="0"/>
-              <a:t>6/26/2015</a:t>
+              <a:t>7/6/2015</a:t>
             </a:fld>
             <a:endParaRPr lang="en-US" dirty="0"/>
           </a:p>
@@ -725,7 +725,7 @@
           <a:p>
             <a:fld id="{F8734D92-E82E-4278-8021-1BECFDB70FF8}" type="datetimeFigureOut">
               <a:rPr lang="en-US" smtClean="0"/>
-              <a:t>6/26/2015</a:t>
+              <a:t>7/6/2015</a:t>
             </a:fld>
             <a:endParaRPr lang="en-US" dirty="0"/>
           </a:p>
@@ -895,7 +895,7 @@
           <a:p>
             <a:fld id="{F8734D92-E82E-4278-8021-1BECFDB70FF8}" type="datetimeFigureOut">
               <a:rPr lang="en-US" smtClean="0"/>
-              <a:t>6/26/2015</a:t>
+              <a:t>7/6/2015</a:t>
             </a:fld>
             <a:endParaRPr lang="en-US" dirty="0"/>
           </a:p>
@@ -1075,7 +1075,7 @@
           <a:p>
             <a:fld id="{F8734D92-E82E-4278-8021-1BECFDB70FF8}" type="datetimeFigureOut">
               <a:rPr lang="en-US" smtClean="0"/>
-              <a:t>6/26/2015</a:t>
+              <a:t>7/6/2015</a:t>
             </a:fld>
             <a:endParaRPr lang="en-US" dirty="0"/>
           </a:p>
@@ -1245,7 +1245,7 @@
           <a:p>
             <a:fld id="{F8734D92-E82E-4278-8021-1BECFDB70FF8}" type="datetimeFigureOut">
               <a:rPr lang="en-US" smtClean="0"/>
-              <a:t>6/26/2015</a:t>
+              <a:t>7/6/2015</a:t>
             </a:fld>
             <a:endParaRPr lang="en-US" dirty="0"/>
           </a:p>
@@ -1491,7 +1491,7 @@
           <a:p>
             <a:fld id="{F8734D92-E82E-4278-8021-1BECFDB70FF8}" type="datetimeFigureOut">
               <a:rPr lang="en-US" smtClean="0"/>
-              <a:t>6/26/2015</a:t>
+              <a:t>7/6/2015</a:t>
             </a:fld>
             <a:endParaRPr lang="en-US" dirty="0"/>
           </a:p>
@@ -1779,7 +1779,7 @@
           <a:p>
             <a:fld id="{F8734D92-E82E-4278-8021-1BECFDB70FF8}" type="datetimeFigureOut">
               <a:rPr lang="en-US" smtClean="0"/>
-              <a:t>6/26/2015</a:t>
+              <a:t>7/6/2015</a:t>
             </a:fld>
             <a:endParaRPr lang="en-US" dirty="0"/>
           </a:p>
@@ -2201,7 +2201,7 @@
           <a:p>
             <a:fld id="{F8734D92-E82E-4278-8021-1BECFDB70FF8}" type="datetimeFigureOut">
               <a:rPr lang="en-US" smtClean="0"/>
-              <a:t>6/26/2015</a:t>
+              <a:t>7/6/2015</a:t>
             </a:fld>
             <a:endParaRPr lang="en-US" dirty="0"/>
           </a:p>
@@ -2319,7 +2319,7 @@
           <a:p>
             <a:fld id="{F8734D92-E82E-4278-8021-1BECFDB70FF8}" type="datetimeFigureOut">
               <a:rPr lang="en-US" smtClean="0"/>
-              <a:t>6/26/2015</a:t>
+              <a:t>7/6/2015</a:t>
             </a:fld>
             <a:endParaRPr lang="en-US" dirty="0"/>
           </a:p>
@@ -2414,7 +2414,7 @@
           <a:p>
             <a:fld id="{F8734D92-E82E-4278-8021-1BECFDB70FF8}" type="datetimeFigureOut">
               <a:rPr lang="en-US" smtClean="0"/>
-              <a:t>6/26/2015</a:t>
+              <a:t>7/6/2015</a:t>
             </a:fld>
             <a:endParaRPr lang="en-US" dirty="0"/>
           </a:p>
@@ -2691,7 +2691,7 @@
           <a:p>
             <a:fld id="{F8734D92-E82E-4278-8021-1BECFDB70FF8}" type="datetimeFigureOut">
               <a:rPr lang="en-US" smtClean="0"/>
-              <a:t>6/26/2015</a:t>
+              <a:t>7/6/2015</a:t>
             </a:fld>
             <a:endParaRPr lang="en-US" dirty="0"/>
           </a:p>
@@ -2944,7 +2944,7 @@
           <a:p>
             <a:fld id="{F8734D92-E82E-4278-8021-1BECFDB70FF8}" type="datetimeFigureOut">
               <a:rPr lang="en-US" smtClean="0"/>
-              <a:t>6/26/2015</a:t>
+              <a:t>7/6/2015</a:t>
             </a:fld>
             <a:endParaRPr lang="en-US" dirty="0"/>
           </a:p>
@@ -3157,7 +3157,7 @@
           <a:p>
             <a:fld id="{F8734D92-E82E-4278-8021-1BECFDB70FF8}" type="datetimeFigureOut">
               <a:rPr lang="en-US" smtClean="0"/>
-              <a:t>6/26/2015</a:t>
+              <a:t>7/6/2015</a:t>
             </a:fld>
             <a:endParaRPr lang="en-US" dirty="0"/>
           </a:p>
@@ -3518,6 +3518,17 @@
 <file path=ppt/slides/slide1.xml><?xml version="1.0" encoding="utf-8"?>
 <p:sld xmlns:a="http://schemas.openxmlformats.org/drawingml/2006/main" xmlns:r="http://schemas.openxmlformats.org/officeDocument/2006/relationships" xmlns:p="http://schemas.openxmlformats.org/presentationml/2006/main">
   <p:cSld>
+    <p:bg>
+      <p:bgPr>
+        <a:solidFill>
+          <a:schemeClr val="accent3">
+            <a:lumMod val="40000"/>
+            <a:lumOff val="60000"/>
+          </a:schemeClr>
+        </a:solidFill>
+        <a:effectLst/>
+      </p:bgPr>
+    </p:bg>
     <p:spTree>
       <p:nvGrpSpPr>
         <p:cNvPr id="1" name=""/>
@@ -3534,14 +3545,14 @@
       </p:grpSpPr>
       <p:sp>
         <p:nvSpPr>
-          <p:cNvPr id="155" name="Rectangle 105"/>
+          <p:cNvPr id="159" name="Rectangle 5"/>
           <p:cNvSpPr/>
           <p:nvPr/>
         </p:nvSpPr>
         <p:spPr>
           <a:xfrm>
-            <a:off x="20378489" y="2952628"/>
-            <a:ext cx="11665295" cy="6336704"/>
+            <a:off x="20378489" y="2971800"/>
+            <a:ext cx="11665295" cy="6317532"/>
           </a:xfrm>
           <a:prstGeom prst="rect">
             <a:avLst/>
@@ -3575,7 +3586,7 @@
           <a:bodyPr rtlCol="0" anchor="ctr"/>
           <a:lstStyle/>
           <a:p>
-            <a:pPr algn="ctr"/>
+            <a:pPr algn="just"/>
             <a:endParaRPr lang="en-US" sz="2400" dirty="0">
               <a:solidFill>
                 <a:schemeClr val="tx1"/>
@@ -3592,8 +3603,8 @@
         </p:nvSpPr>
         <p:spPr>
           <a:xfrm>
-            <a:off x="19812594" y="9289332"/>
-            <a:ext cx="12231191" cy="9649072"/>
+            <a:off x="20378489" y="9289332"/>
+            <a:ext cx="11665296" cy="9649072"/>
           </a:xfrm>
           <a:prstGeom prst="rect">
             <a:avLst/>
@@ -3644,7 +3655,7 @@
         </p:nvSpPr>
         <p:spPr>
           <a:xfrm>
-            <a:off x="25950566" y="13799195"/>
+            <a:off x="26526630" y="13799195"/>
             <a:ext cx="848508" cy="500608"/>
           </a:xfrm>
           <a:prstGeom prst="rect">
@@ -3689,14 +3700,14 @@
       </p:sp>
       <p:sp>
         <p:nvSpPr>
-          <p:cNvPr id="5" name="Rectangle 4"/>
+          <p:cNvPr id="6" name="Rectangle 5"/>
           <p:cNvSpPr/>
           <p:nvPr/>
         </p:nvSpPr>
         <p:spPr>
           <a:xfrm>
-            <a:off x="382998" y="216324"/>
-            <a:ext cx="31660787" cy="2736304"/>
+            <a:off x="382999" y="2971800"/>
+            <a:ext cx="19995490" cy="6317532"/>
           </a:xfrm>
           <a:prstGeom prst="rect">
             <a:avLst/>
@@ -3722,93 +3733,466 @@
           </a:fontRef>
         </p:style>
         <p:txBody>
-          <a:bodyPr rtlCol="0" anchor="ctr">
-            <a:scene3d>
-              <a:camera prst="orthographicFront"/>
-              <a:lightRig rig="threePt" dir="t"/>
-            </a:scene3d>
-            <a:sp3d extrusionH="57150" prstMaterial="softEdge">
-              <a:bevelT w="38100" h="38100" prst="relaxedInset"/>
-              <a:bevelB w="38100" h="38100" prst="relaxedInset"/>
-            </a:sp3d>
-          </a:bodyPr>
-          <a:lstStyle/>
-          <a:p>
-            <a:pPr algn="ctr"/>
-            <a:r>
-              <a:rPr lang="en-US" b="1" dirty="0" smtClean="0">
+          <a:bodyPr rtlCol="0" anchor="ctr"/>
+          <a:lstStyle/>
+          <a:p>
+            <a:pPr algn="just"/>
+            <a:r>
+              <a:rPr lang="en-US" sz="2400" b="1" dirty="0" smtClean="0">
                 <a:solidFill>
                   <a:schemeClr val="tx1"/>
                 </a:solidFill>
-                <a:effectLst>
-                  <a:innerShdw blurRad="63500" dist="50800" dir="5400000">
-                    <a:prstClr val="black">
-                      <a:alpha val="50000"/>
-                    </a:prstClr>
-                  </a:innerShdw>
-                </a:effectLst>
-                <a:latin typeface="+mj-lt"/>
               </a:rPr>
-              <a:t>Bioinformatic analysis of </a:t>
-            </a:r>
-            <a:r>
-              <a:rPr lang="en-US" b="1" i="1" dirty="0" smtClean="0">
+              <a:t>Background</a:t>
+            </a:r>
+          </a:p>
+          <a:p>
+            <a:pPr algn="just"/>
+            <a:r>
+              <a:rPr lang="en-US" sz="2400" dirty="0" smtClean="0">
                 <a:solidFill>
                   <a:schemeClr val="tx1"/>
                 </a:solidFill>
-                <a:effectLst>
-                  <a:innerShdw blurRad="63500" dist="50800" dir="5400000">
-                    <a:prstClr val="black">
-                      <a:alpha val="50000"/>
-                    </a:prstClr>
-                  </a:innerShdw>
-                </a:effectLst>
-                <a:latin typeface="+mj-lt"/>
               </a:rPr>
-              <a:t>Magnaporthe oryzae </a:t>
-            </a:r>
-            <a:r>
-              <a:rPr lang="en-US" b="1" dirty="0" smtClean="0">
+              <a:t>Several proteins have been shown to regulate alternative polyadenylation (APA), including Cleavage Factor I (CFIm) in metazoan. The ascomycetous fungus </a:t>
+            </a:r>
+            <a:r>
+              <a:rPr lang="en-US" sz="2400" i="1" dirty="0" smtClean="0">
                 <a:solidFill>
                   <a:schemeClr val="tx1"/>
                 </a:solidFill>
-                <a:effectLst>
-                  <a:innerShdw blurRad="63500" dist="50800" dir="5400000">
-                    <a:prstClr val="black">
-                      <a:alpha val="50000"/>
-                    </a:prstClr>
-                  </a:innerShdw>
-                </a:effectLst>
-                <a:latin typeface="+mj-lt"/>
               </a:rPr>
-              <a:t>polyadenylation sites from next generation sequencing data</a:t>
-            </a:r>
-            <a:endParaRPr lang="en-US" b="1" dirty="0">
+              <a:t>Magnaporthe oryzae</a:t>
+            </a:r>
+            <a:r>
+              <a:rPr lang="en-US" sz="2400" dirty="0" smtClean="0">
+                <a:solidFill>
+                  <a:schemeClr val="tx1"/>
+                </a:solidFill>
+              </a:rPr>
+              <a:t>, also known as rice blast, is a plant-pathogenic fungus that causes a serious disease affecting rice. Rbp35 is the functional </a:t>
+            </a:r>
+            <a:r>
+              <a:rPr lang="en-US" sz="2400" i="1" dirty="0" smtClean="0">
+                <a:solidFill>
+                  <a:schemeClr val="tx1"/>
+                </a:solidFill>
+              </a:rPr>
+              <a:t>M. oryzae </a:t>
+            </a:r>
+            <a:r>
+              <a:rPr lang="en-US" sz="2400" dirty="0" smtClean="0">
+                <a:solidFill>
+                  <a:schemeClr val="tx1"/>
+                </a:solidFill>
+              </a:rPr>
+              <a:t>equivalent of Human CFIm68. </a:t>
+            </a:r>
+            <a:r>
+              <a:rPr lang="en-US" sz="2400" i="1" dirty="0" smtClean="0">
+                <a:solidFill>
+                  <a:schemeClr val="tx1"/>
+                </a:solidFill>
+              </a:rPr>
+              <a:t>∆rbp35 </a:t>
+            </a:r>
+            <a:r>
+              <a:rPr lang="en-US" sz="2400" dirty="0" smtClean="0">
+                <a:solidFill>
+                  <a:schemeClr val="tx1"/>
+                </a:solidFill>
+              </a:rPr>
+              <a:t>knock-out mutant is viable indicating that Rbp35 is not an essential components of the polyadenylation machinery in the rice blast fungus. However, </a:t>
+            </a:r>
+            <a:r>
+              <a:rPr lang="en-US" sz="2400" i="1" dirty="0" smtClean="0">
+                <a:solidFill>
+                  <a:schemeClr val="tx1"/>
+                </a:solidFill>
+              </a:rPr>
+              <a:t>Δrbp35</a:t>
+            </a:r>
+            <a:r>
+              <a:rPr lang="en-US" sz="2400" dirty="0" smtClean="0">
+                <a:solidFill>
+                  <a:schemeClr val="tx1"/>
+                </a:solidFill>
+              </a:rPr>
+              <a:t> mutants shows developmental and virulence defects.</a:t>
+            </a:r>
+          </a:p>
+          <a:p>
+            <a:pPr algn="just"/>
+            <a:endParaRPr lang="en-US" sz="2400" b="1" dirty="0" smtClean="0">
               <a:solidFill>
                 <a:schemeClr val="tx1"/>
               </a:solidFill>
-              <a:effectLst>
-                <a:innerShdw blurRad="63500" dist="50800" dir="5400000">
-                  <a:prstClr val="black">
-                    <a:alpha val="50000"/>
-                  </a:prstClr>
-                </a:innerShdw>
-              </a:effectLst>
-              <a:latin typeface="+mj-lt"/>
             </a:endParaRPr>
           </a:p>
-        </p:txBody>
-      </p:sp>
-      <p:sp>
-        <p:nvSpPr>
-          <p:cNvPr id="6" name="Rectangle 5"/>
+          <a:p>
+            <a:pPr algn="just"/>
+            <a:r>
+              <a:rPr lang="en-US" sz="2400" b="1" dirty="0" smtClean="0">
+                <a:solidFill>
+                  <a:schemeClr val="tx1"/>
+                </a:solidFill>
+              </a:rPr>
+              <a:t>Results</a:t>
+            </a:r>
+          </a:p>
+          <a:p>
+            <a:pPr marL="342900" indent="-342900" algn="just">
+              <a:buFont typeface="Arial" pitchFamily="34" charset="0"/>
+              <a:buChar char="•"/>
+            </a:pPr>
+            <a:r>
+              <a:rPr lang="en-US" sz="2400" dirty="0" smtClean="0">
+                <a:solidFill>
+                  <a:schemeClr val="tx1"/>
+                </a:solidFill>
+              </a:rPr>
+              <a:t>Using a novel sequencing protocol, we </a:t>
+            </a:r>
+            <a:r>
+              <a:rPr lang="en-US" sz="2400" dirty="0">
+                <a:solidFill>
+                  <a:schemeClr val="tx1"/>
+                </a:solidFill>
+              </a:rPr>
+              <a:t>mapped the polyadenylation sites of </a:t>
+            </a:r>
+            <a:r>
+              <a:rPr lang="en-US" sz="2400" i="1" dirty="0">
+                <a:solidFill>
+                  <a:schemeClr val="tx1"/>
+                </a:solidFill>
+              </a:rPr>
+              <a:t>M. oryzae </a:t>
+            </a:r>
+            <a:r>
+              <a:rPr lang="en-US" sz="2400" dirty="0">
+                <a:solidFill>
+                  <a:schemeClr val="tx1"/>
+                </a:solidFill>
+              </a:rPr>
+              <a:t>in four different growing conditions and identified more than 14000 high-confidence </a:t>
+            </a:r>
+            <a:r>
+              <a:rPr lang="en-US" sz="2400" dirty="0" smtClean="0">
+                <a:solidFill>
+                  <a:schemeClr val="tx1"/>
+                </a:solidFill>
+              </a:rPr>
+              <a:t>polyadenylation </a:t>
+            </a:r>
+            <a:r>
+              <a:rPr lang="en-US" sz="2400" dirty="0">
+                <a:solidFill>
+                  <a:schemeClr val="tx1"/>
+                </a:solidFill>
+              </a:rPr>
+              <a:t>sites, accounting for more than 7,000 protein coding </a:t>
+            </a:r>
+            <a:r>
+              <a:rPr lang="en-US" sz="2400" dirty="0" smtClean="0">
+                <a:solidFill>
+                  <a:schemeClr val="tx1"/>
+                </a:solidFill>
+              </a:rPr>
+              <a:t>genes</a:t>
+            </a:r>
+          </a:p>
+          <a:p>
+            <a:pPr marL="342900" indent="-342900" algn="just">
+              <a:buFont typeface="Arial" pitchFamily="34" charset="0"/>
+              <a:buChar char="•"/>
+            </a:pPr>
+            <a:r>
+              <a:rPr lang="en-US" sz="2400" dirty="0">
+                <a:solidFill>
+                  <a:schemeClr val="tx1"/>
+                </a:solidFill>
+              </a:rPr>
+              <a:t>30% of </a:t>
+            </a:r>
+            <a:r>
+              <a:rPr lang="en-US" sz="2400" i="1" dirty="0">
+                <a:solidFill>
+                  <a:schemeClr val="tx1"/>
+                </a:solidFill>
+              </a:rPr>
+              <a:t>M. oryzae </a:t>
+            </a:r>
+            <a:r>
+              <a:rPr lang="en-US" sz="2400" dirty="0">
+                <a:solidFill>
+                  <a:schemeClr val="tx1"/>
+                </a:solidFill>
+              </a:rPr>
+              <a:t>genes are alternatively polyadenylated, and grouped in specific functional </a:t>
+            </a:r>
+            <a:r>
+              <a:rPr lang="en-US" sz="2400" dirty="0" smtClean="0">
+                <a:solidFill>
+                  <a:schemeClr val="tx1"/>
+                </a:solidFill>
+              </a:rPr>
+              <a:t>groups.</a:t>
+            </a:r>
+          </a:p>
+          <a:p>
+            <a:pPr marL="342900" indent="-342900" algn="just">
+              <a:buFont typeface="Arial" pitchFamily="34" charset="0"/>
+              <a:buChar char="•"/>
+            </a:pPr>
+            <a:r>
+              <a:rPr lang="en-US" sz="2400" dirty="0">
+                <a:solidFill>
+                  <a:schemeClr val="tx1"/>
+                </a:solidFill>
+              </a:rPr>
+              <a:t>T</a:t>
+            </a:r>
+            <a:r>
+              <a:rPr lang="en-US" sz="2400" dirty="0" smtClean="0">
+                <a:solidFill>
+                  <a:schemeClr val="tx1"/>
+                </a:solidFill>
+              </a:rPr>
+              <a:t>he </a:t>
+            </a:r>
+            <a:r>
+              <a:rPr lang="en-US" sz="2400" dirty="0">
+                <a:solidFill>
+                  <a:schemeClr val="tx1"/>
+                </a:solidFill>
+              </a:rPr>
+              <a:t>nucleotide </a:t>
+            </a:r>
+            <a:r>
+              <a:rPr lang="en-US" sz="2400" dirty="0" smtClean="0">
+                <a:solidFill>
+                  <a:schemeClr val="tx1"/>
+                </a:solidFill>
+              </a:rPr>
+              <a:t>context and  </a:t>
+            </a:r>
+            <a:r>
+              <a:rPr lang="en-US" sz="2400" dirty="0">
+                <a:solidFill>
+                  <a:schemeClr val="tx1"/>
+                </a:solidFill>
+              </a:rPr>
+              <a:t>protein-binding regions </a:t>
+            </a:r>
+            <a:r>
+              <a:rPr lang="en-US" sz="2400" dirty="0" smtClean="0">
+                <a:solidFill>
+                  <a:schemeClr val="tx1"/>
+                </a:solidFill>
+              </a:rPr>
+              <a:t>differ </a:t>
+            </a:r>
+            <a:r>
+              <a:rPr lang="en-US" sz="2400" dirty="0">
+                <a:solidFill>
+                  <a:schemeClr val="tx1"/>
+                </a:solidFill>
+              </a:rPr>
+              <a:t>from budding </a:t>
+            </a:r>
+            <a:r>
+              <a:rPr lang="en-US" sz="2400" dirty="0" smtClean="0">
+                <a:solidFill>
+                  <a:schemeClr val="tx1"/>
+                </a:solidFill>
+              </a:rPr>
+              <a:t>yeast.</a:t>
+            </a:r>
+          </a:p>
+          <a:p>
+            <a:pPr marL="342900" indent="-342900" algn="just">
+              <a:buFont typeface="Arial" pitchFamily="34" charset="0"/>
+              <a:buChar char="•"/>
+            </a:pPr>
+            <a:r>
+              <a:rPr lang="en-US" sz="2400" dirty="0" smtClean="0">
+                <a:solidFill>
+                  <a:schemeClr val="tx1"/>
+                </a:solidFill>
+              </a:rPr>
+              <a:t>Polyadenylation sites possess a specific predicted RNA secondary structure, also depending on the elements defining the polyadenylation site.</a:t>
+            </a:r>
+          </a:p>
+          <a:p>
+            <a:pPr marL="342900" indent="-342900" algn="just">
+              <a:buFont typeface="Arial" pitchFamily="34" charset="0"/>
+              <a:buChar char="•"/>
+            </a:pPr>
+            <a:r>
+              <a:rPr lang="en-US" sz="2400" dirty="0">
+                <a:solidFill>
+                  <a:schemeClr val="tx1"/>
+                </a:solidFill>
+              </a:rPr>
+              <a:t>Under carbon starvation, </a:t>
+            </a:r>
+            <a:r>
+              <a:rPr lang="en-US" sz="2400" dirty="0" smtClean="0">
+                <a:solidFill>
+                  <a:schemeClr val="tx1"/>
+                </a:solidFill>
+              </a:rPr>
+              <a:t>polyadenylation </a:t>
+            </a:r>
+            <a:r>
+              <a:rPr lang="en-US" sz="2400" dirty="0">
+                <a:solidFill>
+                  <a:schemeClr val="tx1"/>
+                </a:solidFill>
+              </a:rPr>
+              <a:t>site selection is </a:t>
+            </a:r>
+            <a:r>
+              <a:rPr lang="en-US" sz="2400" dirty="0" smtClean="0">
+                <a:solidFill>
+                  <a:schemeClr val="tx1"/>
+                </a:solidFill>
+              </a:rPr>
+              <a:t>altered in </a:t>
+            </a:r>
+            <a:r>
+              <a:rPr lang="en-US" sz="2400" dirty="0">
+                <a:solidFill>
+                  <a:schemeClr val="tx1"/>
+                </a:solidFill>
+              </a:rPr>
+              <a:t>more than 400 genes, producing longer 3'UTR isoforms</a:t>
+            </a:r>
+            <a:r>
+              <a:rPr lang="en-US" sz="2400" dirty="0" smtClean="0">
+                <a:solidFill>
+                  <a:schemeClr val="tx1"/>
+                </a:solidFill>
+              </a:rPr>
+              <a:t>.</a:t>
+            </a:r>
+          </a:p>
+          <a:p>
+            <a:pPr marL="342900" indent="-342900" algn="just">
+              <a:buFont typeface="Arial" pitchFamily="34" charset="0"/>
+              <a:buChar char="•"/>
+            </a:pPr>
+            <a:r>
+              <a:rPr lang="en-US" sz="2400" dirty="0" smtClean="0">
+                <a:solidFill>
+                  <a:schemeClr val="tx1"/>
+                </a:solidFill>
+              </a:rPr>
+              <a:t>25</a:t>
+            </a:r>
+            <a:r>
+              <a:rPr lang="en-US" sz="2400" dirty="0">
+                <a:solidFill>
+                  <a:schemeClr val="tx1"/>
+                </a:solidFill>
+              </a:rPr>
+              <a:t>% of the alternatively-polyadenylated transcripts found in the wild type were affected in the Δrbp35 </a:t>
+            </a:r>
+            <a:r>
+              <a:rPr lang="en-US" sz="2400" dirty="0" smtClean="0">
+                <a:solidFill>
+                  <a:schemeClr val="tx1"/>
+                </a:solidFill>
+              </a:rPr>
+              <a:t>mutant, which indicated that alternative site selection was Rbp35-dependent. Lack of Rbp35 in Δrbp35 affects poly(A) site selection by </a:t>
+            </a:r>
+            <a:r>
+              <a:rPr lang="en-US" sz="2400" dirty="0">
+                <a:solidFill>
+                  <a:schemeClr val="tx1"/>
+                </a:solidFill>
+              </a:rPr>
+              <a:t>promoting proximal cuts, resulting in a global shortening of </a:t>
+            </a:r>
+            <a:r>
+              <a:rPr lang="en-US" sz="2400" dirty="0" smtClean="0">
+                <a:solidFill>
+                  <a:schemeClr val="tx1"/>
+                </a:solidFill>
+              </a:rPr>
+              <a:t>3'UTRs.</a:t>
+            </a:r>
+          </a:p>
+          <a:p>
+            <a:pPr marL="342900" indent="-342900" algn="just">
+              <a:buFont typeface="Arial" pitchFamily="34" charset="0"/>
+              <a:buChar char="•"/>
+            </a:pPr>
+            <a:r>
+              <a:rPr lang="en-US" sz="2400" dirty="0" smtClean="0">
+                <a:solidFill>
+                  <a:schemeClr val="tx1"/>
+                </a:solidFill>
+              </a:rPr>
+              <a:t>A UGUAH motif is enriched in Rbp35-dependent poly(A) sites, suggesting that these are the ribonucleotides recognized by Rbp35.</a:t>
+            </a:r>
+          </a:p>
+          <a:p>
+            <a:pPr marL="342900" indent="-342900" algn="just">
+              <a:buFont typeface="Arial" pitchFamily="34" charset="0"/>
+              <a:buChar char="•"/>
+            </a:pPr>
+            <a:r>
+              <a:rPr lang="en-US" sz="2400" dirty="0" smtClean="0">
+                <a:solidFill>
+                  <a:schemeClr val="tx1"/>
+                </a:solidFill>
+              </a:rPr>
+              <a:t>The </a:t>
+            </a:r>
+            <a:r>
+              <a:rPr lang="en-US" sz="2400" i="1" dirty="0">
+                <a:solidFill>
+                  <a:schemeClr val="tx1"/>
+                </a:solidFill>
+              </a:rPr>
+              <a:t>Δrbp35</a:t>
+            </a:r>
+            <a:r>
+              <a:rPr lang="en-US" sz="2400" dirty="0">
+                <a:solidFill>
+                  <a:schemeClr val="tx1"/>
+                </a:solidFill>
+              </a:rPr>
+              <a:t> </a:t>
+            </a:r>
+            <a:r>
+              <a:rPr lang="en-US" sz="2400" dirty="0" smtClean="0">
+                <a:solidFill>
+                  <a:schemeClr val="tx1"/>
+                </a:solidFill>
+              </a:rPr>
+              <a:t>mutant seems to have lost the ability to adapt to nitrogen starvation.</a:t>
+            </a:r>
+            <a:endParaRPr lang="en-US" sz="2400" dirty="0">
+              <a:solidFill>
+                <a:schemeClr val="tx1"/>
+              </a:solidFill>
+            </a:endParaRPr>
+          </a:p>
+        </p:txBody>
+      </p:sp>
+      <p:sp>
+        <p:nvSpPr>
+          <p:cNvPr id="7" name="Rectangle 6"/>
           <p:cNvSpPr/>
           <p:nvPr/>
         </p:nvSpPr>
         <p:spPr>
           <a:xfrm>
-            <a:off x="382999" y="2952628"/>
-            <a:ext cx="19995490" cy="6336704"/>
+            <a:off x="382998" y="9289332"/>
+            <a:ext cx="9836616" cy="9649072"/>
           </a:xfrm>
           <a:prstGeom prst="rect">
             <a:avLst/>
@@ -3837,463 +4221,21 @@
           <a:bodyPr rtlCol="0" anchor="ctr"/>
           <a:lstStyle/>
           <a:p>
-            <a:pPr algn="just"/>
-            <a:r>
-              <a:rPr lang="en-US" sz="2400" b="1" dirty="0" smtClean="0">
-                <a:solidFill>
-                  <a:schemeClr val="tx1"/>
-                </a:solidFill>
-              </a:rPr>
-              <a:t>Background</a:t>
-            </a:r>
-          </a:p>
-          <a:p>
-            <a:pPr algn="just"/>
-            <a:r>
-              <a:rPr lang="en-US" sz="2400" dirty="0" smtClean="0">
-                <a:solidFill>
-                  <a:schemeClr val="tx1"/>
-                </a:solidFill>
-              </a:rPr>
-              <a:t>Several proteins have been shown to regulate alternative polyadenylation (APA), including Cleavage Factor I (CFIm) in metazoan. The ascomycetous fungus </a:t>
-            </a:r>
-            <a:r>
-              <a:rPr lang="en-US" sz="2400" i="1" dirty="0" smtClean="0">
-                <a:solidFill>
-                  <a:schemeClr val="tx1"/>
-                </a:solidFill>
-              </a:rPr>
-              <a:t>Magnaporthe oryzae</a:t>
-            </a:r>
-            <a:r>
-              <a:rPr lang="en-US" sz="2400" dirty="0" smtClean="0">
-                <a:solidFill>
-                  <a:schemeClr val="tx1"/>
-                </a:solidFill>
-              </a:rPr>
-              <a:t>, also known as rice blast, is a plant-pathogenic fungus that causes a serious disease affecting rice. Rbp35 is the functional </a:t>
-            </a:r>
-            <a:r>
-              <a:rPr lang="en-US" sz="2400" i="1" dirty="0" smtClean="0">
-                <a:solidFill>
-                  <a:schemeClr val="tx1"/>
-                </a:solidFill>
-              </a:rPr>
-              <a:t>M. oryzae </a:t>
-            </a:r>
-            <a:r>
-              <a:rPr lang="en-US" sz="2400" dirty="0" smtClean="0">
-                <a:solidFill>
-                  <a:schemeClr val="tx1"/>
-                </a:solidFill>
-              </a:rPr>
-              <a:t>equivalent of Human CFIm68. </a:t>
-            </a:r>
-            <a:r>
-              <a:rPr lang="en-US" sz="2400" i="1" dirty="0" smtClean="0">
-                <a:solidFill>
-                  <a:schemeClr val="tx1"/>
-                </a:solidFill>
-              </a:rPr>
-              <a:t>∆rbp35 </a:t>
-            </a:r>
-            <a:r>
-              <a:rPr lang="en-US" sz="2400" dirty="0" smtClean="0">
-                <a:solidFill>
-                  <a:schemeClr val="tx1"/>
-                </a:solidFill>
-              </a:rPr>
-              <a:t>knock-out mutant is viable indicating that Rbp35 is not an essential components of the polyadenylation machinery in the rice blast fungus. However, </a:t>
-            </a:r>
-            <a:r>
-              <a:rPr lang="en-US" sz="2400" i="1" dirty="0" smtClean="0">
-                <a:solidFill>
-                  <a:schemeClr val="tx1"/>
-                </a:solidFill>
-              </a:rPr>
-              <a:t>Δrbp35</a:t>
-            </a:r>
-            <a:r>
-              <a:rPr lang="en-US" sz="2400" dirty="0" smtClean="0">
-                <a:solidFill>
-                  <a:schemeClr val="tx1"/>
-                </a:solidFill>
-              </a:rPr>
-              <a:t> mutants shows developmental and virulence defects.</a:t>
-            </a:r>
-          </a:p>
-          <a:p>
-            <a:pPr algn="just"/>
-            <a:endParaRPr lang="en-US" sz="2400" b="1" dirty="0" smtClean="0">
-              <a:solidFill>
-                <a:schemeClr val="tx1"/>
-              </a:solidFill>
-            </a:endParaRPr>
-          </a:p>
-          <a:p>
-            <a:pPr algn="just"/>
-            <a:r>
-              <a:rPr lang="en-US" sz="2400" b="1" dirty="0" smtClean="0">
-                <a:solidFill>
-                  <a:schemeClr val="tx1"/>
-                </a:solidFill>
-              </a:rPr>
-              <a:t>Results</a:t>
-            </a:r>
-          </a:p>
-          <a:p>
-            <a:pPr marL="342900" indent="-342900" algn="just">
-              <a:buFont typeface="Arial" pitchFamily="34" charset="0"/>
-              <a:buChar char="•"/>
-            </a:pPr>
-            <a:r>
-              <a:rPr lang="en-US" sz="2400" dirty="0" smtClean="0">
-                <a:solidFill>
-                  <a:schemeClr val="tx1"/>
-                </a:solidFill>
-              </a:rPr>
-              <a:t>Using a novel sequencing protocol, we </a:t>
-            </a:r>
-            <a:r>
-              <a:rPr lang="en-US" sz="2400" dirty="0">
-                <a:solidFill>
-                  <a:schemeClr val="tx1"/>
-                </a:solidFill>
-              </a:rPr>
-              <a:t>mapped the polyadenylation sites of </a:t>
-            </a:r>
-            <a:r>
-              <a:rPr lang="en-US" sz="2400" i="1" dirty="0">
-                <a:solidFill>
-                  <a:schemeClr val="tx1"/>
-                </a:solidFill>
-              </a:rPr>
-              <a:t>M. oryzae </a:t>
-            </a:r>
-            <a:r>
-              <a:rPr lang="en-US" sz="2400" dirty="0">
-                <a:solidFill>
-                  <a:schemeClr val="tx1"/>
-                </a:solidFill>
-              </a:rPr>
-              <a:t>in four different growing conditions and identified more than 14000 high-confidence </a:t>
-            </a:r>
-            <a:r>
-              <a:rPr lang="en-US" sz="2400" dirty="0" smtClean="0">
-                <a:solidFill>
-                  <a:schemeClr val="tx1"/>
-                </a:solidFill>
-              </a:rPr>
-              <a:t>polyadenylation </a:t>
-            </a:r>
-            <a:r>
-              <a:rPr lang="en-US" sz="2400" dirty="0">
-                <a:solidFill>
-                  <a:schemeClr val="tx1"/>
-                </a:solidFill>
-              </a:rPr>
-              <a:t>sites, accounting for more than 7,000 protein coding </a:t>
-            </a:r>
-            <a:r>
-              <a:rPr lang="en-US" sz="2400" dirty="0" smtClean="0">
-                <a:solidFill>
-                  <a:schemeClr val="tx1"/>
-                </a:solidFill>
-              </a:rPr>
-              <a:t>genes</a:t>
-            </a:r>
-          </a:p>
-          <a:p>
-            <a:pPr marL="342900" indent="-342900" algn="just">
-              <a:buFont typeface="Arial" pitchFamily="34" charset="0"/>
-              <a:buChar char="•"/>
-            </a:pPr>
-            <a:r>
-              <a:rPr lang="en-US" sz="2400" dirty="0">
-                <a:solidFill>
-                  <a:schemeClr val="tx1"/>
-                </a:solidFill>
-              </a:rPr>
-              <a:t>30% of </a:t>
-            </a:r>
-            <a:r>
-              <a:rPr lang="en-US" sz="2400" i="1" dirty="0">
-                <a:solidFill>
-                  <a:schemeClr val="tx1"/>
-                </a:solidFill>
-              </a:rPr>
-              <a:t>M. oryzae </a:t>
-            </a:r>
-            <a:r>
-              <a:rPr lang="en-US" sz="2400" dirty="0">
-                <a:solidFill>
-                  <a:schemeClr val="tx1"/>
-                </a:solidFill>
-              </a:rPr>
-              <a:t>genes are alternatively polyadenylated, and grouped in specific functional </a:t>
-            </a:r>
-            <a:r>
-              <a:rPr lang="en-US" sz="2400" dirty="0" smtClean="0">
-                <a:solidFill>
-                  <a:schemeClr val="tx1"/>
-                </a:solidFill>
-              </a:rPr>
-              <a:t>groups.</a:t>
-            </a:r>
-          </a:p>
-          <a:p>
-            <a:pPr marL="342900" indent="-342900" algn="just">
-              <a:buFont typeface="Arial" pitchFamily="34" charset="0"/>
-              <a:buChar char="•"/>
-            </a:pPr>
-            <a:r>
-              <a:rPr lang="en-US" sz="2400" dirty="0">
-                <a:solidFill>
-                  <a:schemeClr val="tx1"/>
-                </a:solidFill>
-              </a:rPr>
-              <a:t>T</a:t>
-            </a:r>
-            <a:r>
-              <a:rPr lang="en-US" sz="2400" dirty="0" smtClean="0">
-                <a:solidFill>
-                  <a:schemeClr val="tx1"/>
-                </a:solidFill>
-              </a:rPr>
-              <a:t>he </a:t>
-            </a:r>
-            <a:r>
-              <a:rPr lang="en-US" sz="2400" dirty="0">
-                <a:solidFill>
-                  <a:schemeClr val="tx1"/>
-                </a:solidFill>
-              </a:rPr>
-              <a:t>nucleotide </a:t>
-            </a:r>
-            <a:r>
-              <a:rPr lang="en-US" sz="2400" dirty="0" smtClean="0">
-                <a:solidFill>
-                  <a:schemeClr val="tx1"/>
-                </a:solidFill>
-              </a:rPr>
-              <a:t>context and  </a:t>
-            </a:r>
-            <a:r>
-              <a:rPr lang="en-US" sz="2400" dirty="0">
-                <a:solidFill>
-                  <a:schemeClr val="tx1"/>
-                </a:solidFill>
-              </a:rPr>
-              <a:t>protein-binding regions </a:t>
-            </a:r>
-            <a:r>
-              <a:rPr lang="en-US" sz="2400" dirty="0" smtClean="0">
-                <a:solidFill>
-                  <a:schemeClr val="tx1"/>
-                </a:solidFill>
-              </a:rPr>
-              <a:t>differ </a:t>
-            </a:r>
-            <a:r>
-              <a:rPr lang="en-US" sz="2400" dirty="0">
-                <a:solidFill>
-                  <a:schemeClr val="tx1"/>
-                </a:solidFill>
-              </a:rPr>
-              <a:t>from budding </a:t>
-            </a:r>
-            <a:r>
-              <a:rPr lang="en-US" sz="2400" dirty="0" smtClean="0">
-                <a:solidFill>
-                  <a:schemeClr val="tx1"/>
-                </a:solidFill>
-              </a:rPr>
-              <a:t>yeast.</a:t>
-            </a:r>
-          </a:p>
-          <a:p>
-            <a:pPr marL="342900" indent="-342900" algn="just">
-              <a:buFont typeface="Arial" pitchFamily="34" charset="0"/>
-              <a:buChar char="•"/>
-            </a:pPr>
-            <a:r>
-              <a:rPr lang="en-US" sz="2400" dirty="0" smtClean="0">
-                <a:solidFill>
-                  <a:schemeClr val="tx1"/>
-                </a:solidFill>
-              </a:rPr>
-              <a:t>Polyadenylation sites possess a specific predicted RNA secondary structure, also depending on the elements defining the polyadenylation site.</a:t>
-            </a:r>
-          </a:p>
-          <a:p>
-            <a:pPr marL="342900" indent="-342900" algn="just">
-              <a:buFont typeface="Arial" pitchFamily="34" charset="0"/>
-              <a:buChar char="•"/>
-            </a:pPr>
-            <a:r>
-              <a:rPr lang="en-US" sz="2400" dirty="0">
-                <a:solidFill>
-                  <a:schemeClr val="tx1"/>
-                </a:solidFill>
-              </a:rPr>
-              <a:t>Under carbon starvation, </a:t>
-            </a:r>
-            <a:r>
-              <a:rPr lang="en-US" sz="2400" dirty="0" smtClean="0">
-                <a:solidFill>
-                  <a:schemeClr val="tx1"/>
-                </a:solidFill>
-              </a:rPr>
-              <a:t>polyadenylation </a:t>
-            </a:r>
-            <a:r>
-              <a:rPr lang="en-US" sz="2400" dirty="0">
-                <a:solidFill>
-                  <a:schemeClr val="tx1"/>
-                </a:solidFill>
-              </a:rPr>
-              <a:t>site selection is </a:t>
-            </a:r>
-            <a:r>
-              <a:rPr lang="en-US" sz="2400" dirty="0" smtClean="0">
-                <a:solidFill>
-                  <a:schemeClr val="tx1"/>
-                </a:solidFill>
-              </a:rPr>
-              <a:t>altered in </a:t>
-            </a:r>
-            <a:r>
-              <a:rPr lang="en-US" sz="2400" dirty="0">
-                <a:solidFill>
-                  <a:schemeClr val="tx1"/>
-                </a:solidFill>
-              </a:rPr>
-              <a:t>more than 400 genes, producing longer 3'UTR isoforms</a:t>
-            </a:r>
-            <a:r>
-              <a:rPr lang="en-US" sz="2400" dirty="0" smtClean="0">
-                <a:solidFill>
-                  <a:schemeClr val="tx1"/>
-                </a:solidFill>
-              </a:rPr>
-              <a:t>.</a:t>
-            </a:r>
-          </a:p>
-          <a:p>
-            <a:pPr marL="342900" indent="-342900" algn="just">
-              <a:buFont typeface="Arial" pitchFamily="34" charset="0"/>
-              <a:buChar char="•"/>
-            </a:pPr>
-            <a:r>
-              <a:rPr lang="en-US" sz="2400" dirty="0" smtClean="0">
-                <a:solidFill>
-                  <a:schemeClr val="tx1"/>
-                </a:solidFill>
-              </a:rPr>
-              <a:t>25</a:t>
-            </a:r>
-            <a:r>
-              <a:rPr lang="en-US" sz="2400" dirty="0">
-                <a:solidFill>
-                  <a:schemeClr val="tx1"/>
-                </a:solidFill>
-              </a:rPr>
-              <a:t>% of the alternatively-polyadenylated transcripts found in the wild type were affected in the Δrbp35 </a:t>
-            </a:r>
-            <a:r>
-              <a:rPr lang="en-US" sz="2400" dirty="0" smtClean="0">
-                <a:solidFill>
-                  <a:schemeClr val="tx1"/>
-                </a:solidFill>
-              </a:rPr>
-              <a:t>mutant, which indicated that alternative site selection was Rbp35-dependent. Lack of Rbp35 in Δrbp35 affects poly(A) site selection by </a:t>
-            </a:r>
-            <a:r>
-              <a:rPr lang="en-US" sz="2400" dirty="0">
-                <a:solidFill>
-                  <a:schemeClr val="tx1"/>
-                </a:solidFill>
-              </a:rPr>
-              <a:t>promoting proximal cuts, resulting in a global shortening of </a:t>
-            </a:r>
-            <a:r>
-              <a:rPr lang="en-US" sz="2400" dirty="0" smtClean="0">
-                <a:solidFill>
-                  <a:schemeClr val="tx1"/>
-                </a:solidFill>
-              </a:rPr>
-              <a:t>3'UTRs.</a:t>
-            </a:r>
-          </a:p>
-          <a:p>
-            <a:pPr marL="342900" indent="-342900" algn="just">
-              <a:buFont typeface="Arial" pitchFamily="34" charset="0"/>
-              <a:buChar char="•"/>
-            </a:pPr>
-            <a:r>
-              <a:rPr lang="en-US" sz="2400" dirty="0" smtClean="0">
-                <a:solidFill>
-                  <a:schemeClr val="tx1"/>
-                </a:solidFill>
-              </a:rPr>
-              <a:t>A UGUAH motif is enriched in Rbp35-dependent poly(A) sites, suggesting that these are the ribonucleotides recognized by Rbp35.</a:t>
-            </a:r>
-          </a:p>
-          <a:p>
-            <a:pPr marL="342900" indent="-342900" algn="just">
-              <a:buFont typeface="Arial" pitchFamily="34" charset="0"/>
-              <a:buChar char="•"/>
-            </a:pPr>
-            <a:r>
-              <a:rPr lang="en-US" sz="2400" dirty="0" smtClean="0">
-                <a:solidFill>
-                  <a:schemeClr val="tx1"/>
-                </a:solidFill>
-              </a:rPr>
-              <a:t>The </a:t>
-            </a:r>
-            <a:r>
-              <a:rPr lang="en-US" sz="2400" i="1" dirty="0">
-                <a:solidFill>
-                  <a:schemeClr val="tx1"/>
-                </a:solidFill>
-              </a:rPr>
-              <a:t>Δrbp35</a:t>
-            </a:r>
-            <a:r>
-              <a:rPr lang="en-US" sz="2400" dirty="0">
-                <a:solidFill>
-                  <a:schemeClr val="tx1"/>
-                </a:solidFill>
-              </a:rPr>
-              <a:t> </a:t>
-            </a:r>
-            <a:r>
-              <a:rPr lang="en-US" sz="2400" dirty="0" smtClean="0">
-                <a:solidFill>
-                  <a:schemeClr val="tx1"/>
-                </a:solidFill>
-              </a:rPr>
-              <a:t>mutant seems to have lost the ability to adapt to nitrogen starvation.</a:t>
-            </a:r>
-            <a:endParaRPr lang="en-US" sz="2400" dirty="0">
-              <a:solidFill>
-                <a:schemeClr val="tx1"/>
-              </a:solidFill>
-            </a:endParaRPr>
-          </a:p>
-        </p:txBody>
-      </p:sp>
-      <p:sp>
-        <p:nvSpPr>
-          <p:cNvPr id="7" name="Rectangle 6"/>
+            <a:pPr algn="ctr"/>
+            <a:endParaRPr lang="en-US" dirty="0"/>
+          </a:p>
+        </p:txBody>
+      </p:sp>
+      <p:sp>
+        <p:nvSpPr>
+          <p:cNvPr id="9" name="Rectangle 8"/>
           <p:cNvSpPr/>
           <p:nvPr/>
         </p:nvSpPr>
         <p:spPr>
           <a:xfrm>
-            <a:off x="382998" y="9289332"/>
-            <a:ext cx="9836616" cy="9649072"/>
+            <a:off x="368284" y="18938404"/>
+            <a:ext cx="15301700" cy="11953328"/>
           </a:xfrm>
           <a:prstGeom prst="rect">
             <a:avLst/>
@@ -4323,20 +4265,55 @@
           <a:lstStyle/>
           <a:p>
             <a:pPr algn="ctr"/>
-            <a:endParaRPr lang="en-US" dirty="0"/>
-          </a:p>
-        </p:txBody>
-      </p:sp>
-      <p:sp>
-        <p:nvSpPr>
-          <p:cNvPr id="9" name="Rectangle 8"/>
+            <a:r>
+              <a:rPr lang="en-US" dirty="0"/>
+              <a:t>Gruber AR, Lorenz R, </a:t>
+            </a:r>
+            <a:r>
+              <a:rPr lang="en-US" dirty="0" err="1"/>
+              <a:t>Bernhart</a:t>
+            </a:r>
+            <a:r>
+              <a:rPr lang="en-US" dirty="0"/>
+              <a:t> SH, </a:t>
+            </a:r>
+            <a:r>
+              <a:rPr lang="en-US" dirty="0" err="1"/>
+              <a:t>Neuböck</a:t>
+            </a:r>
+            <a:r>
+              <a:rPr lang="en-US" dirty="0"/>
+              <a:t> R, </a:t>
+            </a:r>
+            <a:r>
+              <a:rPr lang="en-US" dirty="0" err="1"/>
+              <a:t>Hofacker</a:t>
+            </a:r>
+            <a:r>
+              <a:rPr lang="en-US" dirty="0"/>
+              <a:t> IL The Vienna </a:t>
+            </a:r>
+            <a:r>
+              <a:rPr lang="en-US" dirty="0" err="1" smtClean="0"/>
+              <a:t>RNbsuite</a:t>
+            </a:r>
+            <a:r>
+              <a:rPr lang="en-US" dirty="0"/>
+              <a:t>. Nucleic Acids Res. 2008</a:t>
+            </a:r>
+          </a:p>
+        </p:txBody>
+      </p:sp>
+      <p:sp>
+        <p:nvSpPr>
+          <p:cNvPr id="10" name="Rectangle 9"/>
           <p:cNvSpPr/>
           <p:nvPr/>
         </p:nvSpPr>
         <p:spPr>
           <a:xfrm>
-            <a:off x="368284" y="18938404"/>
-            <a:ext cx="15301700" cy="11953328"/>
+            <a:off x="15669983" y="18938404"/>
+            <a:ext cx="16373801" cy="12601400"/>
           </a:xfrm>
           <a:prstGeom prst="rect">
             <a:avLst/>
@@ -4366,55 +4343,20 @@
           <a:lstStyle/>
           <a:p>
             <a:pPr algn="ctr"/>
-            <a:r>
-              <a:rPr lang="en-US" dirty="0"/>
-              <a:t>Gruber AR, Lorenz R, </a:t>
-            </a:r>
-            <a:r>
-              <a:rPr lang="en-US" dirty="0" err="1"/>
-              <a:t>Bernhart</a:t>
-            </a:r>
-            <a:r>
-              <a:rPr lang="en-US" dirty="0"/>
-              <a:t> SH, </a:t>
-            </a:r>
-            <a:r>
-              <a:rPr lang="en-US" dirty="0" err="1"/>
-              <a:t>Neuböck</a:t>
-            </a:r>
-            <a:r>
-              <a:rPr lang="en-US" dirty="0"/>
-              <a:t> R, </a:t>
-            </a:r>
-            <a:r>
-              <a:rPr lang="en-US" dirty="0" err="1"/>
-              <a:t>Hofacker</a:t>
-            </a:r>
-            <a:r>
-              <a:rPr lang="en-US" dirty="0"/>
-              <a:t> IL The Vienna </a:t>
-            </a:r>
-            <a:r>
-              <a:rPr lang="en-US" dirty="0" err="1" smtClean="0"/>
-              <a:t>RNbsuite</a:t>
-            </a:r>
-            <a:r>
-              <a:rPr lang="en-US" dirty="0"/>
-              <a:t>. Nucleic Acids Res. 2008</a:t>
-            </a:r>
-          </a:p>
-        </p:txBody>
-      </p:sp>
-      <p:sp>
-        <p:nvSpPr>
-          <p:cNvPr id="10" name="Rectangle 9"/>
+            <a:endParaRPr lang="en-US" dirty="0"/>
+          </a:p>
+        </p:txBody>
+      </p:sp>
+      <p:sp>
+        <p:nvSpPr>
+          <p:cNvPr id="11" name="Rectangle 10"/>
           <p:cNvSpPr/>
           <p:nvPr/>
         </p:nvSpPr>
         <p:spPr>
           <a:xfrm>
-            <a:off x="15669983" y="18938404"/>
-            <a:ext cx="16373801" cy="12601400"/>
+            <a:off x="354928" y="30891732"/>
+            <a:ext cx="15301699" cy="10081121"/>
           </a:xfrm>
           <a:prstGeom prst="rect">
             <a:avLst/>
@@ -4444,20 +4386,24 @@
           <a:lstStyle/>
           <a:p>
             <a:pPr algn="ctr"/>
+            <a:r>
+              <a:rPr lang="en-US" dirty="0" smtClean="0"/>
+              <a:t>UG</a:t>
+            </a:r>
             <a:endParaRPr lang="en-US" dirty="0"/>
           </a:p>
         </p:txBody>
       </p:sp>
       <p:sp>
         <p:nvSpPr>
-          <p:cNvPr id="11" name="Rectangle 10"/>
+          <p:cNvPr id="12" name="Rectangle 11"/>
           <p:cNvSpPr/>
           <p:nvPr/>
         </p:nvSpPr>
         <p:spPr>
           <a:xfrm>
-            <a:off x="354928" y="30891732"/>
-            <a:ext cx="15301699" cy="10081121"/>
+            <a:off x="15669983" y="31539803"/>
+            <a:ext cx="16373802" cy="9433050"/>
           </a:xfrm>
           <a:prstGeom prst="rect">
             <a:avLst/>
@@ -4465,51 +4411,6 @@
           <a:solidFill>
             <a:schemeClr val="bg1"/>
           </a:solidFill>
-        </p:spPr>
-        <p:style>
-          <a:lnRef idx="2">
-            <a:schemeClr val="accent1">
-              <a:shade val="50000"/>
-            </a:schemeClr>
-          </a:lnRef>
-          <a:fillRef idx="1">
-            <a:schemeClr val="accent1"/>
-          </a:fillRef>
-          <a:effectRef idx="0">
-            <a:schemeClr val="accent1"/>
-          </a:effectRef>
-          <a:fontRef idx="minor">
-            <a:schemeClr val="lt1"/>
-          </a:fontRef>
-        </p:style>
-        <p:txBody>
-          <a:bodyPr rtlCol="0" anchor="ctr"/>
-          <a:lstStyle/>
-          <a:p>
-            <a:pPr algn="ctr"/>
-            <a:r>
-              <a:rPr lang="en-US" dirty="0" smtClean="0"/>
-              <a:t>UG</a:t>
-            </a:r>
-            <a:endParaRPr lang="en-US" dirty="0"/>
-          </a:p>
-        </p:txBody>
-      </p:sp>
-      <p:sp>
-        <p:nvSpPr>
-          <p:cNvPr id="12" name="Rectangle 11"/>
-          <p:cNvSpPr/>
-          <p:nvPr/>
-        </p:nvSpPr>
-        <p:spPr>
-          <a:xfrm>
-            <a:off x="15669983" y="31539803"/>
-            <a:ext cx="16373802" cy="9433050"/>
-          </a:xfrm>
-          <a:prstGeom prst="rect">
-            <a:avLst/>
-          </a:prstGeom>
-          <a:noFill/>
         </p:spPr>
         <p:style>
           <a:lnRef idx="2">
@@ -4677,7 +4578,7 @@
         <p:spPr>
           <a:xfrm>
             <a:off x="10225361" y="9289332"/>
-            <a:ext cx="9566895" cy="9649072"/>
+            <a:ext cx="10153128" cy="9649072"/>
           </a:xfrm>
           <a:prstGeom prst="rect">
             <a:avLst/>
@@ -4855,23 +4756,7 @@
                   <a:schemeClr val="tx1"/>
                 </a:solidFill>
               </a:rPr>
-              <a:t>Most </a:t>
-            </a:r>
-            <a:r>
-              <a:rPr lang="en-US" sz="2400" dirty="0" smtClean="0">
-                <a:solidFill>
-                  <a:schemeClr val="tx1"/>
-                </a:solidFill>
-              </a:rPr>
-              <a:t>alternative </a:t>
-            </a:r>
-            <a:r>
-              <a:rPr lang="en-US" sz="2400" dirty="0" smtClean="0">
-                <a:solidFill>
-                  <a:schemeClr val="tx1"/>
-                </a:solidFill>
-              </a:rPr>
-              <a:t>polyadenylation events are located in the 3’UTR and are composed of 2 alternatives only</a:t>
+              <a:t>Most alternative polyadenylation events are located in the 3’UTR and are composed of 2 alternatives only</a:t>
             </a:r>
             <a:endParaRPr lang="en-US" sz="2400" dirty="0">
               <a:solidFill>
@@ -4904,7 +4789,7 @@
         </p:blipFill>
         <p:spPr bwMode="auto">
           <a:xfrm>
-            <a:off x="22571374" y="15554388"/>
+            <a:off x="23147438" y="15554388"/>
             <a:ext cx="7560000" cy="3240000"/>
           </a:xfrm>
           <a:prstGeom prst="rect">
@@ -4968,7 +4853,7 @@
         </p:blipFill>
         <p:spPr bwMode="auto">
           <a:xfrm>
-            <a:off x="22571374" y="10441460"/>
+            <a:off x="23147438" y="10441460"/>
             <a:ext cx="7560000" cy="3240000"/>
           </a:xfrm>
           <a:prstGeom prst="rect">
@@ -5019,7 +4904,7 @@
         </p:nvCxnSpPr>
         <p:spPr>
           <a:xfrm flipH="1" flipV="1">
-            <a:off x="26859209" y="12023899"/>
+            <a:off x="27435273" y="12023899"/>
             <a:ext cx="432048" cy="1774821"/>
           </a:xfrm>
           <a:prstGeom prst="straightConnector1">
@@ -5054,7 +4939,7 @@
         </p:nvCxnSpPr>
         <p:spPr>
           <a:xfrm flipV="1">
-            <a:off x="25443445" y="12023899"/>
+            <a:off x="26019509" y="12023899"/>
             <a:ext cx="695684" cy="1776736"/>
           </a:xfrm>
           <a:prstGeom prst="straightConnector1">
@@ -5089,7 +4974,7 @@
         </p:nvCxnSpPr>
         <p:spPr>
           <a:xfrm flipV="1">
-            <a:off x="24477151" y="11917289"/>
+            <a:off x="25053215" y="11917289"/>
             <a:ext cx="1084996" cy="1881430"/>
           </a:xfrm>
           <a:prstGeom prst="straightConnector1">
@@ -5124,7 +5009,7 @@
         </p:nvCxnSpPr>
         <p:spPr>
           <a:xfrm flipV="1">
-            <a:off x="23381939" y="12061460"/>
+            <a:off x="23958003" y="12061460"/>
             <a:ext cx="1418208" cy="1737259"/>
           </a:xfrm>
           <a:prstGeom prst="straightConnector1">
@@ -5157,7 +5042,7 @@
         </p:nvSpPr>
         <p:spPr>
           <a:xfrm>
-            <a:off x="24914993" y="14546277"/>
+            <a:off x="25491057" y="14546277"/>
             <a:ext cx="1008112" cy="500608"/>
           </a:xfrm>
           <a:prstGeom prst="rect">
@@ -5208,7 +5093,7 @@
         </p:nvSpPr>
         <p:spPr>
           <a:xfrm>
-            <a:off x="23978889" y="14546277"/>
+            <a:off x="24554953" y="14546277"/>
             <a:ext cx="936104" cy="500608"/>
           </a:xfrm>
           <a:prstGeom prst="rect">
@@ -5255,7 +5140,7 @@
         </p:nvSpPr>
         <p:spPr>
           <a:xfrm>
-            <a:off x="22898769" y="14546277"/>
+            <a:off x="23474833" y="14546277"/>
             <a:ext cx="1079946" cy="500608"/>
           </a:xfrm>
           <a:prstGeom prst="rect">
@@ -5299,7 +5184,7 @@
         </p:nvSpPr>
         <p:spPr>
           <a:xfrm>
-            <a:off x="26787201" y="14546277"/>
+            <a:off x="27363265" y="14546277"/>
             <a:ext cx="1501824" cy="500608"/>
           </a:xfrm>
           <a:prstGeom prst="rect">
@@ -5348,7 +5233,7 @@
         </p:nvSpPr>
         <p:spPr>
           <a:xfrm>
-            <a:off x="25923105" y="14546277"/>
+            <a:off x="26499169" y="14546277"/>
             <a:ext cx="848508" cy="500608"/>
           </a:xfrm>
           <a:prstGeom prst="rect">
@@ -5395,7 +5280,7 @@
         </p:nvCxnSpPr>
         <p:spPr>
           <a:xfrm flipH="1">
-            <a:off x="26314950" y="10297444"/>
+            <a:off x="26891014" y="10297444"/>
             <a:ext cx="36424" cy="7632848"/>
           </a:xfrm>
           <a:prstGeom prst="line">
@@ -5436,7 +5321,7 @@
         </p:nvCxnSpPr>
         <p:spPr>
           <a:xfrm flipH="1">
-            <a:off x="26859209" y="15046885"/>
+            <a:off x="27435273" y="15046885"/>
             <a:ext cx="678904" cy="1947664"/>
           </a:xfrm>
           <a:prstGeom prst="straightConnector1">
@@ -5471,7 +5356,7 @@
         </p:nvCxnSpPr>
         <p:spPr>
           <a:xfrm>
-            <a:off x="25419049" y="15046885"/>
+            <a:off x="25995113" y="15046885"/>
             <a:ext cx="600298" cy="1371600"/>
           </a:xfrm>
           <a:prstGeom prst="straightConnector1">
@@ -5506,7 +5391,7 @@
         </p:nvCxnSpPr>
         <p:spPr>
           <a:xfrm>
-            <a:off x="24446941" y="15046885"/>
+            <a:off x="25023005" y="15046885"/>
             <a:ext cx="1115206" cy="1443608"/>
           </a:xfrm>
           <a:prstGeom prst="straightConnector1">
@@ -5541,7 +5426,7 @@
         </p:nvCxnSpPr>
         <p:spPr>
           <a:xfrm>
-            <a:off x="23438742" y="15046885"/>
+            <a:off x="24014806" y="15046885"/>
             <a:ext cx="1116211" cy="1816025"/>
           </a:xfrm>
           <a:prstGeom prst="straightConnector1">
@@ -5574,7 +5459,7 @@
         </p:nvSpPr>
         <p:spPr>
           <a:xfrm>
-            <a:off x="21818649" y="14546277"/>
+            <a:off x="22394713" y="14546277"/>
             <a:ext cx="1080120" cy="500608"/>
           </a:xfrm>
           <a:prstGeom prst="rect">
@@ -5618,7 +5503,7 @@
         </p:nvSpPr>
         <p:spPr>
           <a:xfrm>
-            <a:off x="20306481" y="11583174"/>
+            <a:off x="20882545" y="11583174"/>
             <a:ext cx="1949508" cy="523220"/>
           </a:xfrm>
           <a:prstGeom prst="rect">
@@ -5648,7 +5533,7 @@
         </p:nvSpPr>
         <p:spPr>
           <a:xfrm>
-            <a:off x="20378489" y="16862910"/>
+            <a:off x="20954553" y="16862910"/>
             <a:ext cx="1544269" cy="523220"/>
           </a:xfrm>
           <a:prstGeom prst="rect">
@@ -5680,7 +5565,7 @@
         </p:nvCxnSpPr>
         <p:spPr>
           <a:xfrm>
-            <a:off x="22358709" y="15046885"/>
+            <a:off x="22934773" y="15046885"/>
             <a:ext cx="2088232" cy="1875656"/>
           </a:xfrm>
           <a:prstGeom prst="straightConnector1">
@@ -5713,7 +5598,7 @@
         </p:nvSpPr>
         <p:spPr>
           <a:xfrm>
-            <a:off x="26787201" y="13798720"/>
+            <a:off x="27363265" y="13798720"/>
             <a:ext cx="1008112" cy="500608"/>
           </a:xfrm>
           <a:prstGeom prst="rect">
@@ -5764,7 +5649,7 @@
         </p:nvSpPr>
         <p:spPr>
           <a:xfrm>
-            <a:off x="24939389" y="13800635"/>
+            <a:off x="25515453" y="13800635"/>
             <a:ext cx="1008112" cy="500608"/>
           </a:xfrm>
           <a:prstGeom prst="rect">
@@ -5815,7 +5700,7 @@
         </p:nvSpPr>
         <p:spPr>
           <a:xfrm>
-            <a:off x="24009099" y="13798719"/>
+            <a:off x="24585163" y="13798719"/>
             <a:ext cx="936104" cy="502523"/>
           </a:xfrm>
           <a:prstGeom prst="rect">
@@ -5862,7 +5747,7 @@
         </p:nvSpPr>
         <p:spPr>
           <a:xfrm>
-            <a:off x="22754753" y="13798719"/>
+            <a:off x="23330817" y="13798719"/>
             <a:ext cx="1254371" cy="500608"/>
           </a:xfrm>
           <a:prstGeom prst="rect">
@@ -5906,7 +5791,7 @@
         </p:nvSpPr>
         <p:spPr>
           <a:xfrm>
-            <a:off x="19960188" y="9549791"/>
+            <a:off x="20594513" y="9549791"/>
             <a:ext cx="12709524" cy="646331"/>
           </a:xfrm>
           <a:prstGeom prst="rect">
@@ -6466,23 +6351,7 @@
                   <a:prstClr val="black"/>
                 </a:solidFill>
               </a:rPr>
-              <a:t>) Different </a:t>
-            </a:r>
-            <a:r>
-              <a:rPr lang="en-US" sz="2400" b="1" i="1" dirty="0" smtClean="0">
-                <a:solidFill>
-                  <a:prstClr val="black"/>
-                </a:solidFill>
-              </a:rPr>
-              <a:t>polyadenylation signals </a:t>
-            </a:r>
-            <a:r>
-              <a:rPr lang="en-US" sz="2400" b="1" i="1" dirty="0" smtClean="0">
-                <a:solidFill>
-                  <a:prstClr val="black"/>
-                </a:solidFill>
-              </a:rPr>
-              <a:t>have </a:t>
+              <a:t>) Different polyadenylation signals have </a:t>
             </a:r>
             <a:r>
               <a:rPr lang="en-US" sz="2400" b="1" i="1" dirty="0">
@@ -10473,15 +10342,7 @@
             <a:pPr algn="ctr"/>
             <a:r>
               <a:rPr lang="en-US" sz="2400" dirty="0" smtClean="0"/>
-              <a:t>Most </a:t>
-            </a:r>
-            <a:r>
-              <a:rPr lang="en-US" sz="2400" dirty="0" smtClean="0"/>
-              <a:t>metabolic </a:t>
-            </a:r>
-            <a:r>
-              <a:rPr lang="en-US" sz="2400" dirty="0" smtClean="0"/>
-              <a:t>pathways are down-regulated in carbon starvation</a:t>
+              <a:t>Most metabolic pathways are down-regulated in carbon starvation</a:t>
             </a:r>
             <a:endParaRPr lang="en-US" sz="2400" dirty="0"/>
           </a:p>
@@ -10496,7 +10357,7 @@
         <p:spPr>
           <a:xfrm>
             <a:off x="20119417" y="33986335"/>
-            <a:ext cx="2053767" cy="523220"/>
+            <a:ext cx="2089033" cy="523220"/>
           </a:xfrm>
           <a:prstGeom prst="rect">
             <a:avLst/>
@@ -10518,7 +10379,26 @@
               <a:rPr lang="en-US" sz="2800" dirty="0" smtClean="0">
                 <a:latin typeface="+mj-lt"/>
               </a:rPr>
-              <a:t>CM -&gt; MM-C</a:t>
+              <a:t>CM </a:t>
+            </a:r>
+            <a:r>
+              <a:rPr lang="en-US" sz="2800" dirty="0" smtClean="0">
+                <a:latin typeface="Calibri"/>
+                <a:cs typeface="Calibri"/>
+              </a:rPr>
+              <a:t>→</a:t>
+            </a:r>
+            <a:r>
+              <a:rPr lang="en-US" sz="2800" dirty="0" smtClean="0">
+                <a:latin typeface="+mj-lt"/>
+              </a:rPr>
+              <a:t> </a:t>
+            </a:r>
+            <a:r>
+              <a:rPr lang="en-US" sz="2800" dirty="0" smtClean="0">
+                <a:latin typeface="+mj-lt"/>
+              </a:rPr>
+              <a:t>MM-C</a:t>
             </a:r>
             <a:endParaRPr lang="en-US" sz="2800" dirty="0">
               <a:latin typeface="+mj-lt"/>
@@ -10535,7 +10415,7 @@
         <p:spPr>
           <a:xfrm>
             <a:off x="20043168" y="37713328"/>
-            <a:ext cx="2095445" cy="523220"/>
+            <a:ext cx="2130711" cy="523220"/>
           </a:xfrm>
           <a:prstGeom prst="rect">
             <a:avLst/>
@@ -10555,7 +10435,21 @@
           <a:p>
             <a:r>
               <a:rPr lang="en-US" sz="2800" dirty="0" smtClean="0"/>
-              <a:t>CM -&gt; MM-N</a:t>
+              <a:t>CM </a:t>
+            </a:r>
+            <a:r>
+              <a:rPr lang="en-US" sz="2800" dirty="0">
+                <a:cs typeface="Calibri"/>
+              </a:rPr>
+              <a:t>→</a:t>
+            </a:r>
+            <a:r>
+              <a:rPr lang="en-US" sz="2800" dirty="0" smtClean="0"/>
+              <a:t> </a:t>
+            </a:r>
+            <a:r>
+              <a:rPr lang="en-US" sz="2800" dirty="0" smtClean="0"/>
+              <a:t>MM-N</a:t>
             </a:r>
             <a:endParaRPr lang="en-US" sz="2800" dirty="0"/>
           </a:p>
@@ -11404,6 +11298,232 @@
               <a:t>Shorter 3’UTR</a:t>
             </a:r>
             <a:endParaRPr lang="en-US" sz="3200" dirty="0"/>
+          </a:p>
+        </p:txBody>
+      </p:sp>
+      <p:sp>
+        <p:nvSpPr>
+          <p:cNvPr id="13" name="12 Rectángulo"/>
+          <p:cNvSpPr/>
+          <p:nvPr/>
+        </p:nvSpPr>
+        <p:spPr>
+          <a:xfrm>
+            <a:off x="368284" y="576364"/>
+            <a:ext cx="31747509" cy="2123658"/>
+          </a:xfrm>
+          <a:prstGeom prst="rect">
+            <a:avLst/>
+          </a:prstGeom>
+        </p:spPr>
+        <p:txBody>
+          <a:bodyPr wrap="square">
+            <a:spAutoFit/>
+          </a:bodyPr>
+          <a:lstStyle/>
+          <a:p>
+            <a:pPr algn="ctr">
+              <a:lnSpc>
+                <a:spcPct val="50000"/>
+              </a:lnSpc>
+              <a:spcBef>
+                <a:spcPct val="50000"/>
+              </a:spcBef>
+            </a:pPr>
+            <a:r>
+              <a:rPr lang="en-US" altLang="x-none" sz="8800" b="1" dirty="0" err="1">
+                <a:solidFill>
+                  <a:schemeClr val="bg2">
+                    <a:lumMod val="50000"/>
+                  </a:schemeClr>
+                </a:solidFill>
+                <a:effectLst>
+                  <a:outerShdw blurRad="50800" dist="38100" dir="8100000" algn="tr" rotWithShape="0">
+                    <a:prstClr val="black"/>
+                  </a:outerShdw>
+                </a:effectLst>
+                <a:latin typeface="Calibri" pitchFamily="34" charset="0"/>
+                <a:cs typeface="Calibri" pitchFamily="34" charset="0"/>
+              </a:rPr>
+              <a:t>Bioinformatic</a:t>
+            </a:r>
+            <a:r>
+              <a:rPr lang="en-US" altLang="x-none" sz="8800" b="1" dirty="0">
+                <a:solidFill>
+                  <a:schemeClr val="bg2">
+                    <a:lumMod val="50000"/>
+                  </a:schemeClr>
+                </a:solidFill>
+                <a:effectLst>
+                  <a:outerShdw blurRad="50800" dist="38100" dir="8100000" algn="tr" rotWithShape="0">
+                    <a:prstClr val="black"/>
+                  </a:outerShdw>
+                </a:effectLst>
+                <a:latin typeface="Calibri" pitchFamily="34" charset="0"/>
+                <a:cs typeface="Calibri" pitchFamily="34" charset="0"/>
+              </a:rPr>
+              <a:t> analysis of </a:t>
+            </a:r>
+            <a:r>
+              <a:rPr lang="en-US" altLang="x-none" sz="8800" b="1" i="1" dirty="0" err="1">
+                <a:solidFill>
+                  <a:schemeClr val="bg2">
+                    <a:lumMod val="50000"/>
+                  </a:schemeClr>
+                </a:solidFill>
+                <a:effectLst>
+                  <a:outerShdw blurRad="50800" dist="38100" dir="8100000" algn="tr" rotWithShape="0">
+                    <a:prstClr val="black"/>
+                  </a:outerShdw>
+                </a:effectLst>
+                <a:latin typeface="Calibri" pitchFamily="34" charset="0"/>
+                <a:cs typeface="Calibri" pitchFamily="34" charset="0"/>
+              </a:rPr>
+              <a:t>Magnaporthe</a:t>
+            </a:r>
+            <a:r>
+              <a:rPr lang="en-US" altLang="x-none" sz="8800" b="1" i="1" dirty="0">
+                <a:solidFill>
+                  <a:schemeClr val="bg2">
+                    <a:lumMod val="50000"/>
+                  </a:schemeClr>
+                </a:solidFill>
+                <a:effectLst>
+                  <a:outerShdw blurRad="50800" dist="38100" dir="8100000" algn="tr" rotWithShape="0">
+                    <a:prstClr val="black"/>
+                  </a:outerShdw>
+                </a:effectLst>
+                <a:latin typeface="Calibri" pitchFamily="34" charset="0"/>
+                <a:cs typeface="Calibri" pitchFamily="34" charset="0"/>
+              </a:rPr>
+              <a:t> </a:t>
+            </a:r>
+            <a:r>
+              <a:rPr lang="en-US" altLang="x-none" sz="8800" b="1" i="1" dirty="0" err="1">
+                <a:solidFill>
+                  <a:schemeClr val="bg2">
+                    <a:lumMod val="50000"/>
+                  </a:schemeClr>
+                </a:solidFill>
+                <a:effectLst>
+                  <a:outerShdw blurRad="50800" dist="38100" dir="8100000" algn="tr" rotWithShape="0">
+                    <a:prstClr val="black"/>
+                  </a:outerShdw>
+                </a:effectLst>
+                <a:latin typeface="Calibri" pitchFamily="34" charset="0"/>
+                <a:cs typeface="Calibri" pitchFamily="34" charset="0"/>
+              </a:rPr>
+              <a:t>oryzae</a:t>
+            </a:r>
+            <a:r>
+              <a:rPr lang="en-US" altLang="x-none" sz="8800" b="1" i="1" dirty="0">
+                <a:solidFill>
+                  <a:schemeClr val="bg2">
+                    <a:lumMod val="50000"/>
+                  </a:schemeClr>
+                </a:solidFill>
+                <a:effectLst>
+                  <a:outerShdw blurRad="50800" dist="38100" dir="8100000" algn="tr" rotWithShape="0">
+                    <a:prstClr val="black"/>
+                  </a:outerShdw>
+                </a:effectLst>
+                <a:latin typeface="Calibri" pitchFamily="34" charset="0"/>
+                <a:cs typeface="Calibri" pitchFamily="34" charset="0"/>
+              </a:rPr>
+              <a:t> </a:t>
+            </a:r>
+            <a:r>
+              <a:rPr lang="en-US" altLang="x-none" sz="8800" b="1" dirty="0">
+                <a:solidFill>
+                  <a:schemeClr val="bg2">
+                    <a:lumMod val="50000"/>
+                  </a:schemeClr>
+                </a:solidFill>
+                <a:effectLst>
+                  <a:outerShdw blurRad="50800" dist="38100" dir="8100000" algn="tr" rotWithShape="0">
+                    <a:prstClr val="black"/>
+                  </a:outerShdw>
+                </a:effectLst>
+                <a:latin typeface="Calibri" pitchFamily="34" charset="0"/>
+                <a:cs typeface="Calibri" pitchFamily="34" charset="0"/>
+              </a:rPr>
+              <a:t>polyadenylation </a:t>
+            </a:r>
+            <a:r>
+              <a:rPr lang="en-US" altLang="x-none" sz="8800" b="1" dirty="0" smtClean="0">
+                <a:solidFill>
+                  <a:schemeClr val="bg2">
+                    <a:lumMod val="50000"/>
+                  </a:schemeClr>
+                </a:solidFill>
+                <a:effectLst>
+                  <a:outerShdw blurRad="50800" dist="38100" dir="8100000" algn="tr" rotWithShape="0">
+                    <a:prstClr val="black"/>
+                  </a:outerShdw>
+                </a:effectLst>
+                <a:latin typeface="Calibri" pitchFamily="34" charset="0"/>
+                <a:cs typeface="Calibri" pitchFamily="34" charset="0"/>
+              </a:rPr>
+              <a:t>sites</a:t>
+            </a:r>
+          </a:p>
+          <a:p>
+            <a:pPr algn="ctr">
+              <a:lnSpc>
+                <a:spcPct val="50000"/>
+              </a:lnSpc>
+              <a:spcBef>
+                <a:spcPct val="50000"/>
+              </a:spcBef>
+            </a:pPr>
+            <a:r>
+              <a:rPr lang="en-US" altLang="x-none" sz="8800" b="1" dirty="0" smtClean="0">
+                <a:solidFill>
+                  <a:schemeClr val="bg2">
+                    <a:lumMod val="50000"/>
+                  </a:schemeClr>
+                </a:solidFill>
+                <a:effectLst>
+                  <a:outerShdw blurRad="50800" dist="38100" dir="8100000" algn="tr" rotWithShape="0">
+                    <a:prstClr val="black"/>
+                  </a:outerShdw>
+                </a:effectLst>
+                <a:latin typeface="Calibri" pitchFamily="34" charset="0"/>
+                <a:cs typeface="Calibri" pitchFamily="34" charset="0"/>
+              </a:rPr>
+              <a:t> </a:t>
+            </a:r>
+            <a:r>
+              <a:rPr lang="en-US" altLang="x-none" sz="8800" b="1" dirty="0">
+                <a:solidFill>
+                  <a:schemeClr val="bg2">
+                    <a:lumMod val="50000"/>
+                  </a:schemeClr>
+                </a:solidFill>
+                <a:effectLst>
+                  <a:outerShdw blurRad="50800" dist="38100" dir="8100000" algn="tr" rotWithShape="0">
+                    <a:prstClr val="black"/>
+                  </a:outerShdw>
+                </a:effectLst>
+                <a:latin typeface="Calibri" pitchFamily="34" charset="0"/>
+                <a:cs typeface="Calibri" pitchFamily="34" charset="0"/>
+              </a:rPr>
+              <a:t>from next generation sequencing data</a:t>
+            </a:r>
+            <a:endParaRPr lang="en-US" altLang="x-none" sz="8800" b="1" dirty="0">
+              <a:solidFill>
+                <a:schemeClr val="bg2">
+                  <a:lumMod val="50000"/>
+                </a:schemeClr>
+              </a:solidFill>
+              <a:effectLst>
+                <a:outerShdw blurRad="50800" dist="38100" dir="8100000" algn="tr" rotWithShape="0">
+                  <a:prstClr val="black"/>
+                </a:outerShdw>
+              </a:effectLst>
+              <a:latin typeface="Calibri" pitchFamily="34" charset="0"/>
+              <a:cs typeface="Calibri" pitchFamily="34" charset="0"/>
+            </a:endParaRPr>
           </a:p>
         </p:txBody>
       </p:sp>
